--- a/AB_FP_FN.pptx
+++ b/AB_FP_FN.pptx
@@ -5,16 +5,25 @@
     <p:sldMasterId id="2147483648" r:id="rId1"/>
   </p:sldMasterIdLst>
   <p:notesMasterIdLst>
-    <p:notesMasterId r:id="rId9"/>
+    <p:notesMasterId r:id="rId18"/>
   </p:notesMasterIdLst>
   <p:sldIdLst>
-    <p:sldId id="257" r:id="rId2"/>
-    <p:sldId id="258" r:id="rId3"/>
-    <p:sldId id="259" r:id="rId4"/>
-    <p:sldId id="260" r:id="rId5"/>
-    <p:sldId id="261" r:id="rId6"/>
-    <p:sldId id="262" r:id="rId7"/>
-    <p:sldId id="263" r:id="rId8"/>
+    <p:sldId id="256" r:id="rId2"/>
+    <p:sldId id="257" r:id="rId3"/>
+    <p:sldId id="258" r:id="rId4"/>
+    <p:sldId id="259" r:id="rId5"/>
+    <p:sldId id="260" r:id="rId6"/>
+    <p:sldId id="261" r:id="rId7"/>
+    <p:sldId id="262" r:id="rId8"/>
+    <p:sldId id="263" r:id="rId9"/>
+    <p:sldId id="264" r:id="rId10"/>
+    <p:sldId id="265" r:id="rId11"/>
+    <p:sldId id="266" r:id="rId12"/>
+    <p:sldId id="267" r:id="rId13"/>
+    <p:sldId id="268" r:id="rId14"/>
+    <p:sldId id="269" r:id="rId15"/>
+    <p:sldId id="270" r:id="rId16"/>
+    <p:sldId id="271" r:id="rId17"/>
   </p:sldIdLst>
   <p:sldSz cx="12192000" cy="6858000"/>
   <p:notesSz cx="6858000" cy="9144000"/>
@@ -500,7 +509,7 @@
           <a:bodyPr/>
           <a:lstStyle/>
           <a:p>
-            <a:fld id="{66DE0002-AC2E-1747-96CF-AC621F0EE7F8}" type="slidenum">
+            <a:fld id="{6BE0F07F-CCE7-DB42-809F-64390A19F358}" type="slidenum">
               <a:rPr lang="en-US" altLang="en-US"/>
               <a:pPr/>
               <a:t>1</a:t>
@@ -511,7 +520,7 @@
       </p:sp>
       <p:sp>
         <p:nvSpPr>
-          <p:cNvPr id="166914" name="Rectangle 2"/>
+          <p:cNvPr id="148482" name="Rectangle 2"/>
           <p:cNvSpPr>
             <a:spLocks noChangeArrowheads="1"/>
           </p:cNvSpPr>
@@ -542,7 +551,7 @@
       </p:sp>
       <p:sp>
         <p:nvSpPr>
-          <p:cNvPr id="166915" name="Rectangle 3"/>
+          <p:cNvPr id="148483" name="Rectangle 3"/>
           <p:cNvSpPr>
             <a:spLocks noChangeArrowheads="1"/>
           </p:cNvSpPr>
@@ -581,7 +590,882 @@
     </p:spTree>
     <p:extLst>
       <p:ext uri="{BB962C8B-B14F-4D97-AF65-F5344CB8AC3E}">
-        <p14:creationId xmlns:p14="http://schemas.microsoft.com/office/powerpoint/2010/main" val="404687312"/>
+        <p14:creationId xmlns:p14="http://schemas.microsoft.com/office/powerpoint/2010/main" val="1698683048"/>
+      </p:ext>
+    </p:extLst>
+  </p:cSld>
+  <p:clrMapOvr>
+    <a:masterClrMapping/>
+  </p:clrMapOvr>
+</p:notes>
+</file>
+
+<file path=ppt/notesSlides/notesSlide10.xml><?xml version="1.0" encoding="utf-8"?>
+<p:notes xmlns:a="http://schemas.openxmlformats.org/drawingml/2006/main" xmlns:r="http://schemas.openxmlformats.org/officeDocument/2006/relationships" xmlns:p="http://schemas.openxmlformats.org/presentationml/2006/main">
+  <p:cSld>
+    <p:spTree>
+      <p:nvGrpSpPr>
+        <p:cNvPr id="1" name=""/>
+        <p:cNvGrpSpPr/>
+        <p:nvPr/>
+      </p:nvGrpSpPr>
+      <p:grpSpPr>
+        <a:xfrm>
+          <a:off x="0" y="0"/>
+          <a:ext cx="0" cy="0"/>
+          <a:chOff x="0" y="0"/>
+          <a:chExt cx="0" cy="0"/>
+        </a:xfrm>
+      </p:grpSpPr>
+      <p:sp>
+        <p:nvSpPr>
+          <p:cNvPr id="7" name="Rectangle 7"/>
+          <p:cNvSpPr>
+            <a:spLocks noGrp="1" noChangeArrowheads="1"/>
+          </p:cNvSpPr>
+          <p:nvPr>
+            <p:ph type="sldNum" sz="quarter" idx="5"/>
+          </p:nvPr>
+        </p:nvSpPr>
+        <p:spPr>
+          <a:ln/>
+        </p:spPr>
+        <p:txBody>
+          <a:bodyPr/>
+          <a:lstStyle/>
+          <a:p>
+            <a:fld id="{66DE0002-AC2E-1747-96CF-AC621F0EE7F8}" type="slidenum">
+              <a:rPr lang="en-US" altLang="en-US"/>
+              <a:pPr/>
+              <a:t>10</a:t>
+            </a:fld>
+            <a:endParaRPr lang="en-US" altLang="en-US"/>
+          </a:p>
+        </p:txBody>
+      </p:sp>
+      <p:sp>
+        <p:nvSpPr>
+          <p:cNvPr id="166914" name="Rectangle 2"/>
+          <p:cNvSpPr>
+            <a:spLocks noChangeArrowheads="1"/>
+          </p:cNvSpPr>
+          <p:nvPr>
+            <p:ph type="sldImg"/>
+          </p:nvPr>
+        </p:nvSpPr>
+        <p:spPr bwMode="auto">
+          <a:xfrm>
+            <a:off x="381000" y="685800"/>
+            <a:ext cx="6096000" cy="3429000"/>
+          </a:xfrm>
+          <a:prstGeom prst="rect">
+            <a:avLst/>
+          </a:prstGeom>
+          <a:solidFill>
+            <a:srgbClr val="FFFFFF"/>
+          </a:solidFill>
+          <a:ln>
+            <a:solidFill>
+              <a:srgbClr val="000000"/>
+            </a:solidFill>
+            <a:miter lim="800000"/>
+            <a:headEnd/>
+            <a:tailEnd/>
+          </a:ln>
+        </p:spPr>
+      </p:sp>
+      <p:sp>
+        <p:nvSpPr>
+          <p:cNvPr id="166915" name="Rectangle 3"/>
+          <p:cNvSpPr>
+            <a:spLocks noChangeArrowheads="1"/>
+          </p:cNvSpPr>
+          <p:nvPr>
+            <p:ph type="body" idx="1"/>
+          </p:nvPr>
+        </p:nvSpPr>
+        <p:spPr bwMode="auto">
+          <a:xfrm>
+            <a:off x="914400" y="4343400"/>
+            <a:ext cx="5029200" cy="4114800"/>
+          </a:xfrm>
+          <a:prstGeom prst="rect">
+            <a:avLst/>
+          </a:prstGeom>
+          <a:solidFill>
+            <a:srgbClr val="FFFFFF"/>
+          </a:solidFill>
+          <a:ln>
+            <a:solidFill>
+              <a:srgbClr val="000000"/>
+            </a:solidFill>
+            <a:miter lim="800000"/>
+            <a:headEnd/>
+            <a:tailEnd/>
+          </a:ln>
+        </p:spPr>
+        <p:txBody>
+          <a:bodyPr/>
+          <a:lstStyle/>
+          <a:p>
+            <a:endParaRPr lang="en-US" altLang="en-US"/>
+          </a:p>
+        </p:txBody>
+      </p:sp>
+    </p:spTree>
+    <p:extLst>
+      <p:ext uri="{BB962C8B-B14F-4D97-AF65-F5344CB8AC3E}">
+        <p14:creationId xmlns:p14="http://schemas.microsoft.com/office/powerpoint/2010/main" val="591048418"/>
+      </p:ext>
+    </p:extLst>
+  </p:cSld>
+  <p:clrMapOvr>
+    <a:masterClrMapping/>
+  </p:clrMapOvr>
+</p:notes>
+</file>
+
+<file path=ppt/notesSlides/notesSlide11.xml><?xml version="1.0" encoding="utf-8"?>
+<p:notes xmlns:a="http://schemas.openxmlformats.org/drawingml/2006/main" xmlns:r="http://schemas.openxmlformats.org/officeDocument/2006/relationships" xmlns:p="http://schemas.openxmlformats.org/presentationml/2006/main">
+  <p:cSld>
+    <p:spTree>
+      <p:nvGrpSpPr>
+        <p:cNvPr id="1" name=""/>
+        <p:cNvGrpSpPr/>
+        <p:nvPr/>
+      </p:nvGrpSpPr>
+      <p:grpSpPr>
+        <a:xfrm>
+          <a:off x="0" y="0"/>
+          <a:ext cx="0" cy="0"/>
+          <a:chOff x="0" y="0"/>
+          <a:chExt cx="0" cy="0"/>
+        </a:xfrm>
+      </p:grpSpPr>
+      <p:sp>
+        <p:nvSpPr>
+          <p:cNvPr id="7" name="Rectangle 7"/>
+          <p:cNvSpPr>
+            <a:spLocks noGrp="1" noChangeArrowheads="1"/>
+          </p:cNvSpPr>
+          <p:nvPr>
+            <p:ph type="sldNum" sz="quarter" idx="5"/>
+          </p:nvPr>
+        </p:nvSpPr>
+        <p:spPr>
+          <a:ln/>
+        </p:spPr>
+        <p:txBody>
+          <a:bodyPr/>
+          <a:lstStyle/>
+          <a:p>
+            <a:fld id="{6CF66A65-222E-2446-8576-7B251890BE30}" type="slidenum">
+              <a:rPr lang="en-US" altLang="en-US"/>
+              <a:pPr/>
+              <a:t>11</a:t>
+            </a:fld>
+            <a:endParaRPr lang="en-US" altLang="en-US"/>
+          </a:p>
+        </p:txBody>
+      </p:sp>
+      <p:sp>
+        <p:nvSpPr>
+          <p:cNvPr id="168962" name="Rectangle 2"/>
+          <p:cNvSpPr>
+            <a:spLocks noChangeArrowheads="1"/>
+          </p:cNvSpPr>
+          <p:nvPr>
+            <p:ph type="sldImg"/>
+          </p:nvPr>
+        </p:nvSpPr>
+        <p:spPr bwMode="auto">
+          <a:xfrm>
+            <a:off x="381000" y="685800"/>
+            <a:ext cx="6096000" cy="3429000"/>
+          </a:xfrm>
+          <a:prstGeom prst="rect">
+            <a:avLst/>
+          </a:prstGeom>
+          <a:solidFill>
+            <a:srgbClr val="FFFFFF"/>
+          </a:solidFill>
+          <a:ln>
+            <a:solidFill>
+              <a:srgbClr val="000000"/>
+            </a:solidFill>
+            <a:miter lim="800000"/>
+            <a:headEnd/>
+            <a:tailEnd/>
+          </a:ln>
+        </p:spPr>
+      </p:sp>
+      <p:sp>
+        <p:nvSpPr>
+          <p:cNvPr id="168963" name="Rectangle 3"/>
+          <p:cNvSpPr>
+            <a:spLocks noChangeArrowheads="1"/>
+          </p:cNvSpPr>
+          <p:nvPr>
+            <p:ph type="body" idx="1"/>
+          </p:nvPr>
+        </p:nvSpPr>
+        <p:spPr bwMode="auto">
+          <a:xfrm>
+            <a:off x="914400" y="4343400"/>
+            <a:ext cx="5029200" cy="4114800"/>
+          </a:xfrm>
+          <a:prstGeom prst="rect">
+            <a:avLst/>
+          </a:prstGeom>
+          <a:solidFill>
+            <a:srgbClr val="FFFFFF"/>
+          </a:solidFill>
+          <a:ln>
+            <a:solidFill>
+              <a:srgbClr val="000000"/>
+            </a:solidFill>
+            <a:miter lim="800000"/>
+            <a:headEnd/>
+            <a:tailEnd/>
+          </a:ln>
+        </p:spPr>
+        <p:txBody>
+          <a:bodyPr/>
+          <a:lstStyle/>
+          <a:p>
+            <a:endParaRPr lang="en-US" altLang="en-US"/>
+          </a:p>
+        </p:txBody>
+      </p:sp>
+    </p:spTree>
+    <p:extLst>
+      <p:ext uri="{BB962C8B-B14F-4D97-AF65-F5344CB8AC3E}">
+        <p14:creationId xmlns:p14="http://schemas.microsoft.com/office/powerpoint/2010/main" val="1265378035"/>
+      </p:ext>
+    </p:extLst>
+  </p:cSld>
+  <p:clrMapOvr>
+    <a:masterClrMapping/>
+  </p:clrMapOvr>
+</p:notes>
+</file>
+
+<file path=ppt/notesSlides/notesSlide12.xml><?xml version="1.0" encoding="utf-8"?>
+<p:notes xmlns:a="http://schemas.openxmlformats.org/drawingml/2006/main" xmlns:r="http://schemas.openxmlformats.org/officeDocument/2006/relationships" xmlns:p="http://schemas.openxmlformats.org/presentationml/2006/main">
+  <p:cSld>
+    <p:spTree>
+      <p:nvGrpSpPr>
+        <p:cNvPr id="1" name=""/>
+        <p:cNvGrpSpPr/>
+        <p:nvPr/>
+      </p:nvGrpSpPr>
+      <p:grpSpPr>
+        <a:xfrm>
+          <a:off x="0" y="0"/>
+          <a:ext cx="0" cy="0"/>
+          <a:chOff x="0" y="0"/>
+          <a:chExt cx="0" cy="0"/>
+        </a:xfrm>
+      </p:grpSpPr>
+      <p:sp>
+        <p:nvSpPr>
+          <p:cNvPr id="7" name="Rectangle 7"/>
+          <p:cNvSpPr>
+            <a:spLocks noGrp="1" noChangeArrowheads="1"/>
+          </p:cNvSpPr>
+          <p:nvPr>
+            <p:ph type="sldNum" sz="quarter" idx="5"/>
+          </p:nvPr>
+        </p:nvSpPr>
+        <p:spPr>
+          <a:ln/>
+        </p:spPr>
+        <p:txBody>
+          <a:bodyPr/>
+          <a:lstStyle/>
+          <a:p>
+            <a:fld id="{93C332AF-ADD5-AF43-99A1-C43CB7752472}" type="slidenum">
+              <a:rPr lang="en-US" altLang="en-US"/>
+              <a:pPr/>
+              <a:t>12</a:t>
+            </a:fld>
+            <a:endParaRPr lang="en-US" altLang="en-US"/>
+          </a:p>
+        </p:txBody>
+      </p:sp>
+      <p:sp>
+        <p:nvSpPr>
+          <p:cNvPr id="171010" name="Rectangle 2"/>
+          <p:cNvSpPr>
+            <a:spLocks noChangeArrowheads="1"/>
+          </p:cNvSpPr>
+          <p:nvPr>
+            <p:ph type="sldImg"/>
+          </p:nvPr>
+        </p:nvSpPr>
+        <p:spPr bwMode="auto">
+          <a:xfrm>
+            <a:off x="381000" y="685800"/>
+            <a:ext cx="6096000" cy="3429000"/>
+          </a:xfrm>
+          <a:prstGeom prst="rect">
+            <a:avLst/>
+          </a:prstGeom>
+          <a:solidFill>
+            <a:srgbClr val="FFFFFF"/>
+          </a:solidFill>
+          <a:ln>
+            <a:solidFill>
+              <a:srgbClr val="000000"/>
+            </a:solidFill>
+            <a:miter lim="800000"/>
+            <a:headEnd/>
+            <a:tailEnd/>
+          </a:ln>
+        </p:spPr>
+      </p:sp>
+      <p:sp>
+        <p:nvSpPr>
+          <p:cNvPr id="171011" name="Rectangle 3"/>
+          <p:cNvSpPr>
+            <a:spLocks noChangeArrowheads="1"/>
+          </p:cNvSpPr>
+          <p:nvPr>
+            <p:ph type="body" idx="1"/>
+          </p:nvPr>
+        </p:nvSpPr>
+        <p:spPr bwMode="auto">
+          <a:xfrm>
+            <a:off x="914400" y="4343400"/>
+            <a:ext cx="5029200" cy="4114800"/>
+          </a:xfrm>
+          <a:prstGeom prst="rect">
+            <a:avLst/>
+          </a:prstGeom>
+          <a:solidFill>
+            <a:srgbClr val="FFFFFF"/>
+          </a:solidFill>
+          <a:ln>
+            <a:solidFill>
+              <a:srgbClr val="000000"/>
+            </a:solidFill>
+            <a:miter lim="800000"/>
+            <a:headEnd/>
+            <a:tailEnd/>
+          </a:ln>
+        </p:spPr>
+        <p:txBody>
+          <a:bodyPr/>
+          <a:lstStyle/>
+          <a:p>
+            <a:endParaRPr lang="en-US" altLang="en-US"/>
+          </a:p>
+        </p:txBody>
+      </p:sp>
+    </p:spTree>
+    <p:extLst>
+      <p:ext uri="{BB962C8B-B14F-4D97-AF65-F5344CB8AC3E}">
+        <p14:creationId xmlns:p14="http://schemas.microsoft.com/office/powerpoint/2010/main" val="1792489636"/>
+      </p:ext>
+    </p:extLst>
+  </p:cSld>
+  <p:clrMapOvr>
+    <a:masterClrMapping/>
+  </p:clrMapOvr>
+</p:notes>
+</file>
+
+<file path=ppt/notesSlides/notesSlide13.xml><?xml version="1.0" encoding="utf-8"?>
+<p:notes xmlns:a="http://schemas.openxmlformats.org/drawingml/2006/main" xmlns:r="http://schemas.openxmlformats.org/officeDocument/2006/relationships" xmlns:p="http://schemas.openxmlformats.org/presentationml/2006/main">
+  <p:cSld>
+    <p:spTree>
+      <p:nvGrpSpPr>
+        <p:cNvPr id="1" name=""/>
+        <p:cNvGrpSpPr/>
+        <p:nvPr/>
+      </p:nvGrpSpPr>
+      <p:grpSpPr>
+        <a:xfrm>
+          <a:off x="0" y="0"/>
+          <a:ext cx="0" cy="0"/>
+          <a:chOff x="0" y="0"/>
+          <a:chExt cx="0" cy="0"/>
+        </a:xfrm>
+      </p:grpSpPr>
+      <p:sp>
+        <p:nvSpPr>
+          <p:cNvPr id="7" name="Rectangle 7"/>
+          <p:cNvSpPr>
+            <a:spLocks noGrp="1" noChangeArrowheads="1"/>
+          </p:cNvSpPr>
+          <p:nvPr>
+            <p:ph type="sldNum" sz="quarter" idx="5"/>
+          </p:nvPr>
+        </p:nvSpPr>
+        <p:spPr>
+          <a:ln/>
+        </p:spPr>
+        <p:txBody>
+          <a:bodyPr/>
+          <a:lstStyle/>
+          <a:p>
+            <a:fld id="{EB5B920E-9331-624F-AD3C-1195B06369F9}" type="slidenum">
+              <a:rPr lang="en-US" altLang="en-US"/>
+              <a:pPr/>
+              <a:t>13</a:t>
+            </a:fld>
+            <a:endParaRPr lang="en-US" altLang="en-US"/>
+          </a:p>
+        </p:txBody>
+      </p:sp>
+      <p:sp>
+        <p:nvSpPr>
+          <p:cNvPr id="173058" name="Rectangle 2"/>
+          <p:cNvSpPr>
+            <a:spLocks noChangeArrowheads="1"/>
+          </p:cNvSpPr>
+          <p:nvPr>
+            <p:ph type="sldImg"/>
+          </p:nvPr>
+        </p:nvSpPr>
+        <p:spPr bwMode="auto">
+          <a:xfrm>
+            <a:off x="381000" y="685800"/>
+            <a:ext cx="6096000" cy="3429000"/>
+          </a:xfrm>
+          <a:prstGeom prst="rect">
+            <a:avLst/>
+          </a:prstGeom>
+          <a:solidFill>
+            <a:srgbClr val="FFFFFF"/>
+          </a:solidFill>
+          <a:ln>
+            <a:solidFill>
+              <a:srgbClr val="000000"/>
+            </a:solidFill>
+            <a:miter lim="800000"/>
+            <a:headEnd/>
+            <a:tailEnd/>
+          </a:ln>
+        </p:spPr>
+      </p:sp>
+      <p:sp>
+        <p:nvSpPr>
+          <p:cNvPr id="173059" name="Rectangle 3"/>
+          <p:cNvSpPr>
+            <a:spLocks noChangeArrowheads="1"/>
+          </p:cNvSpPr>
+          <p:nvPr>
+            <p:ph type="body" idx="1"/>
+          </p:nvPr>
+        </p:nvSpPr>
+        <p:spPr bwMode="auto">
+          <a:xfrm>
+            <a:off x="914400" y="4343400"/>
+            <a:ext cx="5029200" cy="4114800"/>
+          </a:xfrm>
+          <a:prstGeom prst="rect">
+            <a:avLst/>
+          </a:prstGeom>
+          <a:solidFill>
+            <a:srgbClr val="FFFFFF"/>
+          </a:solidFill>
+          <a:ln>
+            <a:solidFill>
+              <a:srgbClr val="000000"/>
+            </a:solidFill>
+            <a:miter lim="800000"/>
+            <a:headEnd/>
+            <a:tailEnd/>
+          </a:ln>
+        </p:spPr>
+        <p:txBody>
+          <a:bodyPr/>
+          <a:lstStyle/>
+          <a:p>
+            <a:endParaRPr lang="en-US" altLang="en-US"/>
+          </a:p>
+        </p:txBody>
+      </p:sp>
+    </p:spTree>
+    <p:extLst>
+      <p:ext uri="{BB962C8B-B14F-4D97-AF65-F5344CB8AC3E}">
+        <p14:creationId xmlns:p14="http://schemas.microsoft.com/office/powerpoint/2010/main" val="2123838077"/>
+      </p:ext>
+    </p:extLst>
+  </p:cSld>
+  <p:clrMapOvr>
+    <a:masterClrMapping/>
+  </p:clrMapOvr>
+</p:notes>
+</file>
+
+<file path=ppt/notesSlides/notesSlide14.xml><?xml version="1.0" encoding="utf-8"?>
+<p:notes xmlns:a="http://schemas.openxmlformats.org/drawingml/2006/main" xmlns:r="http://schemas.openxmlformats.org/officeDocument/2006/relationships" xmlns:p="http://schemas.openxmlformats.org/presentationml/2006/main">
+  <p:cSld>
+    <p:spTree>
+      <p:nvGrpSpPr>
+        <p:cNvPr id="1" name=""/>
+        <p:cNvGrpSpPr/>
+        <p:nvPr/>
+      </p:nvGrpSpPr>
+      <p:grpSpPr>
+        <a:xfrm>
+          <a:off x="0" y="0"/>
+          <a:ext cx="0" cy="0"/>
+          <a:chOff x="0" y="0"/>
+          <a:chExt cx="0" cy="0"/>
+        </a:xfrm>
+      </p:grpSpPr>
+      <p:sp>
+        <p:nvSpPr>
+          <p:cNvPr id="7" name="Rectangle 7"/>
+          <p:cNvSpPr>
+            <a:spLocks noGrp="1" noChangeArrowheads="1"/>
+          </p:cNvSpPr>
+          <p:nvPr>
+            <p:ph type="sldNum" sz="quarter" idx="5"/>
+          </p:nvPr>
+        </p:nvSpPr>
+        <p:spPr>
+          <a:ln/>
+        </p:spPr>
+        <p:txBody>
+          <a:bodyPr/>
+          <a:lstStyle/>
+          <a:p>
+            <a:fld id="{48E1C510-BBEE-CF4E-8CAD-EA1F73EB66C4}" type="slidenum">
+              <a:rPr lang="en-US" altLang="en-US"/>
+              <a:pPr/>
+              <a:t>14</a:t>
+            </a:fld>
+            <a:endParaRPr lang="en-US" altLang="en-US"/>
+          </a:p>
+        </p:txBody>
+      </p:sp>
+      <p:sp>
+        <p:nvSpPr>
+          <p:cNvPr id="175106" name="Rectangle 2"/>
+          <p:cNvSpPr>
+            <a:spLocks noChangeArrowheads="1"/>
+          </p:cNvSpPr>
+          <p:nvPr>
+            <p:ph type="sldImg"/>
+          </p:nvPr>
+        </p:nvSpPr>
+        <p:spPr bwMode="auto">
+          <a:xfrm>
+            <a:off x="381000" y="685800"/>
+            <a:ext cx="6096000" cy="3429000"/>
+          </a:xfrm>
+          <a:prstGeom prst="rect">
+            <a:avLst/>
+          </a:prstGeom>
+          <a:solidFill>
+            <a:srgbClr val="FFFFFF"/>
+          </a:solidFill>
+          <a:ln>
+            <a:solidFill>
+              <a:srgbClr val="000000"/>
+            </a:solidFill>
+            <a:miter lim="800000"/>
+            <a:headEnd/>
+            <a:tailEnd/>
+          </a:ln>
+        </p:spPr>
+      </p:sp>
+      <p:sp>
+        <p:nvSpPr>
+          <p:cNvPr id="175107" name="Rectangle 3"/>
+          <p:cNvSpPr>
+            <a:spLocks noChangeArrowheads="1"/>
+          </p:cNvSpPr>
+          <p:nvPr>
+            <p:ph type="body" idx="1"/>
+          </p:nvPr>
+        </p:nvSpPr>
+        <p:spPr bwMode="auto">
+          <a:xfrm>
+            <a:off x="914400" y="4343400"/>
+            <a:ext cx="5029200" cy="4114800"/>
+          </a:xfrm>
+          <a:prstGeom prst="rect">
+            <a:avLst/>
+          </a:prstGeom>
+          <a:solidFill>
+            <a:srgbClr val="FFFFFF"/>
+          </a:solidFill>
+          <a:ln>
+            <a:solidFill>
+              <a:srgbClr val="000000"/>
+            </a:solidFill>
+            <a:miter lim="800000"/>
+            <a:headEnd/>
+            <a:tailEnd/>
+          </a:ln>
+        </p:spPr>
+        <p:txBody>
+          <a:bodyPr/>
+          <a:lstStyle/>
+          <a:p>
+            <a:endParaRPr lang="en-US" altLang="en-US"/>
+          </a:p>
+        </p:txBody>
+      </p:sp>
+    </p:spTree>
+    <p:extLst>
+      <p:ext uri="{BB962C8B-B14F-4D97-AF65-F5344CB8AC3E}">
+        <p14:creationId xmlns:p14="http://schemas.microsoft.com/office/powerpoint/2010/main" val="48996112"/>
+      </p:ext>
+    </p:extLst>
+  </p:cSld>
+  <p:clrMapOvr>
+    <a:masterClrMapping/>
+  </p:clrMapOvr>
+</p:notes>
+</file>
+
+<file path=ppt/notesSlides/notesSlide15.xml><?xml version="1.0" encoding="utf-8"?>
+<p:notes xmlns:a="http://schemas.openxmlformats.org/drawingml/2006/main" xmlns:r="http://schemas.openxmlformats.org/officeDocument/2006/relationships" xmlns:p="http://schemas.openxmlformats.org/presentationml/2006/main">
+  <p:cSld>
+    <p:spTree>
+      <p:nvGrpSpPr>
+        <p:cNvPr id="1" name=""/>
+        <p:cNvGrpSpPr/>
+        <p:nvPr/>
+      </p:nvGrpSpPr>
+      <p:grpSpPr>
+        <a:xfrm>
+          <a:off x="0" y="0"/>
+          <a:ext cx="0" cy="0"/>
+          <a:chOff x="0" y="0"/>
+          <a:chExt cx="0" cy="0"/>
+        </a:xfrm>
+      </p:grpSpPr>
+      <p:sp>
+        <p:nvSpPr>
+          <p:cNvPr id="7" name="Rectangle 7"/>
+          <p:cNvSpPr>
+            <a:spLocks noGrp="1" noChangeArrowheads="1"/>
+          </p:cNvSpPr>
+          <p:nvPr>
+            <p:ph type="sldNum" sz="quarter" idx="5"/>
+          </p:nvPr>
+        </p:nvSpPr>
+        <p:spPr>
+          <a:ln/>
+        </p:spPr>
+        <p:txBody>
+          <a:bodyPr/>
+          <a:lstStyle/>
+          <a:p>
+            <a:fld id="{88A7B00B-C9E5-AA48-A74B-4267810C871C}" type="slidenum">
+              <a:rPr lang="en-US" altLang="en-US"/>
+              <a:pPr/>
+              <a:t>15</a:t>
+            </a:fld>
+            <a:endParaRPr lang="en-US" altLang="en-US"/>
+          </a:p>
+        </p:txBody>
+      </p:sp>
+      <p:sp>
+        <p:nvSpPr>
+          <p:cNvPr id="177154" name="Rectangle 2"/>
+          <p:cNvSpPr>
+            <a:spLocks noChangeArrowheads="1"/>
+          </p:cNvSpPr>
+          <p:nvPr>
+            <p:ph type="sldImg"/>
+          </p:nvPr>
+        </p:nvSpPr>
+        <p:spPr bwMode="auto">
+          <a:xfrm>
+            <a:off x="381000" y="685800"/>
+            <a:ext cx="6096000" cy="3429000"/>
+          </a:xfrm>
+          <a:prstGeom prst="rect">
+            <a:avLst/>
+          </a:prstGeom>
+          <a:solidFill>
+            <a:srgbClr val="FFFFFF"/>
+          </a:solidFill>
+          <a:ln>
+            <a:solidFill>
+              <a:srgbClr val="000000"/>
+            </a:solidFill>
+            <a:miter lim="800000"/>
+            <a:headEnd/>
+            <a:tailEnd/>
+          </a:ln>
+        </p:spPr>
+      </p:sp>
+      <p:sp>
+        <p:nvSpPr>
+          <p:cNvPr id="177155" name="Rectangle 3"/>
+          <p:cNvSpPr>
+            <a:spLocks noChangeArrowheads="1"/>
+          </p:cNvSpPr>
+          <p:nvPr>
+            <p:ph type="body" idx="1"/>
+          </p:nvPr>
+        </p:nvSpPr>
+        <p:spPr bwMode="auto">
+          <a:xfrm>
+            <a:off x="914400" y="4343400"/>
+            <a:ext cx="5029200" cy="4114800"/>
+          </a:xfrm>
+          <a:prstGeom prst="rect">
+            <a:avLst/>
+          </a:prstGeom>
+          <a:solidFill>
+            <a:srgbClr val="FFFFFF"/>
+          </a:solidFill>
+          <a:ln>
+            <a:solidFill>
+              <a:srgbClr val="000000"/>
+            </a:solidFill>
+            <a:miter lim="800000"/>
+            <a:headEnd/>
+            <a:tailEnd/>
+          </a:ln>
+        </p:spPr>
+        <p:txBody>
+          <a:bodyPr/>
+          <a:lstStyle/>
+          <a:p>
+            <a:endParaRPr lang="en-US" altLang="en-US"/>
+          </a:p>
+        </p:txBody>
+      </p:sp>
+    </p:spTree>
+    <p:extLst>
+      <p:ext uri="{BB962C8B-B14F-4D97-AF65-F5344CB8AC3E}">
+        <p14:creationId xmlns:p14="http://schemas.microsoft.com/office/powerpoint/2010/main" val="429700408"/>
+      </p:ext>
+    </p:extLst>
+  </p:cSld>
+  <p:clrMapOvr>
+    <a:masterClrMapping/>
+  </p:clrMapOvr>
+</p:notes>
+</file>
+
+<file path=ppt/notesSlides/notesSlide16.xml><?xml version="1.0" encoding="utf-8"?>
+<p:notes xmlns:a="http://schemas.openxmlformats.org/drawingml/2006/main" xmlns:r="http://schemas.openxmlformats.org/officeDocument/2006/relationships" xmlns:p="http://schemas.openxmlformats.org/presentationml/2006/main">
+  <p:cSld>
+    <p:spTree>
+      <p:nvGrpSpPr>
+        <p:cNvPr id="1" name=""/>
+        <p:cNvGrpSpPr/>
+        <p:nvPr/>
+      </p:nvGrpSpPr>
+      <p:grpSpPr>
+        <a:xfrm>
+          <a:off x="0" y="0"/>
+          <a:ext cx="0" cy="0"/>
+          <a:chOff x="0" y="0"/>
+          <a:chExt cx="0" cy="0"/>
+        </a:xfrm>
+      </p:grpSpPr>
+      <p:sp>
+        <p:nvSpPr>
+          <p:cNvPr id="7" name="Rectangle 7"/>
+          <p:cNvSpPr>
+            <a:spLocks noGrp="1" noChangeArrowheads="1"/>
+          </p:cNvSpPr>
+          <p:nvPr>
+            <p:ph type="sldNum" sz="quarter" idx="5"/>
+          </p:nvPr>
+        </p:nvSpPr>
+        <p:spPr>
+          <a:ln/>
+        </p:spPr>
+        <p:txBody>
+          <a:bodyPr/>
+          <a:lstStyle/>
+          <a:p>
+            <a:fld id="{7BACCE0E-7BC8-E54F-8A57-024BB00B0085}" type="slidenum">
+              <a:rPr lang="en-US" altLang="en-US"/>
+              <a:pPr/>
+              <a:t>16</a:t>
+            </a:fld>
+            <a:endParaRPr lang="en-US" altLang="en-US"/>
+          </a:p>
+        </p:txBody>
+      </p:sp>
+      <p:sp>
+        <p:nvSpPr>
+          <p:cNvPr id="179202" name="Rectangle 2"/>
+          <p:cNvSpPr>
+            <a:spLocks noChangeArrowheads="1"/>
+          </p:cNvSpPr>
+          <p:nvPr>
+            <p:ph type="sldImg"/>
+          </p:nvPr>
+        </p:nvSpPr>
+        <p:spPr bwMode="auto">
+          <a:xfrm>
+            <a:off x="381000" y="685800"/>
+            <a:ext cx="6096000" cy="3429000"/>
+          </a:xfrm>
+          <a:prstGeom prst="rect">
+            <a:avLst/>
+          </a:prstGeom>
+          <a:solidFill>
+            <a:srgbClr val="FFFFFF"/>
+          </a:solidFill>
+          <a:ln>
+            <a:solidFill>
+              <a:srgbClr val="000000"/>
+            </a:solidFill>
+            <a:miter lim="800000"/>
+            <a:headEnd/>
+            <a:tailEnd/>
+          </a:ln>
+        </p:spPr>
+      </p:sp>
+      <p:sp>
+        <p:nvSpPr>
+          <p:cNvPr id="179203" name="Rectangle 3"/>
+          <p:cNvSpPr>
+            <a:spLocks noChangeArrowheads="1"/>
+          </p:cNvSpPr>
+          <p:nvPr>
+            <p:ph type="body" idx="1"/>
+          </p:nvPr>
+        </p:nvSpPr>
+        <p:spPr bwMode="auto">
+          <a:xfrm>
+            <a:off x="914400" y="4343400"/>
+            <a:ext cx="5029200" cy="4114800"/>
+          </a:xfrm>
+          <a:prstGeom prst="rect">
+            <a:avLst/>
+          </a:prstGeom>
+          <a:solidFill>
+            <a:srgbClr val="FFFFFF"/>
+          </a:solidFill>
+          <a:ln>
+            <a:solidFill>
+              <a:srgbClr val="000000"/>
+            </a:solidFill>
+            <a:miter lim="800000"/>
+            <a:headEnd/>
+            <a:tailEnd/>
+          </a:ln>
+        </p:spPr>
+        <p:txBody>
+          <a:bodyPr/>
+          <a:lstStyle/>
+          <a:p>
+            <a:endParaRPr lang="en-US" altLang="en-US"/>
+          </a:p>
+        </p:txBody>
+      </p:sp>
+    </p:spTree>
+    <p:extLst>
+      <p:ext uri="{BB962C8B-B14F-4D97-AF65-F5344CB8AC3E}">
+        <p14:creationId xmlns:p14="http://schemas.microsoft.com/office/powerpoint/2010/main" val="499367465"/>
       </p:ext>
     </p:extLst>
   </p:cSld>
@@ -625,7 +1509,7 @@
           <a:bodyPr/>
           <a:lstStyle/>
           <a:p>
-            <a:fld id="{6CF66A65-222E-2446-8576-7B251890BE30}" type="slidenum">
+            <a:fld id="{BC13F3F5-E3D3-974E-8456-8366BEA88A8E}" type="slidenum">
               <a:rPr lang="en-US" altLang="en-US"/>
               <a:pPr/>
               <a:t>2</a:t>
@@ -636,7 +1520,7 @@
       </p:sp>
       <p:sp>
         <p:nvSpPr>
-          <p:cNvPr id="168962" name="Rectangle 2"/>
+          <p:cNvPr id="150530" name="Rectangle 2"/>
           <p:cNvSpPr>
             <a:spLocks noChangeArrowheads="1"/>
           </p:cNvSpPr>
@@ -667,7 +1551,7 @@
       </p:sp>
       <p:sp>
         <p:nvSpPr>
-          <p:cNvPr id="168963" name="Rectangle 3"/>
+          <p:cNvPr id="150531" name="Rectangle 3"/>
           <p:cNvSpPr>
             <a:spLocks noChangeArrowheads="1"/>
           </p:cNvSpPr>
@@ -706,7 +1590,7 @@
     </p:spTree>
     <p:extLst>
       <p:ext uri="{BB962C8B-B14F-4D97-AF65-F5344CB8AC3E}">
-        <p14:creationId xmlns:p14="http://schemas.microsoft.com/office/powerpoint/2010/main" val="1954389257"/>
+        <p14:creationId xmlns:p14="http://schemas.microsoft.com/office/powerpoint/2010/main" val="1911715482"/>
       </p:ext>
     </p:extLst>
   </p:cSld>
@@ -750,7 +1634,7 @@
           <a:bodyPr/>
           <a:lstStyle/>
           <a:p>
-            <a:fld id="{93C332AF-ADD5-AF43-99A1-C43CB7752472}" type="slidenum">
+            <a:fld id="{6420FDC2-3824-3F44-A119-40E133DE8CDB}" type="slidenum">
               <a:rPr lang="en-US" altLang="en-US"/>
               <a:pPr/>
               <a:t>3</a:t>
@@ -761,7 +1645,7 @@
       </p:sp>
       <p:sp>
         <p:nvSpPr>
-          <p:cNvPr id="171010" name="Rectangle 2"/>
+          <p:cNvPr id="152578" name="Rectangle 2"/>
           <p:cNvSpPr>
             <a:spLocks noChangeArrowheads="1"/>
           </p:cNvSpPr>
@@ -792,7 +1676,7 @@
       </p:sp>
       <p:sp>
         <p:nvSpPr>
-          <p:cNvPr id="171011" name="Rectangle 3"/>
+          <p:cNvPr id="152579" name="Rectangle 3"/>
           <p:cNvSpPr>
             <a:spLocks noChangeArrowheads="1"/>
           </p:cNvSpPr>
@@ -831,7 +1715,7 @@
     </p:spTree>
     <p:extLst>
       <p:ext uri="{BB962C8B-B14F-4D97-AF65-F5344CB8AC3E}">
-        <p14:creationId xmlns:p14="http://schemas.microsoft.com/office/powerpoint/2010/main" val="493913933"/>
+        <p14:creationId xmlns:p14="http://schemas.microsoft.com/office/powerpoint/2010/main" val="131698596"/>
       </p:ext>
     </p:extLst>
   </p:cSld>
@@ -875,7 +1759,7 @@
           <a:bodyPr/>
           <a:lstStyle/>
           <a:p>
-            <a:fld id="{EB5B920E-9331-624F-AD3C-1195B06369F9}" type="slidenum">
+            <a:fld id="{5FD89E0C-22AA-3E45-BD77-0423376D8ECD}" type="slidenum">
               <a:rPr lang="en-US" altLang="en-US"/>
               <a:pPr/>
               <a:t>4</a:t>
@@ -886,7 +1770,7 @@
       </p:sp>
       <p:sp>
         <p:nvSpPr>
-          <p:cNvPr id="173058" name="Rectangle 2"/>
+          <p:cNvPr id="154626" name="Rectangle 2"/>
           <p:cNvSpPr>
             <a:spLocks noChangeArrowheads="1"/>
           </p:cNvSpPr>
@@ -917,7 +1801,7 @@
       </p:sp>
       <p:sp>
         <p:nvSpPr>
-          <p:cNvPr id="173059" name="Rectangle 3"/>
+          <p:cNvPr id="154627" name="Rectangle 3"/>
           <p:cNvSpPr>
             <a:spLocks noChangeArrowheads="1"/>
           </p:cNvSpPr>
@@ -956,7 +1840,7 @@
     </p:spTree>
     <p:extLst>
       <p:ext uri="{BB962C8B-B14F-4D97-AF65-F5344CB8AC3E}">
-        <p14:creationId xmlns:p14="http://schemas.microsoft.com/office/powerpoint/2010/main" val="601106455"/>
+        <p14:creationId xmlns:p14="http://schemas.microsoft.com/office/powerpoint/2010/main" val="135749988"/>
       </p:ext>
     </p:extLst>
   </p:cSld>
@@ -1000,7 +1884,7 @@
           <a:bodyPr/>
           <a:lstStyle/>
           <a:p>
-            <a:fld id="{48E1C510-BBEE-CF4E-8CAD-EA1F73EB66C4}" type="slidenum">
+            <a:fld id="{ADEA0423-915B-5D40-A858-E0428330E116}" type="slidenum">
               <a:rPr lang="en-US" altLang="en-US"/>
               <a:pPr/>
               <a:t>5</a:t>
@@ -1011,7 +1895,7 @@
       </p:sp>
       <p:sp>
         <p:nvSpPr>
-          <p:cNvPr id="175106" name="Rectangle 2"/>
+          <p:cNvPr id="156674" name="Rectangle 2"/>
           <p:cNvSpPr>
             <a:spLocks noChangeArrowheads="1"/>
           </p:cNvSpPr>
@@ -1042,7 +1926,7 @@
       </p:sp>
       <p:sp>
         <p:nvSpPr>
-          <p:cNvPr id="175107" name="Rectangle 3"/>
+          <p:cNvPr id="156675" name="Rectangle 3"/>
           <p:cNvSpPr>
             <a:spLocks noChangeArrowheads="1"/>
           </p:cNvSpPr>
@@ -1081,7 +1965,7 @@
     </p:spTree>
     <p:extLst>
       <p:ext uri="{BB962C8B-B14F-4D97-AF65-F5344CB8AC3E}">
-        <p14:creationId xmlns:p14="http://schemas.microsoft.com/office/powerpoint/2010/main" val="1136619484"/>
+        <p14:creationId xmlns:p14="http://schemas.microsoft.com/office/powerpoint/2010/main" val="347852321"/>
       </p:ext>
     </p:extLst>
   </p:cSld>
@@ -1125,7 +2009,7 @@
           <a:bodyPr/>
           <a:lstStyle/>
           <a:p>
-            <a:fld id="{88A7B00B-C9E5-AA48-A74B-4267810C871C}" type="slidenum">
+            <a:fld id="{B4F10200-A523-6949-B5B4-62C8285EF8F6}" type="slidenum">
               <a:rPr lang="en-US" altLang="en-US"/>
               <a:pPr/>
               <a:t>6</a:t>
@@ -1136,7 +2020,7 @@
       </p:sp>
       <p:sp>
         <p:nvSpPr>
-          <p:cNvPr id="177154" name="Rectangle 2"/>
+          <p:cNvPr id="158722" name="Rectangle 2"/>
           <p:cNvSpPr>
             <a:spLocks noChangeArrowheads="1"/>
           </p:cNvSpPr>
@@ -1167,7 +2051,7 @@
       </p:sp>
       <p:sp>
         <p:nvSpPr>
-          <p:cNvPr id="177155" name="Rectangle 3"/>
+          <p:cNvPr id="158723" name="Rectangle 3"/>
           <p:cNvSpPr>
             <a:spLocks noChangeArrowheads="1"/>
           </p:cNvSpPr>
@@ -1206,7 +2090,7 @@
     </p:spTree>
     <p:extLst>
       <p:ext uri="{BB962C8B-B14F-4D97-AF65-F5344CB8AC3E}">
-        <p14:creationId xmlns:p14="http://schemas.microsoft.com/office/powerpoint/2010/main" val="1902212952"/>
+        <p14:creationId xmlns:p14="http://schemas.microsoft.com/office/powerpoint/2010/main" val="1943057501"/>
       </p:ext>
     </p:extLst>
   </p:cSld>
@@ -1250,7 +2134,7 @@
           <a:bodyPr/>
           <a:lstStyle/>
           <a:p>
-            <a:fld id="{7BACCE0E-7BC8-E54F-8A57-024BB00B0085}" type="slidenum">
+            <a:fld id="{BF5190E9-36AA-054D-A782-3F5E8E878E7C}" type="slidenum">
               <a:rPr lang="en-US" altLang="en-US"/>
               <a:pPr/>
               <a:t>7</a:t>
@@ -1261,7 +2145,7 @@
       </p:sp>
       <p:sp>
         <p:nvSpPr>
-          <p:cNvPr id="179202" name="Rectangle 2"/>
+          <p:cNvPr id="160770" name="Rectangle 2"/>
           <p:cNvSpPr>
             <a:spLocks noChangeArrowheads="1"/>
           </p:cNvSpPr>
@@ -1292,7 +2176,7 @@
       </p:sp>
       <p:sp>
         <p:nvSpPr>
-          <p:cNvPr id="179203" name="Rectangle 3"/>
+          <p:cNvPr id="160771" name="Rectangle 3"/>
           <p:cNvSpPr>
             <a:spLocks noChangeArrowheads="1"/>
           </p:cNvSpPr>
@@ -1331,7 +2215,257 @@
     </p:spTree>
     <p:extLst>
       <p:ext uri="{BB962C8B-B14F-4D97-AF65-F5344CB8AC3E}">
-        <p14:creationId xmlns:p14="http://schemas.microsoft.com/office/powerpoint/2010/main" val="608517100"/>
+        <p14:creationId xmlns:p14="http://schemas.microsoft.com/office/powerpoint/2010/main" val="1968228954"/>
+      </p:ext>
+    </p:extLst>
+  </p:cSld>
+  <p:clrMapOvr>
+    <a:masterClrMapping/>
+  </p:clrMapOvr>
+</p:notes>
+</file>
+
+<file path=ppt/notesSlides/notesSlide8.xml><?xml version="1.0" encoding="utf-8"?>
+<p:notes xmlns:a="http://schemas.openxmlformats.org/drawingml/2006/main" xmlns:r="http://schemas.openxmlformats.org/officeDocument/2006/relationships" xmlns:p="http://schemas.openxmlformats.org/presentationml/2006/main">
+  <p:cSld>
+    <p:spTree>
+      <p:nvGrpSpPr>
+        <p:cNvPr id="1" name=""/>
+        <p:cNvGrpSpPr/>
+        <p:nvPr/>
+      </p:nvGrpSpPr>
+      <p:grpSpPr>
+        <a:xfrm>
+          <a:off x="0" y="0"/>
+          <a:ext cx="0" cy="0"/>
+          <a:chOff x="0" y="0"/>
+          <a:chExt cx="0" cy="0"/>
+        </a:xfrm>
+      </p:grpSpPr>
+      <p:sp>
+        <p:nvSpPr>
+          <p:cNvPr id="7" name="Rectangle 7"/>
+          <p:cNvSpPr>
+            <a:spLocks noGrp="1" noChangeArrowheads="1"/>
+          </p:cNvSpPr>
+          <p:nvPr>
+            <p:ph type="sldNum" sz="quarter" idx="5"/>
+          </p:nvPr>
+        </p:nvSpPr>
+        <p:spPr>
+          <a:ln/>
+        </p:spPr>
+        <p:txBody>
+          <a:bodyPr/>
+          <a:lstStyle/>
+          <a:p>
+            <a:fld id="{AD01E949-DB08-6F4C-9999-044139348826}" type="slidenum">
+              <a:rPr lang="en-US" altLang="en-US"/>
+              <a:pPr/>
+              <a:t>8</a:t>
+            </a:fld>
+            <a:endParaRPr lang="en-US" altLang="en-US"/>
+          </a:p>
+        </p:txBody>
+      </p:sp>
+      <p:sp>
+        <p:nvSpPr>
+          <p:cNvPr id="162818" name="Rectangle 2"/>
+          <p:cNvSpPr>
+            <a:spLocks noChangeArrowheads="1"/>
+          </p:cNvSpPr>
+          <p:nvPr>
+            <p:ph type="sldImg"/>
+          </p:nvPr>
+        </p:nvSpPr>
+        <p:spPr bwMode="auto">
+          <a:xfrm>
+            <a:off x="381000" y="685800"/>
+            <a:ext cx="6096000" cy="3429000"/>
+          </a:xfrm>
+          <a:prstGeom prst="rect">
+            <a:avLst/>
+          </a:prstGeom>
+          <a:solidFill>
+            <a:srgbClr val="FFFFFF"/>
+          </a:solidFill>
+          <a:ln>
+            <a:solidFill>
+              <a:srgbClr val="000000"/>
+            </a:solidFill>
+            <a:miter lim="800000"/>
+            <a:headEnd/>
+            <a:tailEnd/>
+          </a:ln>
+        </p:spPr>
+      </p:sp>
+      <p:sp>
+        <p:nvSpPr>
+          <p:cNvPr id="162819" name="Rectangle 3"/>
+          <p:cNvSpPr>
+            <a:spLocks noChangeArrowheads="1"/>
+          </p:cNvSpPr>
+          <p:nvPr>
+            <p:ph type="body" idx="1"/>
+          </p:nvPr>
+        </p:nvSpPr>
+        <p:spPr bwMode="auto">
+          <a:xfrm>
+            <a:off x="914400" y="4343400"/>
+            <a:ext cx="5029200" cy="4114800"/>
+          </a:xfrm>
+          <a:prstGeom prst="rect">
+            <a:avLst/>
+          </a:prstGeom>
+          <a:solidFill>
+            <a:srgbClr val="FFFFFF"/>
+          </a:solidFill>
+          <a:ln>
+            <a:solidFill>
+              <a:srgbClr val="000000"/>
+            </a:solidFill>
+            <a:miter lim="800000"/>
+            <a:headEnd/>
+            <a:tailEnd/>
+          </a:ln>
+        </p:spPr>
+        <p:txBody>
+          <a:bodyPr/>
+          <a:lstStyle/>
+          <a:p>
+            <a:endParaRPr lang="en-US" altLang="en-US"/>
+          </a:p>
+        </p:txBody>
+      </p:sp>
+    </p:spTree>
+    <p:extLst>
+      <p:ext uri="{BB962C8B-B14F-4D97-AF65-F5344CB8AC3E}">
+        <p14:creationId xmlns:p14="http://schemas.microsoft.com/office/powerpoint/2010/main" val="361846045"/>
+      </p:ext>
+    </p:extLst>
+  </p:cSld>
+  <p:clrMapOvr>
+    <a:masterClrMapping/>
+  </p:clrMapOvr>
+</p:notes>
+</file>
+
+<file path=ppt/notesSlides/notesSlide9.xml><?xml version="1.0" encoding="utf-8"?>
+<p:notes xmlns:a="http://schemas.openxmlformats.org/drawingml/2006/main" xmlns:r="http://schemas.openxmlformats.org/officeDocument/2006/relationships" xmlns:p="http://schemas.openxmlformats.org/presentationml/2006/main">
+  <p:cSld>
+    <p:spTree>
+      <p:nvGrpSpPr>
+        <p:cNvPr id="1" name=""/>
+        <p:cNvGrpSpPr/>
+        <p:nvPr/>
+      </p:nvGrpSpPr>
+      <p:grpSpPr>
+        <a:xfrm>
+          <a:off x="0" y="0"/>
+          <a:ext cx="0" cy="0"/>
+          <a:chOff x="0" y="0"/>
+          <a:chExt cx="0" cy="0"/>
+        </a:xfrm>
+      </p:grpSpPr>
+      <p:sp>
+        <p:nvSpPr>
+          <p:cNvPr id="7" name="Rectangle 7"/>
+          <p:cNvSpPr>
+            <a:spLocks noGrp="1" noChangeArrowheads="1"/>
+          </p:cNvSpPr>
+          <p:nvPr>
+            <p:ph type="sldNum" sz="quarter" idx="5"/>
+          </p:nvPr>
+        </p:nvSpPr>
+        <p:spPr>
+          <a:ln/>
+        </p:spPr>
+        <p:txBody>
+          <a:bodyPr/>
+          <a:lstStyle/>
+          <a:p>
+            <a:fld id="{A7892F2D-C44E-F146-A2F3-FD0156D0DBE5}" type="slidenum">
+              <a:rPr lang="en-US" altLang="en-US"/>
+              <a:pPr/>
+              <a:t>9</a:t>
+            </a:fld>
+            <a:endParaRPr lang="en-US" altLang="en-US"/>
+          </a:p>
+        </p:txBody>
+      </p:sp>
+      <p:sp>
+        <p:nvSpPr>
+          <p:cNvPr id="164866" name="Rectangle 2"/>
+          <p:cNvSpPr>
+            <a:spLocks noChangeArrowheads="1"/>
+          </p:cNvSpPr>
+          <p:nvPr>
+            <p:ph type="sldImg"/>
+          </p:nvPr>
+        </p:nvSpPr>
+        <p:spPr bwMode="auto">
+          <a:xfrm>
+            <a:off x="381000" y="685800"/>
+            <a:ext cx="6096000" cy="3429000"/>
+          </a:xfrm>
+          <a:prstGeom prst="rect">
+            <a:avLst/>
+          </a:prstGeom>
+          <a:solidFill>
+            <a:srgbClr val="FFFFFF"/>
+          </a:solidFill>
+          <a:ln>
+            <a:solidFill>
+              <a:srgbClr val="000000"/>
+            </a:solidFill>
+            <a:miter lim="800000"/>
+            <a:headEnd/>
+            <a:tailEnd/>
+          </a:ln>
+        </p:spPr>
+      </p:sp>
+      <p:sp>
+        <p:nvSpPr>
+          <p:cNvPr id="164867" name="Rectangle 3"/>
+          <p:cNvSpPr>
+            <a:spLocks noChangeArrowheads="1"/>
+          </p:cNvSpPr>
+          <p:nvPr>
+            <p:ph type="body" idx="1"/>
+          </p:nvPr>
+        </p:nvSpPr>
+        <p:spPr bwMode="auto">
+          <a:xfrm>
+            <a:off x="914400" y="4343400"/>
+            <a:ext cx="5029200" cy="4114800"/>
+          </a:xfrm>
+          <a:prstGeom prst="rect">
+            <a:avLst/>
+          </a:prstGeom>
+          <a:solidFill>
+            <a:srgbClr val="FFFFFF"/>
+          </a:solidFill>
+          <a:ln>
+            <a:solidFill>
+              <a:srgbClr val="000000"/>
+            </a:solidFill>
+            <a:miter lim="800000"/>
+            <a:headEnd/>
+            <a:tailEnd/>
+          </a:ln>
+        </p:spPr>
+        <p:txBody>
+          <a:bodyPr/>
+          <a:lstStyle/>
+          <a:p>
+            <a:endParaRPr lang="en-US" altLang="en-US"/>
+          </a:p>
+        </p:txBody>
+      </p:sp>
+    </p:spTree>
+    <p:extLst>
+      <p:ext uri="{BB962C8B-B14F-4D97-AF65-F5344CB8AC3E}">
+        <p14:creationId xmlns:p14="http://schemas.microsoft.com/office/powerpoint/2010/main" val="875427289"/>
       </p:ext>
     </p:extLst>
   </p:cSld>
@@ -1884,6 +3018,267 @@
 </file>
 
 <file path=ppt/slideLayouts/slideLayout12.xml><?xml version="1.0" encoding="utf-8"?>
+<p:sldLayout xmlns:a="http://schemas.openxmlformats.org/drawingml/2006/main" xmlns:r="http://schemas.openxmlformats.org/officeDocument/2006/relationships" xmlns:p="http://schemas.openxmlformats.org/presentationml/2006/main" type="objOverTx">
+  <p:cSld name="Title and Content over Text">
+    <p:spTree>
+      <p:nvGrpSpPr>
+        <p:cNvPr id="1" name=""/>
+        <p:cNvGrpSpPr/>
+        <p:nvPr/>
+      </p:nvGrpSpPr>
+      <p:grpSpPr>
+        <a:xfrm>
+          <a:off x="0" y="0"/>
+          <a:ext cx="0" cy="0"/>
+          <a:chOff x="0" y="0"/>
+          <a:chExt cx="0" cy="0"/>
+        </a:xfrm>
+      </p:grpSpPr>
+      <p:sp>
+        <p:nvSpPr>
+          <p:cNvPr id="2" name="Title 1"/>
+          <p:cNvSpPr>
+            <a:spLocks noGrp="1"/>
+          </p:cNvSpPr>
+          <p:nvPr>
+            <p:ph type="title"/>
+          </p:nvPr>
+        </p:nvSpPr>
+        <p:spPr>
+          <a:xfrm>
+            <a:off x="914400" y="609600"/>
+            <a:ext cx="10363200" cy="1143000"/>
+          </a:xfrm>
+        </p:spPr>
+        <p:txBody>
+          <a:bodyPr/>
+          <a:lstStyle/>
+          <a:p>
+            <a:r>
+              <a:rPr lang="en-US" smtClean="0"/>
+              <a:t>Click to edit Master title style</a:t>
+            </a:r>
+            <a:endParaRPr lang="en-US"/>
+          </a:p>
+        </p:txBody>
+      </p:sp>
+      <p:sp>
+        <p:nvSpPr>
+          <p:cNvPr id="3" name="Content Placeholder 2"/>
+          <p:cNvSpPr>
+            <a:spLocks noGrp="1"/>
+          </p:cNvSpPr>
+          <p:nvPr>
+            <p:ph sz="half" idx="1"/>
+          </p:nvPr>
+        </p:nvSpPr>
+        <p:spPr>
+          <a:xfrm>
+            <a:off x="914400" y="1981200"/>
+            <a:ext cx="10363200" cy="1981200"/>
+          </a:xfrm>
+        </p:spPr>
+        <p:txBody>
+          <a:bodyPr/>
+          <a:lstStyle/>
+          <a:p>
+            <a:pPr lvl="0"/>
+            <a:r>
+              <a:rPr lang="en-US" smtClean="0"/>
+              <a:t>Click to edit Master text styles</a:t>
+            </a:r>
+          </a:p>
+          <a:p>
+            <a:pPr lvl="1"/>
+            <a:r>
+              <a:rPr lang="en-US" smtClean="0"/>
+              <a:t>Second level</a:t>
+            </a:r>
+          </a:p>
+          <a:p>
+            <a:pPr lvl="2"/>
+            <a:r>
+              <a:rPr lang="en-US" smtClean="0"/>
+              <a:t>Third level</a:t>
+            </a:r>
+          </a:p>
+          <a:p>
+            <a:pPr lvl="3"/>
+            <a:r>
+              <a:rPr lang="en-US" smtClean="0"/>
+              <a:t>Fourth level</a:t>
+            </a:r>
+          </a:p>
+          <a:p>
+            <a:pPr lvl="4"/>
+            <a:r>
+              <a:rPr lang="en-US" smtClean="0"/>
+              <a:t>Fifth level</a:t>
+            </a:r>
+            <a:endParaRPr lang="en-US"/>
+          </a:p>
+        </p:txBody>
+      </p:sp>
+      <p:sp>
+        <p:nvSpPr>
+          <p:cNvPr id="4" name="Text Placeholder 3"/>
+          <p:cNvSpPr>
+            <a:spLocks noGrp="1"/>
+          </p:cNvSpPr>
+          <p:nvPr>
+            <p:ph type="body" sz="half" idx="2"/>
+          </p:nvPr>
+        </p:nvSpPr>
+        <p:spPr>
+          <a:xfrm>
+            <a:off x="914400" y="4114800"/>
+            <a:ext cx="10363200" cy="1981200"/>
+          </a:xfrm>
+        </p:spPr>
+        <p:txBody>
+          <a:bodyPr/>
+          <a:lstStyle/>
+          <a:p>
+            <a:pPr lvl="0"/>
+            <a:r>
+              <a:rPr lang="en-US" smtClean="0"/>
+              <a:t>Click to edit Master text styles</a:t>
+            </a:r>
+          </a:p>
+          <a:p>
+            <a:pPr lvl="1"/>
+            <a:r>
+              <a:rPr lang="en-US" smtClean="0"/>
+              <a:t>Second level</a:t>
+            </a:r>
+          </a:p>
+          <a:p>
+            <a:pPr lvl="2"/>
+            <a:r>
+              <a:rPr lang="en-US" smtClean="0"/>
+              <a:t>Third level</a:t>
+            </a:r>
+          </a:p>
+          <a:p>
+            <a:pPr lvl="3"/>
+            <a:r>
+              <a:rPr lang="en-US" smtClean="0"/>
+              <a:t>Fourth level</a:t>
+            </a:r>
+          </a:p>
+          <a:p>
+            <a:pPr lvl="4"/>
+            <a:r>
+              <a:rPr lang="en-US" smtClean="0"/>
+              <a:t>Fifth level</a:t>
+            </a:r>
+            <a:endParaRPr lang="en-US"/>
+          </a:p>
+        </p:txBody>
+      </p:sp>
+      <p:sp>
+        <p:nvSpPr>
+          <p:cNvPr id="5" name="Date Placeholder 4"/>
+          <p:cNvSpPr>
+            <a:spLocks noGrp="1"/>
+          </p:cNvSpPr>
+          <p:nvPr>
+            <p:ph type="dt" sz="half" idx="10"/>
+          </p:nvPr>
+        </p:nvSpPr>
+        <p:spPr>
+          <a:xfrm>
+            <a:off x="914400" y="6248400"/>
+            <a:ext cx="2540000" cy="457200"/>
+          </a:xfrm>
+        </p:spPr>
+        <p:txBody>
+          <a:bodyPr/>
+          <a:lstStyle>
+            <a:lvl1pPr>
+              <a:defRPr/>
+            </a:lvl1pPr>
+          </a:lstStyle>
+          <a:p>
+            <a:endParaRPr lang="en-US" altLang="en-US"/>
+          </a:p>
+        </p:txBody>
+      </p:sp>
+      <p:sp>
+        <p:nvSpPr>
+          <p:cNvPr id="6" name="Footer Placeholder 5"/>
+          <p:cNvSpPr>
+            <a:spLocks noGrp="1"/>
+          </p:cNvSpPr>
+          <p:nvPr>
+            <p:ph type="ftr" sz="quarter" idx="11"/>
+          </p:nvPr>
+        </p:nvSpPr>
+        <p:spPr>
+          <a:xfrm>
+            <a:off x="4165600" y="6248400"/>
+            <a:ext cx="3860800" cy="457200"/>
+          </a:xfrm>
+        </p:spPr>
+        <p:txBody>
+          <a:bodyPr/>
+          <a:lstStyle>
+            <a:lvl1pPr>
+              <a:defRPr/>
+            </a:lvl1pPr>
+          </a:lstStyle>
+          <a:p>
+            <a:endParaRPr lang="en-US" altLang="en-US"/>
+          </a:p>
+        </p:txBody>
+      </p:sp>
+      <p:sp>
+        <p:nvSpPr>
+          <p:cNvPr id="7" name="Slide Number Placeholder 6"/>
+          <p:cNvSpPr>
+            <a:spLocks noGrp="1"/>
+          </p:cNvSpPr>
+          <p:nvPr>
+            <p:ph type="sldNum" sz="quarter" idx="12"/>
+          </p:nvPr>
+        </p:nvSpPr>
+        <p:spPr>
+          <a:xfrm>
+            <a:off x="8737600" y="6248400"/>
+            <a:ext cx="2540000" cy="457200"/>
+          </a:xfrm>
+        </p:spPr>
+        <p:txBody>
+          <a:bodyPr/>
+          <a:lstStyle>
+            <a:lvl1pPr>
+              <a:defRPr/>
+            </a:lvl1pPr>
+          </a:lstStyle>
+          <a:p>
+            <a:fld id="{6B0170BA-373E-3E43-AF10-8E28F21E2776}" type="slidenum">
+              <a:rPr lang="en-US" altLang="en-US"/>
+              <a:pPr/>
+              <a:t>‹#›</a:t>
+            </a:fld>
+            <a:endParaRPr lang="en-US" altLang="en-US"/>
+          </a:p>
+        </p:txBody>
+      </p:sp>
+    </p:spTree>
+    <p:extLst>
+      <p:ext uri="{BB962C8B-B14F-4D97-AF65-F5344CB8AC3E}">
+        <p14:creationId xmlns:p14="http://schemas.microsoft.com/office/powerpoint/2010/main" val="1550146562"/>
+      </p:ext>
+    </p:extLst>
+  </p:cSld>
+  <p:clrMapOvr>
+    <a:masterClrMapping/>
+  </p:clrMapOvr>
+</p:sldLayout>
+</file>
+
+<file path=ppt/slideLayouts/slideLayout13.xml><?xml version="1.0" encoding="utf-8"?>
 <p:sldLayout xmlns:a="http://schemas.openxmlformats.org/drawingml/2006/main" xmlns:r="http://schemas.openxmlformats.org/officeDocument/2006/relationships" xmlns:p="http://schemas.openxmlformats.org/presentationml/2006/main" type="objAndTx">
   <p:cSld name="Title, Content and Text">
     <p:spTree>
@@ -2134,7 +3529,7 @@
     </p:spTree>
     <p:extLst>
       <p:ext uri="{BB962C8B-B14F-4D97-AF65-F5344CB8AC3E}">
-        <p14:creationId xmlns:p14="http://schemas.microsoft.com/office/powerpoint/2010/main" val="1657861534"/>
+        <p14:creationId xmlns:p14="http://schemas.microsoft.com/office/powerpoint/2010/main" val="678078004"/>
       </p:ext>
     </p:extLst>
   </p:cSld>
@@ -4159,6 +5554,7 @@
     <p:sldLayoutId id="2147483658" r:id="rId10"/>
     <p:sldLayoutId id="2147483659" r:id="rId11"/>
     <p:sldLayoutId id="2147483660" r:id="rId12"/>
+    <p:sldLayoutId id="2147483661" r:id="rId13"/>
   </p:sldLayoutIdLst>
   <p:txStyles>
     <p:titleStyle>
@@ -4462,7 +5858,7 @@
       </p:grpSpPr>
       <p:sp>
         <p:nvSpPr>
-          <p:cNvPr id="165890" name="Rectangle 2"/>
+          <p:cNvPr id="147458" name="Rectangle 2"/>
           <p:cNvSpPr>
             <a:spLocks noGrp="1" noChangeArrowheads="1"/>
           </p:cNvSpPr>
@@ -4477,14 +5873,14 @@
           <a:p>
             <a:r>
               <a:rPr lang="en-US" altLang="en-US"/>
-              <a:t>Error</a:t>
-            </a:r>
-          </a:p>
-        </p:txBody>
-      </p:sp>
-      <p:sp>
-        <p:nvSpPr>
-          <p:cNvPr id="165891" name="Rectangle 3"/>
+              <a:t>Ascertainment bias</a:t>
+            </a:r>
+          </a:p>
+        </p:txBody>
+      </p:sp>
+      <p:sp>
+        <p:nvSpPr>
+          <p:cNvPr id="147459" name="Rectangle 3"/>
           <p:cNvSpPr>
             <a:spLocks noGrp="1" noChangeArrowheads="1"/>
           </p:cNvSpPr>
@@ -4499,7 +5895,7 @@
           <a:p>
             <a:r>
               <a:rPr lang="en-US" altLang="en-US"/>
-              <a:t>False positives and negatives distort the Site Frequency Spectrum</a:t>
+              <a:t>The probability of sampling a mutation is frequency dependent</a:t>
             </a:r>
           </a:p>
         </p:txBody>
@@ -4507,7 +5903,7 @@
     </p:spTree>
     <p:extLst>
       <p:ext uri="{BB962C8B-B14F-4D97-AF65-F5344CB8AC3E}">
-        <p14:creationId xmlns:p14="http://schemas.microsoft.com/office/powerpoint/2010/main" val="1515507171"/>
+        <p14:creationId xmlns:p14="http://schemas.microsoft.com/office/powerpoint/2010/main" val="577124700"/>
       </p:ext>
     </p:extLst>
   </p:cSld>
@@ -4524,7 +5920,7 @@
 </p:sld>
 </file>
 
-<file path=ppt/slides/slide2.xml><?xml version="1.0" encoding="utf-8"?>
+<file path=ppt/slides/slide10.xml><?xml version="1.0" encoding="utf-8"?>
 <p:sld xmlns:a="http://schemas.openxmlformats.org/drawingml/2006/main" xmlns:r="http://schemas.openxmlformats.org/officeDocument/2006/relationships" xmlns:p="http://schemas.openxmlformats.org/presentationml/2006/main">
   <p:cSld>
     <p:spTree>
@@ -4543,12 +5939,12 @@
       </p:grpSpPr>
       <p:sp>
         <p:nvSpPr>
-          <p:cNvPr id="167938" name="Rectangle 2"/>
+          <p:cNvPr id="165890" name="Rectangle 2"/>
           <p:cNvSpPr>
             <a:spLocks noGrp="1" noChangeArrowheads="1"/>
           </p:cNvSpPr>
           <p:nvPr>
-            <p:ph type="title"/>
+            <p:ph type="ctrTitle"/>
           </p:nvPr>
         </p:nvSpPr>
         <p:spPr/>
@@ -4558,19 +5954,19 @@
           <a:p>
             <a:r>
               <a:rPr lang="en-US" altLang="en-US"/>
-              <a:t>Introduction</a:t>
-            </a:r>
-          </a:p>
-        </p:txBody>
-      </p:sp>
-      <p:sp>
-        <p:nvSpPr>
-          <p:cNvPr id="167939" name="Rectangle 3"/>
+              <a:t>Error</a:t>
+            </a:r>
+          </a:p>
+        </p:txBody>
+      </p:sp>
+      <p:sp>
+        <p:nvSpPr>
+          <p:cNvPr id="165891" name="Rectangle 3"/>
           <p:cNvSpPr>
             <a:spLocks noGrp="1" noChangeArrowheads="1"/>
           </p:cNvSpPr>
           <p:nvPr>
-            <p:ph type="body" idx="1"/>
+            <p:ph type="subTitle" idx="1"/>
           </p:nvPr>
         </p:nvSpPr>
         <p:spPr/>
@@ -4580,27 +5976,7 @@
           <a:p>
             <a:r>
               <a:rPr lang="en-US" altLang="en-US"/>
-              <a:t>Our HMM method both predicts CNPs that we can’t confirm and fails to predict CNPs we know </a:t>
-            </a:r>
-            <a:r>
-              <a:rPr lang="en-US" altLang="en-US" i="1"/>
-              <a:t>a priori</a:t>
-            </a:r>
-            <a:r>
-              <a:rPr lang="en-US" altLang="en-US"/>
-              <a:t> are present</a:t>
-            </a:r>
-          </a:p>
-          <a:p>
-            <a:r>
-              <a:rPr lang="en-US" altLang="en-US"/>
-              <a:t>We have estimated these error rates</a:t>
-            </a:r>
-          </a:p>
-          <a:p>
-            <a:r>
-              <a:rPr lang="en-US" altLang="en-US"/>
-              <a:t>The SFS we expect to observe from our array data will be influenced by these errors</a:t>
+              <a:t>False positives and negatives distort the Site Frequency Spectrum</a:t>
             </a:r>
           </a:p>
         </p:txBody>
@@ -4608,7 +5984,7 @@
     </p:spTree>
     <p:extLst>
       <p:ext uri="{BB962C8B-B14F-4D97-AF65-F5344CB8AC3E}">
-        <p14:creationId xmlns:p14="http://schemas.microsoft.com/office/powerpoint/2010/main" val="498942735"/>
+        <p14:creationId xmlns:p14="http://schemas.microsoft.com/office/powerpoint/2010/main" val="895980626"/>
       </p:ext>
     </p:extLst>
   </p:cSld>
@@ -4625,7 +6001,108 @@
 </p:sld>
 </file>
 
-<file path=ppt/slides/slide3.xml><?xml version="1.0" encoding="utf-8"?>
+<file path=ppt/slides/slide11.xml><?xml version="1.0" encoding="utf-8"?>
+<p:sld xmlns:a="http://schemas.openxmlformats.org/drawingml/2006/main" xmlns:r="http://schemas.openxmlformats.org/officeDocument/2006/relationships" xmlns:p="http://schemas.openxmlformats.org/presentationml/2006/main">
+  <p:cSld>
+    <p:spTree>
+      <p:nvGrpSpPr>
+        <p:cNvPr id="1" name=""/>
+        <p:cNvGrpSpPr/>
+        <p:nvPr/>
+      </p:nvGrpSpPr>
+      <p:grpSpPr>
+        <a:xfrm>
+          <a:off x="0" y="0"/>
+          <a:ext cx="0" cy="0"/>
+          <a:chOff x="0" y="0"/>
+          <a:chExt cx="0" cy="0"/>
+        </a:xfrm>
+      </p:grpSpPr>
+      <p:sp>
+        <p:nvSpPr>
+          <p:cNvPr id="167938" name="Rectangle 2"/>
+          <p:cNvSpPr>
+            <a:spLocks noGrp="1" noChangeArrowheads="1"/>
+          </p:cNvSpPr>
+          <p:nvPr>
+            <p:ph type="title"/>
+          </p:nvPr>
+        </p:nvSpPr>
+        <p:spPr/>
+        <p:txBody>
+          <a:bodyPr/>
+          <a:lstStyle/>
+          <a:p>
+            <a:r>
+              <a:rPr lang="en-US" altLang="en-US"/>
+              <a:t>Introduction</a:t>
+            </a:r>
+          </a:p>
+        </p:txBody>
+      </p:sp>
+      <p:sp>
+        <p:nvSpPr>
+          <p:cNvPr id="167939" name="Rectangle 3"/>
+          <p:cNvSpPr>
+            <a:spLocks noGrp="1" noChangeArrowheads="1"/>
+          </p:cNvSpPr>
+          <p:nvPr>
+            <p:ph type="body" idx="1"/>
+          </p:nvPr>
+        </p:nvSpPr>
+        <p:spPr/>
+        <p:txBody>
+          <a:bodyPr/>
+          <a:lstStyle/>
+          <a:p>
+            <a:r>
+              <a:rPr lang="en-US" altLang="en-US"/>
+              <a:t>Our HMM method both predicts CNPs that we can’t confirm and fails to predict CNPs we know </a:t>
+            </a:r>
+            <a:r>
+              <a:rPr lang="en-US" altLang="en-US" i="1"/>
+              <a:t>a priori</a:t>
+            </a:r>
+            <a:r>
+              <a:rPr lang="en-US" altLang="en-US"/>
+              <a:t> are present</a:t>
+            </a:r>
+          </a:p>
+          <a:p>
+            <a:r>
+              <a:rPr lang="en-US" altLang="en-US"/>
+              <a:t>We have estimated these error rates</a:t>
+            </a:r>
+          </a:p>
+          <a:p>
+            <a:r>
+              <a:rPr lang="en-US" altLang="en-US"/>
+              <a:t>The SFS we expect to observe from our array data will be influenced by these errors</a:t>
+            </a:r>
+          </a:p>
+        </p:txBody>
+      </p:sp>
+    </p:spTree>
+    <p:extLst>
+      <p:ext uri="{BB962C8B-B14F-4D97-AF65-F5344CB8AC3E}">
+        <p14:creationId xmlns:p14="http://schemas.microsoft.com/office/powerpoint/2010/main" val="1638893951"/>
+      </p:ext>
+    </p:extLst>
+  </p:cSld>
+  <p:clrMapOvr>
+    <a:masterClrMapping/>
+  </p:clrMapOvr>
+  <p:timing>
+    <p:tnLst>
+      <p:par>
+        <p:cTn id="1" dur="indefinite" restart="never" nodeType="tmRoot"/>
+      </p:par>
+    </p:tnLst>
+  </p:timing>
+</p:sld>
+</file>
+
+<file path=ppt/slides/slide12.xml><?xml version="1.0" encoding="utf-8"?>
 <p:sld xmlns:a="http://schemas.openxmlformats.org/drawingml/2006/main" xmlns:r="http://schemas.openxmlformats.org/officeDocument/2006/relationships" xmlns:p="http://schemas.openxmlformats.org/presentationml/2006/main">
   <p:cSld>
     <p:spTree>
@@ -4813,7 +6290,7 @@
           <a:graphicData uri="http://schemas.openxmlformats.org/presentationml/2006/ole">
             <mc:AlternateContent xmlns:mc="http://schemas.openxmlformats.org/markup-compatibility/2006">
               <mc:Choice xmlns:v="urn:schemas-microsoft-com:vml" Requires="v">
-                <p:oleObj spid="_x0000_s5121" name="Equation" r:id="rId7" imgW="406400" imgH="393700" progId="Equation.3">
+                <p:oleObj spid="_x0000_s37889" name="Equation" r:id="rId7" imgW="406400" imgH="393700" progId="Equation.3">
                   <p:embed/>
                 </p:oleObj>
               </mc:Choice>
@@ -4947,7 +6424,7 @@
           <a:graphicData uri="http://schemas.openxmlformats.org/presentationml/2006/ole">
             <mc:AlternateContent xmlns:mc="http://schemas.openxmlformats.org/markup-compatibility/2006">
               <mc:Choice xmlns:v="urn:schemas-microsoft-com:vml" Requires="v">
-                <p:oleObj spid="_x0000_s5122" name="Equation" r:id="rId9" imgW="1003300" imgH="406400" progId="Equation.3">
+                <p:oleObj spid="_x0000_s37890" name="Equation" r:id="rId9" imgW="1003300" imgH="406400" progId="Equation.3">
                   <p:embed/>
                 </p:oleObj>
               </mc:Choice>
@@ -5147,7 +6624,7 @@
     </p:custDataLst>
     <p:extLst>
       <p:ext uri="{BB962C8B-B14F-4D97-AF65-F5344CB8AC3E}">
-        <p14:creationId xmlns:p14="http://schemas.microsoft.com/office/powerpoint/2010/main" val="78482113"/>
+        <p14:creationId xmlns:p14="http://schemas.microsoft.com/office/powerpoint/2010/main" val="1908782246"/>
       </p:ext>
     </p:extLst>
   </p:cSld>
@@ -5423,7 +6900,7 @@
 </p:sld>
 </file>
 
-<file path=ppt/slides/slide4.xml><?xml version="1.0" encoding="utf-8"?>
+<file path=ppt/slides/slide13.xml><?xml version="1.0" encoding="utf-8"?>
 <p:sld xmlns:a="http://schemas.openxmlformats.org/drawingml/2006/main" xmlns:r="http://schemas.openxmlformats.org/officeDocument/2006/relationships" xmlns:p="http://schemas.openxmlformats.org/presentationml/2006/main">
   <p:cSld>
     <p:spTree>
@@ -5505,7 +6982,7 @@
     </p:spTree>
     <p:extLst>
       <p:ext uri="{BB962C8B-B14F-4D97-AF65-F5344CB8AC3E}">
-        <p14:creationId xmlns:p14="http://schemas.microsoft.com/office/powerpoint/2010/main" val="1187176276"/>
+        <p14:creationId xmlns:p14="http://schemas.microsoft.com/office/powerpoint/2010/main" val="1472712136"/>
       </p:ext>
     </p:extLst>
   </p:cSld>
@@ -5522,7 +6999,7 @@
 </p:sld>
 </file>
 
-<file path=ppt/slides/slide5.xml><?xml version="1.0" encoding="utf-8"?>
+<file path=ppt/slides/slide14.xml><?xml version="1.0" encoding="utf-8"?>
 <p:sld xmlns:a="http://schemas.openxmlformats.org/drawingml/2006/main" xmlns:r="http://schemas.openxmlformats.org/officeDocument/2006/relationships" xmlns:p="http://schemas.openxmlformats.org/presentationml/2006/main">
   <p:cSld>
     <p:spTree>
@@ -6955,7 +8432,7 @@
     </p:spTree>
     <p:extLst>
       <p:ext uri="{BB962C8B-B14F-4D97-AF65-F5344CB8AC3E}">
-        <p14:creationId xmlns:p14="http://schemas.microsoft.com/office/powerpoint/2010/main" val="1033113697"/>
+        <p14:creationId xmlns:p14="http://schemas.microsoft.com/office/powerpoint/2010/main" val="2020863352"/>
       </p:ext>
     </p:extLst>
   </p:cSld>
@@ -7893,7 +9370,7 @@
 </p:sld>
 </file>
 
-<file path=ppt/slides/slide6.xml><?xml version="1.0" encoding="utf-8"?>
+<file path=ppt/slides/slide15.xml><?xml version="1.0" encoding="utf-8"?>
 <p:sld xmlns:a="http://schemas.openxmlformats.org/drawingml/2006/main" xmlns:r="http://schemas.openxmlformats.org/officeDocument/2006/relationships" xmlns:p="http://schemas.openxmlformats.org/presentationml/2006/main">
   <p:cSld>
     <p:spTree>
@@ -7975,7 +9452,7 @@
     </p:spTree>
     <p:extLst>
       <p:ext uri="{BB962C8B-B14F-4D97-AF65-F5344CB8AC3E}">
-        <p14:creationId xmlns:p14="http://schemas.microsoft.com/office/powerpoint/2010/main" val="1296627523"/>
+        <p14:creationId xmlns:p14="http://schemas.microsoft.com/office/powerpoint/2010/main" val="991417583"/>
       </p:ext>
     </p:extLst>
   </p:cSld>
@@ -7988,6 +9465,3263 @@
         <p:cTn id="1" dur="indefinite" restart="never" nodeType="tmRoot"/>
       </p:par>
     </p:tnLst>
+  </p:timing>
+</p:sld>
+</file>
+
+<file path=ppt/slides/slide16.xml><?xml version="1.0" encoding="utf-8"?>
+<p:sld xmlns:a="http://schemas.openxmlformats.org/drawingml/2006/main" xmlns:r="http://schemas.openxmlformats.org/officeDocument/2006/relationships" xmlns:p="http://schemas.openxmlformats.org/presentationml/2006/main">
+  <p:cSld>
+    <p:spTree>
+      <p:nvGrpSpPr>
+        <p:cNvPr id="1" name=""/>
+        <p:cNvGrpSpPr/>
+        <p:nvPr/>
+      </p:nvGrpSpPr>
+      <p:grpSpPr>
+        <a:xfrm>
+          <a:off x="0" y="0"/>
+          <a:ext cx="0" cy="0"/>
+          <a:chOff x="0" y="0"/>
+          <a:chExt cx="0" cy="0"/>
+        </a:xfrm>
+      </p:grpSpPr>
+      <p:sp>
+        <p:nvSpPr>
+          <p:cNvPr id="178178" name="Rectangle 2"/>
+          <p:cNvSpPr>
+            <a:spLocks noGrp="1" noChangeArrowheads="1"/>
+          </p:cNvSpPr>
+          <p:nvPr>
+            <p:ph type="title"/>
+          </p:nvPr>
+        </p:nvSpPr>
+        <p:spPr/>
+        <p:txBody>
+          <a:bodyPr/>
+          <a:lstStyle/>
+          <a:p>
+            <a:r>
+              <a:rPr lang="en-US" altLang="en-US"/>
+              <a:t>Summary</a:t>
+            </a:r>
+          </a:p>
+        </p:txBody>
+      </p:sp>
+      <p:sp>
+        <p:nvSpPr>
+          <p:cNvPr id="178179" name="Rectangle 3"/>
+          <p:cNvSpPr>
+            <a:spLocks noGrp="1" noChangeArrowheads="1"/>
+          </p:cNvSpPr>
+          <p:nvPr>
+            <p:ph type="body" idx="1"/>
+          </p:nvPr>
+        </p:nvSpPr>
+        <p:spPr/>
+        <p:txBody>
+          <a:bodyPr/>
+          <a:lstStyle/>
+          <a:p>
+            <a:pPr>
+              <a:lnSpc>
+                <a:spcPct val="90000"/>
+              </a:lnSpc>
+            </a:pPr>
+            <a:r>
+              <a:rPr lang="en-US" altLang="en-US"/>
+              <a:t>Error rates aren’t even close to 0</a:t>
+            </a:r>
+          </a:p>
+          <a:p>
+            <a:pPr>
+              <a:lnSpc>
+                <a:spcPct val="90000"/>
+              </a:lnSpc>
+            </a:pPr>
+            <a:r>
+              <a:rPr lang="en-US" altLang="en-US"/>
+              <a:t>The CNP SFS we observe contains both false +ives and false -ives</a:t>
+            </a:r>
+          </a:p>
+          <a:p>
+            <a:pPr>
+              <a:lnSpc>
+                <a:spcPct val="90000"/>
+              </a:lnSpc>
+            </a:pPr>
+            <a:r>
+              <a:rPr lang="en-US" altLang="en-US"/>
+              <a:t>Thus, we need to adjust our expectations to incorporate the error rate</a:t>
+            </a:r>
+          </a:p>
+          <a:p>
+            <a:pPr>
+              <a:lnSpc>
+                <a:spcPct val="90000"/>
+              </a:lnSpc>
+            </a:pPr>
+            <a:r>
+              <a:rPr lang="en-US" altLang="en-US"/>
+              <a:t>Our corrections are conservative with respect to inferring purifying selection</a:t>
+            </a:r>
+          </a:p>
+        </p:txBody>
+      </p:sp>
+    </p:spTree>
+    <p:extLst>
+      <p:ext uri="{BB962C8B-B14F-4D97-AF65-F5344CB8AC3E}">
+        <p14:creationId xmlns:p14="http://schemas.microsoft.com/office/powerpoint/2010/main" val="2134736042"/>
+      </p:ext>
+    </p:extLst>
+  </p:cSld>
+  <p:clrMapOvr>
+    <a:masterClrMapping/>
+  </p:clrMapOvr>
+  <p:timing>
+    <p:tnLst>
+      <p:par>
+        <p:cTn id="1" dur="indefinite" restart="never" nodeType="tmRoot"/>
+      </p:par>
+    </p:tnLst>
+  </p:timing>
+</p:sld>
+</file>
+
+<file path=ppt/slides/slide2.xml><?xml version="1.0" encoding="utf-8"?>
+<p:sld xmlns:a="http://schemas.openxmlformats.org/drawingml/2006/main" xmlns:r="http://schemas.openxmlformats.org/officeDocument/2006/relationships" xmlns:p="http://schemas.openxmlformats.org/presentationml/2006/main">
+  <p:cSld>
+    <p:spTree>
+      <p:nvGrpSpPr>
+        <p:cNvPr id="1" name=""/>
+        <p:cNvGrpSpPr/>
+        <p:nvPr/>
+      </p:nvGrpSpPr>
+      <p:grpSpPr>
+        <a:xfrm>
+          <a:off x="0" y="0"/>
+          <a:ext cx="0" cy="0"/>
+          <a:chOff x="0" y="0"/>
+          <a:chExt cx="0" cy="0"/>
+        </a:xfrm>
+      </p:grpSpPr>
+      <p:sp>
+        <p:nvSpPr>
+          <p:cNvPr id="149506" name="Rectangle 2"/>
+          <p:cNvSpPr>
+            <a:spLocks noGrp="1" noChangeArrowheads="1"/>
+          </p:cNvSpPr>
+          <p:nvPr>
+            <p:ph type="title"/>
+          </p:nvPr>
+        </p:nvSpPr>
+        <p:spPr/>
+        <p:txBody>
+          <a:bodyPr/>
+          <a:lstStyle/>
+          <a:p>
+            <a:r>
+              <a:rPr lang="en-US" altLang="en-US"/>
+              <a:t>Introduction</a:t>
+            </a:r>
+          </a:p>
+        </p:txBody>
+      </p:sp>
+      <p:sp>
+        <p:nvSpPr>
+          <p:cNvPr id="149507" name="Rectangle 3"/>
+          <p:cNvSpPr>
+            <a:spLocks noGrp="1" noChangeArrowheads="1"/>
+          </p:cNvSpPr>
+          <p:nvPr>
+            <p:ph type="body" idx="1"/>
+          </p:nvPr>
+        </p:nvSpPr>
+        <p:spPr/>
+        <p:txBody>
+          <a:bodyPr/>
+          <a:lstStyle/>
+          <a:p>
+            <a:pPr>
+              <a:lnSpc>
+                <a:spcPct val="90000"/>
+              </a:lnSpc>
+            </a:pPr>
+            <a:r>
+              <a:rPr lang="en-US" altLang="en-US"/>
+              <a:t>Microarrays are designed in such a way that mutations present in the reference genome are absent on the arrays designed from its sequence</a:t>
+            </a:r>
+          </a:p>
+          <a:p>
+            <a:pPr>
+              <a:lnSpc>
+                <a:spcPct val="90000"/>
+              </a:lnSpc>
+            </a:pPr>
+            <a:r>
+              <a:rPr lang="en-US" altLang="en-US"/>
+              <a:t>Sequence for deletions isn’t present in the reference genome, therefore, probes can’t be designed for those regions</a:t>
+            </a:r>
+          </a:p>
+          <a:p>
+            <a:pPr>
+              <a:lnSpc>
+                <a:spcPct val="90000"/>
+              </a:lnSpc>
+            </a:pPr>
+            <a:r>
+              <a:rPr lang="en-US" altLang="en-US"/>
+              <a:t>Redundant probes aren’t present on the arrays, thereby excluding duplicates present in the reference</a:t>
+            </a:r>
+          </a:p>
+        </p:txBody>
+      </p:sp>
+    </p:spTree>
+    <p:extLst>
+      <p:ext uri="{BB962C8B-B14F-4D97-AF65-F5344CB8AC3E}">
+        <p14:creationId xmlns:p14="http://schemas.microsoft.com/office/powerpoint/2010/main" val="1118384518"/>
+      </p:ext>
+    </p:extLst>
+  </p:cSld>
+  <p:clrMapOvr>
+    <a:masterClrMapping/>
+  </p:clrMapOvr>
+  <p:timing>
+    <p:tnLst>
+      <p:par>
+        <p:cTn id="1" dur="indefinite" restart="never" nodeType="tmRoot"/>
+      </p:par>
+    </p:tnLst>
+  </p:timing>
+</p:sld>
+</file>
+
+<file path=ppt/slides/slide3.xml><?xml version="1.0" encoding="utf-8"?>
+<p:sld xmlns:a="http://schemas.openxmlformats.org/drawingml/2006/main" xmlns:r="http://schemas.openxmlformats.org/officeDocument/2006/relationships" xmlns:p="http://schemas.openxmlformats.org/presentationml/2006/main">
+  <p:cSld>
+    <p:spTree>
+      <p:nvGrpSpPr>
+        <p:cNvPr id="1" name=""/>
+        <p:cNvGrpSpPr/>
+        <p:nvPr/>
+      </p:nvGrpSpPr>
+      <p:grpSpPr>
+        <a:xfrm>
+          <a:off x="0" y="0"/>
+          <a:ext cx="0" cy="0"/>
+          <a:chOff x="0" y="0"/>
+          <a:chExt cx="0" cy="0"/>
+        </a:xfrm>
+      </p:grpSpPr>
+      <p:sp>
+        <p:nvSpPr>
+          <p:cNvPr id="151554" name="Rectangle 2"/>
+          <p:cNvSpPr>
+            <a:spLocks noGrp="1" noChangeArrowheads="1"/>
+          </p:cNvSpPr>
+          <p:nvPr>
+            <p:ph type="title"/>
+          </p:nvPr>
+        </p:nvSpPr>
+        <p:spPr/>
+        <p:txBody>
+          <a:bodyPr/>
+          <a:lstStyle/>
+          <a:p>
+            <a:r>
+              <a:rPr lang="en-US" altLang="en-US" sz="3600"/>
+              <a:t>Understanding ascertainment bias by example</a:t>
+            </a:r>
+            <a:endParaRPr lang="en-US" altLang="en-US"/>
+          </a:p>
+        </p:txBody>
+      </p:sp>
+      <p:sp>
+        <p:nvSpPr>
+          <p:cNvPr id="151555" name="Rectangle 3"/>
+          <p:cNvSpPr>
+            <a:spLocks noGrp="1" noChangeArrowheads="1"/>
+          </p:cNvSpPr>
+          <p:nvPr>
+            <p:ph type="body" idx="1"/>
+          </p:nvPr>
+        </p:nvSpPr>
+        <p:spPr/>
+        <p:txBody>
+          <a:bodyPr/>
+          <a:lstStyle/>
+          <a:p>
+            <a:r>
+              <a:rPr lang="en-US" altLang="en-US"/>
+              <a:t>Simulate 10,000 unlinked loci according to the standard neutral model with MS (6 samples)</a:t>
+            </a:r>
+          </a:p>
+          <a:p>
+            <a:r>
+              <a:rPr lang="en-US" altLang="en-US"/>
+              <a:t>Examine 100 loci for each allele frequency bin</a:t>
+            </a:r>
+          </a:p>
+          <a:p>
+            <a:r>
+              <a:rPr lang="en-US" altLang="en-US"/>
+              <a:t>If a derived allele is present in the first individual (representing the reference line) then we cannot ascertain that locus</a:t>
+            </a:r>
+          </a:p>
+        </p:txBody>
+      </p:sp>
+    </p:spTree>
+    <p:extLst>
+      <p:ext uri="{BB962C8B-B14F-4D97-AF65-F5344CB8AC3E}">
+        <p14:creationId xmlns:p14="http://schemas.microsoft.com/office/powerpoint/2010/main" val="1699263207"/>
+      </p:ext>
+    </p:extLst>
+  </p:cSld>
+  <p:clrMapOvr>
+    <a:masterClrMapping/>
+  </p:clrMapOvr>
+  <p:timing>
+    <p:tnLst>
+      <p:par>
+        <p:cTn id="1" dur="indefinite" restart="never" nodeType="tmRoot"/>
+      </p:par>
+    </p:tnLst>
+  </p:timing>
+</p:sld>
+</file>
+
+<file path=ppt/slides/slide4.xml><?xml version="1.0" encoding="utf-8"?>
+<p:sld xmlns:a="http://schemas.openxmlformats.org/drawingml/2006/main" xmlns:r="http://schemas.openxmlformats.org/officeDocument/2006/relationships" xmlns:p="http://schemas.openxmlformats.org/presentationml/2006/main">
+  <p:cSld>
+    <p:spTree>
+      <p:nvGrpSpPr>
+        <p:cNvPr id="1" name=""/>
+        <p:cNvGrpSpPr/>
+        <p:nvPr/>
+      </p:nvGrpSpPr>
+      <p:grpSpPr>
+        <a:xfrm>
+          <a:off x="0" y="0"/>
+          <a:ext cx="0" cy="0"/>
+          <a:chOff x="0" y="0"/>
+          <a:chExt cx="0" cy="0"/>
+        </a:xfrm>
+      </p:grpSpPr>
+      <p:sp>
+        <p:nvSpPr>
+          <p:cNvPr id="153602" name="Rectangle 2"/>
+          <p:cNvSpPr>
+            <a:spLocks noGrp="1" noChangeArrowheads="1"/>
+          </p:cNvSpPr>
+          <p:nvPr>
+            <p:ph type="title"/>
+          </p:nvPr>
+        </p:nvSpPr>
+        <p:spPr/>
+        <p:txBody>
+          <a:bodyPr/>
+          <a:lstStyle/>
+          <a:p>
+            <a:r>
+              <a:rPr lang="en-US" altLang="en-US"/>
+              <a:t>A simulation example: i=4</a:t>
+            </a:r>
+          </a:p>
+        </p:txBody>
+      </p:sp>
+      <p:sp>
+        <p:nvSpPr>
+          <p:cNvPr id="153603" name="Rectangle 3"/>
+          <p:cNvSpPr>
+            <a:spLocks noGrp="1" noChangeArrowheads="1"/>
+          </p:cNvSpPr>
+          <p:nvPr>
+            <p:ph type="body" sz="half" idx="2"/>
+          </p:nvPr>
+        </p:nvSpPr>
+        <p:spPr>
+          <a:xfrm>
+            <a:off x="2209800" y="3429000"/>
+            <a:ext cx="7772400" cy="2667000"/>
+          </a:xfrm>
+        </p:spPr>
+        <p:txBody>
+          <a:bodyPr/>
+          <a:lstStyle/>
+          <a:p>
+            <a:pPr>
+              <a:lnSpc>
+                <a:spcPct val="90000"/>
+              </a:lnSpc>
+            </a:pPr>
+            <a:r>
+              <a:rPr lang="en-US" altLang="en-US" sz="2000"/>
+              <a:t>Reminder: m = 6, i = 4</a:t>
+            </a:r>
+          </a:p>
+          <a:p>
+            <a:pPr>
+              <a:lnSpc>
+                <a:spcPct val="90000"/>
+              </a:lnSpc>
+            </a:pPr>
+            <a:r>
+              <a:rPr lang="en-US" altLang="en-US" sz="2000"/>
+              <a:t>Sort</a:t>
+            </a:r>
+          </a:p>
+          <a:p>
+            <a:pPr>
+              <a:lnSpc>
+                <a:spcPct val="90000"/>
+              </a:lnSpc>
+            </a:pPr>
+            <a:r>
+              <a:rPr lang="en-US" altLang="en-US" sz="2000"/>
+              <a:t>Keep only the loci where the reference lacks the derived allele</a:t>
+            </a:r>
+          </a:p>
+          <a:p>
+            <a:pPr>
+              <a:lnSpc>
+                <a:spcPct val="90000"/>
+              </a:lnSpc>
+            </a:pPr>
+            <a:r>
+              <a:rPr lang="en-US" altLang="en-US" sz="2000"/>
+              <a:t>Throw out the reference line</a:t>
+            </a:r>
+          </a:p>
+          <a:p>
+            <a:pPr>
+              <a:lnSpc>
+                <a:spcPct val="90000"/>
+              </a:lnSpc>
+            </a:pPr>
+            <a:r>
+              <a:rPr lang="en-US" altLang="en-US" sz="2000"/>
+              <a:t>Comparison:</a:t>
+            </a:r>
+          </a:p>
+          <a:p>
+            <a:pPr lvl="1">
+              <a:lnSpc>
+                <a:spcPct val="90000"/>
+              </a:lnSpc>
+            </a:pPr>
+            <a:r>
+              <a:rPr lang="en-US" altLang="en-US" sz="1800"/>
+              <a:t>Simulation = 31/100</a:t>
+            </a:r>
+          </a:p>
+          <a:p>
+            <a:pPr lvl="1">
+              <a:lnSpc>
+                <a:spcPct val="90000"/>
+              </a:lnSpc>
+            </a:pPr>
+            <a:r>
+              <a:rPr lang="en-US" altLang="en-US" sz="1800"/>
+              <a:t>Correction factor = (m-i)/m = (6-4)/6 = 1/3</a:t>
+            </a:r>
+          </a:p>
+        </p:txBody>
+      </p:sp>
+      <p:sp>
+        <p:nvSpPr>
+          <p:cNvPr id="153604" name="Text Box 4"/>
+          <p:cNvSpPr txBox="1">
+            <a:spLocks noChangeArrowheads="1"/>
+          </p:cNvSpPr>
+          <p:nvPr/>
+        </p:nvSpPr>
+        <p:spPr bwMode="auto">
+          <a:xfrm>
+            <a:off x="2209800" y="1981200"/>
+            <a:ext cx="6858000" cy="369332"/>
+          </a:xfrm>
+          <a:prstGeom prst="rect">
+            <a:avLst/>
+          </a:prstGeom>
+          <a:noFill/>
+          <a:ln>
+            <a:noFill/>
+          </a:ln>
+          <a:extLst>
+            <a:ext uri="{909E8E84-426E-40DD-AFC4-6F175D3DCCD1}">
+              <a14:hiddenFill xmlns:a14="http://schemas.microsoft.com/office/drawing/2010/main">
+                <a:solidFill>
+                  <a:schemeClr val="accent1"/>
+                </a:solidFill>
+              </a14:hiddenFill>
+            </a:ext>
+            <a:ext uri="{91240B29-F687-4F45-9708-019B960494DF}">
+              <a14:hiddenLine xmlns:a14="http://schemas.microsoft.com/office/drawing/2010/main" w="9525">
+                <a:solidFill>
+                  <a:schemeClr val="tx1"/>
+                </a:solidFill>
+                <a:miter lim="800000"/>
+                <a:headEnd/>
+                <a:tailEnd/>
+              </a14:hiddenLine>
+            </a:ext>
+          </a:extLst>
+        </p:spPr>
+        <p:txBody>
+          <a:bodyPr>
+            <a:spAutoFit/>
+          </a:bodyPr>
+          <a:lstStyle/>
+          <a:p>
+            <a:pPr>
+              <a:spcBef>
+                <a:spcPct val="50000"/>
+              </a:spcBef>
+            </a:pPr>
+            <a:endParaRPr lang="en-US" altLang="en-US"/>
+          </a:p>
+        </p:txBody>
+      </p:sp>
+      <p:sp>
+        <p:nvSpPr>
+          <p:cNvPr id="153605" name="Text Box 5"/>
+          <p:cNvSpPr txBox="1">
+            <a:spLocks noChangeArrowheads="1"/>
+          </p:cNvSpPr>
+          <p:nvPr/>
+        </p:nvSpPr>
+        <p:spPr bwMode="auto">
+          <a:xfrm>
+            <a:off x="2209800" y="1981201"/>
+            <a:ext cx="7848600" cy="1235075"/>
+          </a:xfrm>
+          <a:prstGeom prst="rect">
+            <a:avLst/>
+          </a:prstGeom>
+          <a:noFill/>
+          <a:ln>
+            <a:noFill/>
+          </a:ln>
+          <a:extLst>
+            <a:ext uri="{909E8E84-426E-40DD-AFC4-6F175D3DCCD1}">
+              <a14:hiddenFill xmlns:a14="http://schemas.microsoft.com/office/drawing/2010/main">
+                <a:solidFill>
+                  <a:schemeClr val="accent1"/>
+                </a:solidFill>
+              </a14:hiddenFill>
+            </a:ext>
+            <a:ext uri="{91240B29-F687-4F45-9708-019B960494DF}">
+              <a14:hiddenLine xmlns:a14="http://schemas.microsoft.com/office/drawing/2010/main" w="9525">
+                <a:solidFill>
+                  <a:schemeClr val="tx1"/>
+                </a:solidFill>
+                <a:miter lim="800000"/>
+                <a:headEnd/>
+                <a:tailEnd/>
+              </a14:hiddenLine>
+            </a:ext>
+          </a:extLst>
+        </p:spPr>
+        <p:txBody>
+          <a:bodyPr>
+            <a:spAutoFit/>
+          </a:bodyPr>
+          <a:lstStyle/>
+          <a:p>
+            <a:r>
+              <a:rPr lang="en-US" altLang="en-US" sz="1000" b="1">
+                <a:latin typeface="Courier" charset="0"/>
+              </a:rPr>
+              <a:t>1111010110011011111101111101111111011111001111100101111110100100001111111000111111010110010111000111</a:t>
+            </a:r>
+          </a:p>
+          <a:p>
+            <a:r>
+              <a:rPr lang="en-US" altLang="en-US" sz="1000" b="1">
+                <a:latin typeface="Courier" charset="0"/>
+              </a:rPr>
+              <a:t>1100100011111111101000110111111001100111100111111000101101101011111011101111111010111011111011111110</a:t>
+            </a:r>
+          </a:p>
+          <a:p>
+            <a:r>
+              <a:rPr lang="en-US" altLang="en-US" sz="1000" b="1">
+                <a:latin typeface="Courier" charset="0"/>
+              </a:rPr>
+              <a:t>1111111101101001110111011100000101101010010101110011000000110100100110001111011111101101101110111111</a:t>
+            </a:r>
+          </a:p>
+          <a:p>
+            <a:r>
+              <a:rPr lang="en-US" altLang="en-US" sz="1000" b="1">
+                <a:latin typeface="Courier" charset="0"/>
+              </a:rPr>
+              <a:t>1010101111110110100011111011100110111001111110011110010111111111110100111111100010101001111001111001</a:t>
+            </a:r>
+          </a:p>
+          <a:p>
+            <a:r>
+              <a:rPr lang="en-US" altLang="en-US" sz="1000" b="1">
+                <a:latin typeface="Courier" charset="0"/>
+              </a:rPr>
+              <a:t>0101011111001111011110001111111010111101111000101111111011011111011111110001000101010111001110111100</a:t>
+            </a:r>
+          </a:p>
+          <a:p>
+            <a:r>
+              <a:rPr lang="en-US" altLang="en-US" sz="1000" b="1">
+                <a:latin typeface="Courier" charset="0"/>
+              </a:rPr>
+              <a:t>0011111000110100011111100010011111010110111011011111111111011011111001010110111101111110110101000011</a:t>
+            </a:r>
+          </a:p>
+          <a:p>
+            <a:pPr>
+              <a:spcBef>
+                <a:spcPct val="50000"/>
+              </a:spcBef>
+            </a:pPr>
+            <a:endParaRPr lang="en-US" altLang="en-US" sz="1000" b="1">
+              <a:latin typeface="Courier" charset="0"/>
+            </a:endParaRPr>
+          </a:p>
+        </p:txBody>
+      </p:sp>
+      <p:sp>
+        <p:nvSpPr>
+          <p:cNvPr id="153606" name="Text Box 6"/>
+          <p:cNvSpPr txBox="1">
+            <a:spLocks noChangeArrowheads="1"/>
+          </p:cNvSpPr>
+          <p:nvPr/>
+        </p:nvSpPr>
+        <p:spPr bwMode="auto">
+          <a:xfrm>
+            <a:off x="2209800" y="1981201"/>
+            <a:ext cx="7848600" cy="1006475"/>
+          </a:xfrm>
+          <a:prstGeom prst="rect">
+            <a:avLst/>
+          </a:prstGeom>
+          <a:noFill/>
+          <a:ln>
+            <a:noFill/>
+          </a:ln>
+          <a:extLst>
+            <a:ext uri="{909E8E84-426E-40DD-AFC4-6F175D3DCCD1}">
+              <a14:hiddenFill xmlns:a14="http://schemas.microsoft.com/office/drawing/2010/main">
+                <a:solidFill>
+                  <a:schemeClr val="accent1"/>
+                </a:solidFill>
+              </a14:hiddenFill>
+            </a:ext>
+            <a:ext uri="{91240B29-F687-4F45-9708-019B960494DF}">
+              <a14:hiddenLine xmlns:a14="http://schemas.microsoft.com/office/drawing/2010/main" w="9525">
+                <a:solidFill>
+                  <a:schemeClr val="tx1"/>
+                </a:solidFill>
+                <a:miter lim="800000"/>
+                <a:headEnd/>
+                <a:tailEnd/>
+              </a14:hiddenLine>
+            </a:ext>
+          </a:extLst>
+        </p:spPr>
+        <p:txBody>
+          <a:bodyPr>
+            <a:spAutoFit/>
+          </a:bodyPr>
+          <a:lstStyle/>
+          <a:p>
+            <a:r>
+              <a:rPr lang="en-US" altLang="en-US" sz="1000" b="1">
+                <a:latin typeface="Courier" charset="0"/>
+              </a:rPr>
+              <a:t>0000000000000000000000000000000111111111111111111111111111111111111111111111111111111111111111111111</a:t>
+            </a:r>
+          </a:p>
+          <a:p>
+            <a:r>
+              <a:rPr lang="en-US" altLang="en-US" sz="1000" b="1">
+                <a:latin typeface="Courier" charset="0"/>
+              </a:rPr>
+              <a:t>0000011111111111111111111111111000000000000000000000000011111111111111111111111111111111111111111111</a:t>
+            </a:r>
+          </a:p>
+          <a:p>
+            <a:r>
+              <a:rPr lang="en-US" altLang="en-US" sz="1000" b="1">
+                <a:latin typeface="Courier" charset="0"/>
+              </a:rPr>
+              <a:t>1111100000000011111111111111111000000011111111111111111100000000000000000000000111111111111111111111</a:t>
+            </a:r>
+          </a:p>
+          <a:p>
+            <a:r>
+              <a:rPr lang="en-US" altLang="en-US" sz="1000" b="1">
+                <a:latin typeface="Courier" charset="0"/>
+              </a:rPr>
+              <a:t>1111111111111111111111111111111111111100000000011111111100000000001111111111111000000000000001111111</a:t>
+            </a:r>
+          </a:p>
+          <a:p>
+            <a:r>
+              <a:rPr lang="en-US" altLang="en-US" sz="1000" b="1">
+                <a:latin typeface="Courier" charset="0"/>
+              </a:rPr>
+              <a:t>1111111111111100000000011111111111111111111111100001111111111111110000000111111000000111111110000000</a:t>
+            </a:r>
+          </a:p>
+          <a:p>
+            <a:r>
+              <a:rPr lang="en-US" altLang="en-US" sz="1000" b="1">
+                <a:latin typeface="Courier" charset="0"/>
+              </a:rPr>
+              <a:t>1111111111111111111111100000000111111111111111111110000011111111111111111000000111111000000000000000</a:t>
+            </a:r>
+          </a:p>
+        </p:txBody>
+      </p:sp>
+      <p:sp>
+        <p:nvSpPr>
+          <p:cNvPr id="153607" name="Rectangle 7"/>
+          <p:cNvSpPr>
+            <a:spLocks noChangeArrowheads="1"/>
+          </p:cNvSpPr>
+          <p:nvPr/>
+        </p:nvSpPr>
+        <p:spPr bwMode="auto">
+          <a:xfrm>
+            <a:off x="2289176" y="2193925"/>
+            <a:ext cx="2378075" cy="730250"/>
+          </a:xfrm>
+          <a:prstGeom prst="rect">
+            <a:avLst/>
+          </a:prstGeom>
+          <a:solidFill>
+            <a:srgbClr val="00FF00">
+              <a:alpha val="35001"/>
+            </a:srgbClr>
+          </a:solidFill>
+          <a:ln>
+            <a:noFill/>
+          </a:ln>
+          <a:extLst>
+            <a:ext uri="{91240B29-F687-4F45-9708-019B960494DF}">
+              <a14:hiddenLine xmlns:a14="http://schemas.microsoft.com/office/drawing/2010/main" w="9525">
+                <a:solidFill>
+                  <a:schemeClr val="tx1"/>
+                </a:solidFill>
+                <a:miter lim="800000"/>
+                <a:headEnd/>
+                <a:tailEnd/>
+              </a14:hiddenLine>
+            </a:ext>
+          </a:extLst>
+        </p:spPr>
+        <p:txBody>
+          <a:bodyPr wrap="none" anchor="ctr"/>
+          <a:lstStyle/>
+          <a:p>
+            <a:endParaRPr lang="en-US"/>
+          </a:p>
+        </p:txBody>
+      </p:sp>
+      <p:sp>
+        <p:nvSpPr>
+          <p:cNvPr id="153608" name="Rectangle 8"/>
+          <p:cNvSpPr>
+            <a:spLocks noChangeArrowheads="1"/>
+          </p:cNvSpPr>
+          <p:nvPr/>
+        </p:nvSpPr>
+        <p:spPr bwMode="auto">
+          <a:xfrm>
+            <a:off x="2289175" y="2051051"/>
+            <a:ext cx="7632700" cy="98425"/>
+          </a:xfrm>
+          <a:prstGeom prst="rect">
+            <a:avLst/>
+          </a:prstGeom>
+          <a:solidFill>
+            <a:srgbClr val="FF0000">
+              <a:alpha val="35001"/>
+            </a:srgbClr>
+          </a:solidFill>
+          <a:ln>
+            <a:noFill/>
+          </a:ln>
+          <a:extLst>
+            <a:ext uri="{91240B29-F687-4F45-9708-019B960494DF}">
+              <a14:hiddenLine xmlns:a14="http://schemas.microsoft.com/office/drawing/2010/main" w="9525">
+                <a:solidFill>
+                  <a:schemeClr val="tx1"/>
+                </a:solidFill>
+                <a:miter lim="800000"/>
+                <a:headEnd/>
+                <a:tailEnd/>
+              </a14:hiddenLine>
+            </a:ext>
+          </a:extLst>
+        </p:spPr>
+        <p:txBody>
+          <a:bodyPr wrap="none" anchor="ctr"/>
+          <a:lstStyle/>
+          <a:p>
+            <a:endParaRPr lang="en-US"/>
+          </a:p>
+        </p:txBody>
+      </p:sp>
+    </p:spTree>
+    <p:extLst>
+      <p:ext uri="{BB962C8B-B14F-4D97-AF65-F5344CB8AC3E}">
+        <p14:creationId xmlns:p14="http://schemas.microsoft.com/office/powerpoint/2010/main" val="41662130"/>
+      </p:ext>
+    </p:extLst>
+  </p:cSld>
+  <p:clrMapOvr>
+    <a:masterClrMapping/>
+  </p:clrMapOvr>
+  <p:timing>
+    <p:tnLst>
+      <p:par>
+        <p:cTn id="1" dur="indefinite" restart="never" nodeType="tmRoot">
+          <p:childTnLst>
+            <p:seq concurrent="1" nextAc="seek">
+              <p:cTn id="2" dur="indefinite" nodeType="mainSeq">
+                <p:childTnLst>
+                  <p:par>
+                    <p:cTn id="3" fill="hold" nodeType="clickPar">
+                      <p:stCondLst>
+                        <p:cond delay="indefinite"/>
+                      </p:stCondLst>
+                      <p:childTnLst>
+                        <p:par>
+                          <p:cTn id="4" fill="hold" nodeType="withGroup">
+                            <p:stCondLst>
+                              <p:cond delay="0"/>
+                            </p:stCondLst>
+                            <p:childTnLst>
+                              <p:par>
+                                <p:cTn id="5" presetID="9" presetClass="exit" presetSubtype="0" fill="hold" grpId="0" nodeType="clickEffect">
+                                  <p:stCondLst>
+                                    <p:cond delay="0"/>
+                                  </p:stCondLst>
+                                  <p:childTnLst>
+                                    <p:animEffect transition="out" filter="dissolve">
+                                      <p:cBhvr>
+                                        <p:cTn id="6" dur="500"/>
+                                        <p:tgtEl>
+                                          <p:spTgt spid="153605"/>
+                                        </p:tgtEl>
+                                      </p:cBhvr>
+                                    </p:animEffect>
+                                    <p:set>
+                                      <p:cBhvr>
+                                        <p:cTn id="7" dur="1" fill="hold">
+                                          <p:stCondLst>
+                                            <p:cond delay="499"/>
+                                          </p:stCondLst>
+                                        </p:cTn>
+                                        <p:tgtEl>
+                                          <p:spTgt spid="153605"/>
+                                        </p:tgtEl>
+                                        <p:attrNameLst>
+                                          <p:attrName>style.visibility</p:attrName>
+                                        </p:attrNameLst>
+                                      </p:cBhvr>
+                                      <p:to>
+                                        <p:strVal val="hidden"/>
+                                      </p:to>
+                                    </p:set>
+                                  </p:childTnLst>
+                                </p:cTn>
+                              </p:par>
+                              <p:par>
+                                <p:cTn id="8" presetID="1" presetClass="entr" presetSubtype="0" fill="hold" grpId="0" nodeType="withEffect">
+                                  <p:stCondLst>
+                                    <p:cond delay="0"/>
+                                  </p:stCondLst>
+                                  <p:childTnLst>
+                                    <p:set>
+                                      <p:cBhvr>
+                                        <p:cTn id="9" dur="1" fill="hold">
+                                          <p:stCondLst>
+                                            <p:cond delay="499"/>
+                                          </p:stCondLst>
+                                        </p:cTn>
+                                        <p:tgtEl>
+                                          <p:spTgt spid="153603">
+                                            <p:txEl>
+                                              <p:pRg st="1" end="1"/>
+                                            </p:txEl>
+                                          </p:spTgt>
+                                        </p:tgtEl>
+                                        <p:attrNameLst>
+                                          <p:attrName>style.visibility</p:attrName>
+                                        </p:attrNameLst>
+                                      </p:cBhvr>
+                                      <p:to>
+                                        <p:strVal val="visible"/>
+                                      </p:to>
+                                    </p:set>
+                                  </p:childTnLst>
+                                </p:cTn>
+                              </p:par>
+                              <p:par>
+                                <p:cTn id="10" presetID="9" presetClass="entr" presetSubtype="0" fill="hold" grpId="0" nodeType="withEffect">
+                                  <p:stCondLst>
+                                    <p:cond delay="0"/>
+                                  </p:stCondLst>
+                                  <p:childTnLst>
+                                    <p:set>
+                                      <p:cBhvr>
+                                        <p:cTn id="11" dur="1" fill="hold">
+                                          <p:stCondLst>
+                                            <p:cond delay="0"/>
+                                          </p:stCondLst>
+                                        </p:cTn>
+                                        <p:tgtEl>
+                                          <p:spTgt spid="153606"/>
+                                        </p:tgtEl>
+                                        <p:attrNameLst>
+                                          <p:attrName>style.visibility</p:attrName>
+                                        </p:attrNameLst>
+                                      </p:cBhvr>
+                                      <p:to>
+                                        <p:strVal val="visible"/>
+                                      </p:to>
+                                    </p:set>
+                                    <p:animEffect transition="in" filter="dissolve">
+                                      <p:cBhvr>
+                                        <p:cTn id="12" dur="500"/>
+                                        <p:tgtEl>
+                                          <p:spTgt spid="153606"/>
+                                        </p:tgtEl>
+                                      </p:cBhvr>
+                                    </p:animEffect>
+                                  </p:childTnLst>
+                                </p:cTn>
+                              </p:par>
+                            </p:childTnLst>
+                          </p:cTn>
+                        </p:par>
+                      </p:childTnLst>
+                    </p:cTn>
+                  </p:par>
+                  <p:par>
+                    <p:cTn id="13" fill="hold" nodeType="clickPar">
+                      <p:stCondLst>
+                        <p:cond delay="indefinite"/>
+                      </p:stCondLst>
+                      <p:childTnLst>
+                        <p:par>
+                          <p:cTn id="14" fill="hold" nodeType="withGroup">
+                            <p:stCondLst>
+                              <p:cond delay="0"/>
+                            </p:stCondLst>
+                            <p:childTnLst>
+                              <p:par>
+                                <p:cTn id="15" presetID="1" presetClass="entr" presetSubtype="0" fill="hold" grpId="0" nodeType="clickEffect">
+                                  <p:stCondLst>
+                                    <p:cond delay="0"/>
+                                  </p:stCondLst>
+                                  <p:childTnLst>
+                                    <p:set>
+                                      <p:cBhvr>
+                                        <p:cTn id="16" dur="1" fill="hold">
+                                          <p:stCondLst>
+                                            <p:cond delay="499"/>
+                                          </p:stCondLst>
+                                        </p:cTn>
+                                        <p:tgtEl>
+                                          <p:spTgt spid="153603">
+                                            <p:txEl>
+                                              <p:pRg st="2" end="2"/>
+                                            </p:txEl>
+                                          </p:spTgt>
+                                        </p:tgtEl>
+                                        <p:attrNameLst>
+                                          <p:attrName>style.visibility</p:attrName>
+                                        </p:attrNameLst>
+                                      </p:cBhvr>
+                                      <p:to>
+                                        <p:strVal val="visible"/>
+                                      </p:to>
+                                    </p:set>
+                                  </p:childTnLst>
+                                </p:cTn>
+                              </p:par>
+                              <p:par>
+                                <p:cTn id="17" presetID="53" presetClass="entr" presetSubtype="0" fill="hold" grpId="0" nodeType="withEffect">
+                                  <p:stCondLst>
+                                    <p:cond delay="0"/>
+                                  </p:stCondLst>
+                                  <p:childTnLst>
+                                    <p:set>
+                                      <p:cBhvr>
+                                        <p:cTn id="18" dur="1" fill="hold">
+                                          <p:stCondLst>
+                                            <p:cond delay="0"/>
+                                          </p:stCondLst>
+                                        </p:cTn>
+                                        <p:tgtEl>
+                                          <p:spTgt spid="153607"/>
+                                        </p:tgtEl>
+                                        <p:attrNameLst>
+                                          <p:attrName>style.visibility</p:attrName>
+                                        </p:attrNameLst>
+                                      </p:cBhvr>
+                                      <p:to>
+                                        <p:strVal val="visible"/>
+                                      </p:to>
+                                    </p:set>
+                                    <p:anim calcmode="lin" valueType="num">
+                                      <p:cBhvr>
+                                        <p:cTn id="19" dur="500" fill="hold"/>
+                                        <p:tgtEl>
+                                          <p:spTgt spid="153607"/>
+                                        </p:tgtEl>
+                                        <p:attrNameLst>
+                                          <p:attrName>ppt_w</p:attrName>
+                                        </p:attrNameLst>
+                                      </p:cBhvr>
+                                      <p:tavLst>
+                                        <p:tav tm="0">
+                                          <p:val>
+                                            <p:fltVal val="0"/>
+                                          </p:val>
+                                        </p:tav>
+                                        <p:tav tm="100000">
+                                          <p:val>
+                                            <p:strVal val="#ppt_w"/>
+                                          </p:val>
+                                        </p:tav>
+                                      </p:tavLst>
+                                    </p:anim>
+                                    <p:anim calcmode="lin" valueType="num">
+                                      <p:cBhvr>
+                                        <p:cTn id="20" dur="500" fill="hold"/>
+                                        <p:tgtEl>
+                                          <p:spTgt spid="153607"/>
+                                        </p:tgtEl>
+                                        <p:attrNameLst>
+                                          <p:attrName>ppt_h</p:attrName>
+                                        </p:attrNameLst>
+                                      </p:cBhvr>
+                                      <p:tavLst>
+                                        <p:tav tm="0">
+                                          <p:val>
+                                            <p:fltVal val="0"/>
+                                          </p:val>
+                                        </p:tav>
+                                        <p:tav tm="100000">
+                                          <p:val>
+                                            <p:strVal val="#ppt_h"/>
+                                          </p:val>
+                                        </p:tav>
+                                      </p:tavLst>
+                                    </p:anim>
+                                    <p:animEffect transition="in" filter="fade">
+                                      <p:cBhvr>
+                                        <p:cTn id="21" dur="500"/>
+                                        <p:tgtEl>
+                                          <p:spTgt spid="153607"/>
+                                        </p:tgtEl>
+                                      </p:cBhvr>
+                                    </p:animEffect>
+                                  </p:childTnLst>
+                                </p:cTn>
+                              </p:par>
+                            </p:childTnLst>
+                          </p:cTn>
+                        </p:par>
+                      </p:childTnLst>
+                    </p:cTn>
+                  </p:par>
+                  <p:par>
+                    <p:cTn id="22" fill="hold" nodeType="clickPar">
+                      <p:stCondLst>
+                        <p:cond delay="indefinite"/>
+                      </p:stCondLst>
+                      <p:childTnLst>
+                        <p:par>
+                          <p:cTn id="23" fill="hold" nodeType="withGroup">
+                            <p:stCondLst>
+                              <p:cond delay="0"/>
+                            </p:stCondLst>
+                            <p:childTnLst>
+                              <p:par>
+                                <p:cTn id="24" presetID="1" presetClass="entr" presetSubtype="0" fill="hold" grpId="0" nodeType="clickEffect">
+                                  <p:stCondLst>
+                                    <p:cond delay="0"/>
+                                  </p:stCondLst>
+                                  <p:childTnLst>
+                                    <p:set>
+                                      <p:cBhvr>
+                                        <p:cTn id="25" dur="1" fill="hold">
+                                          <p:stCondLst>
+                                            <p:cond delay="499"/>
+                                          </p:stCondLst>
+                                        </p:cTn>
+                                        <p:tgtEl>
+                                          <p:spTgt spid="153603">
+                                            <p:txEl>
+                                              <p:pRg st="3" end="3"/>
+                                            </p:txEl>
+                                          </p:spTgt>
+                                        </p:tgtEl>
+                                        <p:attrNameLst>
+                                          <p:attrName>style.visibility</p:attrName>
+                                        </p:attrNameLst>
+                                      </p:cBhvr>
+                                      <p:to>
+                                        <p:strVal val="visible"/>
+                                      </p:to>
+                                    </p:set>
+                                  </p:childTnLst>
+                                </p:cTn>
+                              </p:par>
+                              <p:par>
+                                <p:cTn id="26" presetID="53" presetClass="entr" presetSubtype="0" fill="hold" grpId="0" nodeType="withEffect">
+                                  <p:stCondLst>
+                                    <p:cond delay="0"/>
+                                  </p:stCondLst>
+                                  <p:childTnLst>
+                                    <p:set>
+                                      <p:cBhvr>
+                                        <p:cTn id="27" dur="1" fill="hold">
+                                          <p:stCondLst>
+                                            <p:cond delay="0"/>
+                                          </p:stCondLst>
+                                        </p:cTn>
+                                        <p:tgtEl>
+                                          <p:spTgt spid="153608"/>
+                                        </p:tgtEl>
+                                        <p:attrNameLst>
+                                          <p:attrName>style.visibility</p:attrName>
+                                        </p:attrNameLst>
+                                      </p:cBhvr>
+                                      <p:to>
+                                        <p:strVal val="visible"/>
+                                      </p:to>
+                                    </p:set>
+                                    <p:anim calcmode="lin" valueType="num">
+                                      <p:cBhvr>
+                                        <p:cTn id="28" dur="500" fill="hold"/>
+                                        <p:tgtEl>
+                                          <p:spTgt spid="153608"/>
+                                        </p:tgtEl>
+                                        <p:attrNameLst>
+                                          <p:attrName>ppt_w</p:attrName>
+                                        </p:attrNameLst>
+                                      </p:cBhvr>
+                                      <p:tavLst>
+                                        <p:tav tm="0">
+                                          <p:val>
+                                            <p:fltVal val="0"/>
+                                          </p:val>
+                                        </p:tav>
+                                        <p:tav tm="100000">
+                                          <p:val>
+                                            <p:strVal val="#ppt_w"/>
+                                          </p:val>
+                                        </p:tav>
+                                      </p:tavLst>
+                                    </p:anim>
+                                    <p:anim calcmode="lin" valueType="num">
+                                      <p:cBhvr>
+                                        <p:cTn id="29" dur="500" fill="hold"/>
+                                        <p:tgtEl>
+                                          <p:spTgt spid="153608"/>
+                                        </p:tgtEl>
+                                        <p:attrNameLst>
+                                          <p:attrName>ppt_h</p:attrName>
+                                        </p:attrNameLst>
+                                      </p:cBhvr>
+                                      <p:tavLst>
+                                        <p:tav tm="0">
+                                          <p:val>
+                                            <p:fltVal val="0"/>
+                                          </p:val>
+                                        </p:tav>
+                                        <p:tav tm="100000">
+                                          <p:val>
+                                            <p:strVal val="#ppt_h"/>
+                                          </p:val>
+                                        </p:tav>
+                                      </p:tavLst>
+                                    </p:anim>
+                                    <p:animEffect transition="in" filter="fade">
+                                      <p:cBhvr>
+                                        <p:cTn id="30" dur="500"/>
+                                        <p:tgtEl>
+                                          <p:spTgt spid="153608"/>
+                                        </p:tgtEl>
+                                      </p:cBhvr>
+                                    </p:animEffect>
+                                  </p:childTnLst>
+                                </p:cTn>
+                              </p:par>
+                            </p:childTnLst>
+                          </p:cTn>
+                        </p:par>
+                      </p:childTnLst>
+                    </p:cTn>
+                  </p:par>
+                  <p:par>
+                    <p:cTn id="31" fill="hold" nodeType="clickPar">
+                      <p:stCondLst>
+                        <p:cond delay="indefinite"/>
+                      </p:stCondLst>
+                      <p:childTnLst>
+                        <p:par>
+                          <p:cTn id="32" fill="hold" nodeType="withGroup">
+                            <p:stCondLst>
+                              <p:cond delay="0"/>
+                            </p:stCondLst>
+                            <p:childTnLst>
+                              <p:par>
+                                <p:cTn id="33" presetID="1" presetClass="entr" presetSubtype="0" fill="hold" grpId="0" nodeType="clickEffect">
+                                  <p:stCondLst>
+                                    <p:cond delay="0"/>
+                                  </p:stCondLst>
+                                  <p:childTnLst>
+                                    <p:set>
+                                      <p:cBhvr>
+                                        <p:cTn id="34" dur="1" fill="hold">
+                                          <p:stCondLst>
+                                            <p:cond delay="499"/>
+                                          </p:stCondLst>
+                                        </p:cTn>
+                                        <p:tgtEl>
+                                          <p:spTgt spid="153603">
+                                            <p:txEl>
+                                              <p:pRg st="4" end="4"/>
+                                            </p:txEl>
+                                          </p:spTgt>
+                                        </p:tgtEl>
+                                        <p:attrNameLst>
+                                          <p:attrName>style.visibility</p:attrName>
+                                        </p:attrNameLst>
+                                      </p:cBhvr>
+                                      <p:to>
+                                        <p:strVal val="visible"/>
+                                      </p:to>
+                                    </p:set>
+                                  </p:childTnLst>
+                                </p:cTn>
+                              </p:par>
+                              <p:par>
+                                <p:cTn id="35" presetID="1" presetClass="entr" presetSubtype="0" fill="hold" grpId="0" nodeType="withEffect">
+                                  <p:stCondLst>
+                                    <p:cond delay="0"/>
+                                  </p:stCondLst>
+                                  <p:childTnLst>
+                                    <p:set>
+                                      <p:cBhvr>
+                                        <p:cTn id="36" dur="1" fill="hold">
+                                          <p:stCondLst>
+                                            <p:cond delay="499"/>
+                                          </p:stCondLst>
+                                        </p:cTn>
+                                        <p:tgtEl>
+                                          <p:spTgt spid="153603">
+                                            <p:txEl>
+                                              <p:pRg st="5" end="5"/>
+                                            </p:txEl>
+                                          </p:spTgt>
+                                        </p:tgtEl>
+                                        <p:attrNameLst>
+                                          <p:attrName>style.visibility</p:attrName>
+                                        </p:attrNameLst>
+                                      </p:cBhvr>
+                                      <p:to>
+                                        <p:strVal val="visible"/>
+                                      </p:to>
+                                    </p:set>
+                                  </p:childTnLst>
+                                </p:cTn>
+                              </p:par>
+                              <p:par>
+                                <p:cTn id="37" presetID="1" presetClass="entr" presetSubtype="0" fill="hold" grpId="0" nodeType="withEffect">
+                                  <p:stCondLst>
+                                    <p:cond delay="0"/>
+                                  </p:stCondLst>
+                                  <p:childTnLst>
+                                    <p:set>
+                                      <p:cBhvr>
+                                        <p:cTn id="38" dur="1" fill="hold">
+                                          <p:stCondLst>
+                                            <p:cond delay="499"/>
+                                          </p:stCondLst>
+                                        </p:cTn>
+                                        <p:tgtEl>
+                                          <p:spTgt spid="153603">
+                                            <p:txEl>
+                                              <p:pRg st="6" end="6"/>
+                                            </p:txEl>
+                                          </p:spTgt>
+                                        </p:tgtEl>
+                                        <p:attrNameLst>
+                                          <p:attrName>style.visibility</p:attrName>
+                                        </p:attrNameLst>
+                                      </p:cBhvr>
+                                      <p:to>
+                                        <p:strVal val="visible"/>
+                                      </p:to>
+                                    </p:set>
+                                  </p:childTnLst>
+                                </p:cTn>
+                              </p:par>
+                            </p:childTnLst>
+                          </p:cTn>
+                        </p:par>
+                      </p:childTnLst>
+                    </p:cTn>
+                  </p:par>
+                </p:childTnLst>
+              </p:cTn>
+              <p:prevCondLst>
+                <p:cond evt="onPrev" delay="0">
+                  <p:tgtEl>
+                    <p:sldTgt/>
+                  </p:tgtEl>
+                </p:cond>
+              </p:prevCondLst>
+              <p:nextCondLst>
+                <p:cond evt="onNext" delay="0">
+                  <p:tgtEl>
+                    <p:sldTgt/>
+                  </p:tgtEl>
+                </p:cond>
+              </p:nextCondLst>
+            </p:seq>
+          </p:childTnLst>
+        </p:cTn>
+      </p:par>
+    </p:tnLst>
+    <p:bldLst>
+      <p:bldP spid="153603" grpId="0" build="p" autoUpdateAnimBg="0"/>
+      <p:bldP spid="153605" grpId="0"/>
+      <p:bldP spid="153606" grpId="0"/>
+      <p:bldP spid="153607" grpId="0" animBg="1"/>
+      <p:bldP spid="153608" grpId="0" animBg="1"/>
+    </p:bldLst>
+  </p:timing>
+</p:sld>
+</file>
+
+<file path=ppt/slides/slide5.xml><?xml version="1.0" encoding="utf-8"?>
+<p:sld xmlns:a="http://schemas.openxmlformats.org/drawingml/2006/main" xmlns:r="http://schemas.openxmlformats.org/officeDocument/2006/relationships" xmlns:p="http://schemas.openxmlformats.org/presentationml/2006/main">
+  <p:cSld>
+    <p:spTree>
+      <p:nvGrpSpPr>
+        <p:cNvPr id="1" name=""/>
+        <p:cNvGrpSpPr/>
+        <p:nvPr/>
+      </p:nvGrpSpPr>
+      <p:grpSpPr>
+        <a:xfrm>
+          <a:off x="0" y="0"/>
+          <a:ext cx="0" cy="0"/>
+          <a:chOff x="0" y="0"/>
+          <a:chExt cx="0" cy="0"/>
+        </a:xfrm>
+      </p:grpSpPr>
+      <p:sp>
+        <p:nvSpPr>
+          <p:cNvPr id="155650" name="Text Box 2"/>
+          <p:cNvSpPr txBox="1">
+            <a:spLocks noChangeArrowheads="1"/>
+          </p:cNvSpPr>
+          <p:nvPr/>
+        </p:nvSpPr>
+        <p:spPr bwMode="auto">
+          <a:xfrm>
+            <a:off x="2209800" y="1981201"/>
+            <a:ext cx="7848600" cy="1006475"/>
+          </a:xfrm>
+          <a:prstGeom prst="rect">
+            <a:avLst/>
+          </a:prstGeom>
+          <a:noFill/>
+          <a:ln>
+            <a:noFill/>
+          </a:ln>
+          <a:extLst>
+            <a:ext uri="{909E8E84-426E-40DD-AFC4-6F175D3DCCD1}">
+              <a14:hiddenFill xmlns:a14="http://schemas.microsoft.com/office/drawing/2010/main">
+                <a:solidFill>
+                  <a:schemeClr val="accent1"/>
+                </a:solidFill>
+              </a14:hiddenFill>
+            </a:ext>
+            <a:ext uri="{91240B29-F687-4F45-9708-019B960494DF}">
+              <a14:hiddenLine xmlns:a14="http://schemas.microsoft.com/office/drawing/2010/main" w="9525">
+                <a:solidFill>
+                  <a:schemeClr val="tx1"/>
+                </a:solidFill>
+                <a:miter lim="800000"/>
+                <a:headEnd/>
+                <a:tailEnd/>
+              </a14:hiddenLine>
+            </a:ext>
+          </a:extLst>
+        </p:spPr>
+        <p:txBody>
+          <a:bodyPr>
+            <a:spAutoFit/>
+          </a:bodyPr>
+          <a:lstStyle/>
+          <a:p>
+            <a:r>
+              <a:rPr lang="en-US" altLang="en-US" sz="1000" b="1">
+                <a:latin typeface="Courier" charset="0"/>
+              </a:rPr>
+              <a:t>0000000000000000000000000000000000000000000000000001111111111111111111111111111111111111111111111111</a:t>
+            </a:r>
+          </a:p>
+          <a:p>
+            <a:r>
+              <a:rPr lang="en-US" altLang="en-US" sz="1000" b="1">
+                <a:latin typeface="Courier" charset="0"/>
+              </a:rPr>
+              <a:t>0000000000000000000000111111111111111111111111111110000000000000000000000000000000011111111111111111</a:t>
+            </a:r>
+          </a:p>
+          <a:p>
+            <a:r>
+              <a:rPr lang="en-US" altLang="en-US" sz="1000" b="1">
+                <a:latin typeface="Courier" charset="0"/>
+              </a:rPr>
+              <a:t>0000011111111111111111000000000000001111111111111110000000000000011111111111111111100000000000001111</a:t>
+            </a:r>
+          </a:p>
+          <a:p>
+            <a:r>
+              <a:rPr lang="en-US" altLang="en-US" sz="1000" b="1">
+                <a:latin typeface="Courier" charset="0"/>
+              </a:rPr>
+              <a:t>1111100000001111111111000111111111110000001111111110000000001111100000000001111111100000000011110000</a:t>
+            </a:r>
+          </a:p>
+          <a:p>
+            <a:r>
+              <a:rPr lang="en-US" altLang="en-US" sz="1000" b="1">
+                <a:latin typeface="Courier" charset="0"/>
+              </a:rPr>
+              <a:t>1111111111110000001111111000000111110000010000000001111111110001100001111110000000000000111100000000</a:t>
+            </a:r>
+          </a:p>
+          <a:p>
+            <a:r>
+              <a:rPr lang="en-US" altLang="en-US" sz="1000" b="1">
+                <a:latin typeface="Courier" charset="0"/>
+              </a:rPr>
+              <a:t>1111111111111111110000111111111000001111100000000001111111111110011110000000000000011111000000000000</a:t>
+            </a:r>
+          </a:p>
+        </p:txBody>
+      </p:sp>
+      <p:sp>
+        <p:nvSpPr>
+          <p:cNvPr id="155651" name="Text Box 3"/>
+          <p:cNvSpPr txBox="1">
+            <a:spLocks noChangeArrowheads="1"/>
+          </p:cNvSpPr>
+          <p:nvPr/>
+        </p:nvSpPr>
+        <p:spPr bwMode="auto">
+          <a:xfrm>
+            <a:off x="2209800" y="1981201"/>
+            <a:ext cx="7848600" cy="1006475"/>
+          </a:xfrm>
+          <a:prstGeom prst="rect">
+            <a:avLst/>
+          </a:prstGeom>
+          <a:noFill/>
+          <a:ln>
+            <a:noFill/>
+          </a:ln>
+          <a:extLst>
+            <a:ext uri="{909E8E84-426E-40DD-AFC4-6F175D3DCCD1}">
+              <a14:hiddenFill xmlns:a14="http://schemas.microsoft.com/office/drawing/2010/main">
+                <a:solidFill>
+                  <a:schemeClr val="accent1"/>
+                </a:solidFill>
+              </a14:hiddenFill>
+            </a:ext>
+            <a:ext uri="{91240B29-F687-4F45-9708-019B960494DF}">
+              <a14:hiddenLine xmlns:a14="http://schemas.microsoft.com/office/drawing/2010/main" w="9525">
+                <a:solidFill>
+                  <a:schemeClr val="tx1"/>
+                </a:solidFill>
+                <a:miter lim="800000"/>
+                <a:headEnd/>
+                <a:tailEnd/>
+              </a14:hiddenLine>
+            </a:ext>
+          </a:extLst>
+        </p:spPr>
+        <p:txBody>
+          <a:bodyPr>
+            <a:spAutoFit/>
+          </a:bodyPr>
+          <a:lstStyle/>
+          <a:p>
+            <a:r>
+              <a:rPr lang="en-US" altLang="en-US" sz="1000" b="1">
+                <a:latin typeface="Courier" charset="0"/>
+              </a:rPr>
+              <a:t>0011011011101011110011010000100101000000111011100001110010001101011110100011010010100110001011011001</a:t>
+            </a:r>
+          </a:p>
+          <a:p>
+            <a:r>
+              <a:rPr lang="en-US" altLang="en-US" sz="1000" b="1">
+                <a:latin typeface="Courier" charset="0"/>
+              </a:rPr>
+              <a:t>0000100101111000001001101000011010101110000000010100011101000001011010011101101111100010111011101010</a:t>
+            </a:r>
+          </a:p>
+          <a:p>
+            <a:r>
+              <a:rPr lang="en-US" altLang="en-US" sz="1000" b="1">
+                <a:latin typeface="Courier" charset="0"/>
+              </a:rPr>
+              <a:t>1011010000010111101100001011011010111111111111101001010101001111100101010100010010011001001100010110</a:t>
+            </a:r>
+          </a:p>
+          <a:p>
+            <a:r>
+              <a:rPr lang="en-US" altLang="en-US" sz="1000" b="1">
+                <a:latin typeface="Courier" charset="0"/>
+              </a:rPr>
+              <a:t>0101101000010010011110110110010000111011110110111110001101111010111001011010011101000010100100101000</a:t>
+            </a:r>
+          </a:p>
+          <a:p>
+            <a:r>
+              <a:rPr lang="en-US" altLang="en-US" sz="1000" b="1">
+                <a:latin typeface="Courier" charset="0"/>
+              </a:rPr>
+              <a:t>1100001111000101100110100101100101010101001001010111100010110000000110100001100000111101110100100101</a:t>
+            </a:r>
+          </a:p>
+          <a:p>
+            <a:r>
+              <a:rPr lang="en-US" altLang="en-US" sz="1000" b="1">
+                <a:latin typeface="Courier" charset="0"/>
+              </a:rPr>
+              <a:t>1110110110101100010001011111101111000000000100001010101010110110100001101110101101011101010011010111</a:t>
+            </a:r>
+          </a:p>
+        </p:txBody>
+      </p:sp>
+      <p:sp>
+        <p:nvSpPr>
+          <p:cNvPr id="155652" name="Rectangle 4"/>
+          <p:cNvSpPr>
+            <a:spLocks noGrp="1" noChangeArrowheads="1"/>
+          </p:cNvSpPr>
+          <p:nvPr>
+            <p:ph type="title"/>
+          </p:nvPr>
+        </p:nvSpPr>
+        <p:spPr/>
+        <p:txBody>
+          <a:bodyPr/>
+          <a:lstStyle/>
+          <a:p>
+            <a:r>
+              <a:rPr lang="en-US" altLang="en-US"/>
+              <a:t>A simulation example: i=3</a:t>
+            </a:r>
+          </a:p>
+        </p:txBody>
+      </p:sp>
+      <p:sp>
+        <p:nvSpPr>
+          <p:cNvPr id="155653" name="Rectangle 5"/>
+          <p:cNvSpPr>
+            <a:spLocks noGrp="1" noChangeArrowheads="1"/>
+          </p:cNvSpPr>
+          <p:nvPr>
+            <p:ph type="body" sz="half" idx="2"/>
+          </p:nvPr>
+        </p:nvSpPr>
+        <p:spPr>
+          <a:xfrm>
+            <a:off x="2209800" y="3429000"/>
+            <a:ext cx="7772400" cy="2667000"/>
+          </a:xfrm>
+        </p:spPr>
+        <p:txBody>
+          <a:bodyPr/>
+          <a:lstStyle/>
+          <a:p>
+            <a:pPr>
+              <a:lnSpc>
+                <a:spcPct val="90000"/>
+              </a:lnSpc>
+            </a:pPr>
+            <a:r>
+              <a:rPr lang="en-US" altLang="en-US" sz="2000"/>
+              <a:t>Reminder: m = 6, i = 3</a:t>
+            </a:r>
+          </a:p>
+          <a:p>
+            <a:pPr>
+              <a:lnSpc>
+                <a:spcPct val="90000"/>
+              </a:lnSpc>
+            </a:pPr>
+            <a:r>
+              <a:rPr lang="en-US" altLang="en-US" sz="2000"/>
+              <a:t>Sort</a:t>
+            </a:r>
+          </a:p>
+          <a:p>
+            <a:pPr>
+              <a:lnSpc>
+                <a:spcPct val="90000"/>
+              </a:lnSpc>
+            </a:pPr>
+            <a:r>
+              <a:rPr lang="en-US" altLang="en-US" sz="2000"/>
+              <a:t>Keep only the loci where the reference lacks the derived allele</a:t>
+            </a:r>
+          </a:p>
+          <a:p>
+            <a:pPr>
+              <a:lnSpc>
+                <a:spcPct val="90000"/>
+              </a:lnSpc>
+            </a:pPr>
+            <a:r>
+              <a:rPr lang="en-US" altLang="en-US" sz="2000"/>
+              <a:t>Throw out the reference line</a:t>
+            </a:r>
+          </a:p>
+          <a:p>
+            <a:pPr>
+              <a:lnSpc>
+                <a:spcPct val="90000"/>
+              </a:lnSpc>
+            </a:pPr>
+            <a:r>
+              <a:rPr lang="en-US" altLang="en-US" sz="2000"/>
+              <a:t>Comparison:</a:t>
+            </a:r>
+          </a:p>
+          <a:p>
+            <a:pPr lvl="1">
+              <a:lnSpc>
+                <a:spcPct val="90000"/>
+              </a:lnSpc>
+            </a:pPr>
+            <a:r>
+              <a:rPr lang="en-US" altLang="en-US" sz="1800"/>
+              <a:t>Simulation = 51/100</a:t>
+            </a:r>
+          </a:p>
+          <a:p>
+            <a:pPr lvl="1">
+              <a:lnSpc>
+                <a:spcPct val="90000"/>
+              </a:lnSpc>
+            </a:pPr>
+            <a:r>
+              <a:rPr lang="en-US" altLang="en-US" sz="1800"/>
+              <a:t>Correction factor = (m-i)/m = (6-3)/6 = 1/2</a:t>
+            </a:r>
+          </a:p>
+        </p:txBody>
+      </p:sp>
+      <p:sp>
+        <p:nvSpPr>
+          <p:cNvPr id="155654" name="Rectangle 6"/>
+          <p:cNvSpPr>
+            <a:spLocks noChangeArrowheads="1"/>
+          </p:cNvSpPr>
+          <p:nvPr/>
+        </p:nvSpPr>
+        <p:spPr bwMode="auto">
+          <a:xfrm>
+            <a:off x="2289176" y="2193925"/>
+            <a:ext cx="3916363" cy="730250"/>
+          </a:xfrm>
+          <a:prstGeom prst="rect">
+            <a:avLst/>
+          </a:prstGeom>
+          <a:solidFill>
+            <a:srgbClr val="00FF00">
+              <a:alpha val="35001"/>
+            </a:srgbClr>
+          </a:solidFill>
+          <a:ln>
+            <a:noFill/>
+          </a:ln>
+          <a:extLst>
+            <a:ext uri="{91240B29-F687-4F45-9708-019B960494DF}">
+              <a14:hiddenLine xmlns:a14="http://schemas.microsoft.com/office/drawing/2010/main" w="9525">
+                <a:solidFill>
+                  <a:schemeClr val="tx1"/>
+                </a:solidFill>
+                <a:miter lim="800000"/>
+                <a:headEnd/>
+                <a:tailEnd/>
+              </a14:hiddenLine>
+            </a:ext>
+          </a:extLst>
+        </p:spPr>
+        <p:txBody>
+          <a:bodyPr wrap="none" anchor="ctr"/>
+          <a:lstStyle/>
+          <a:p>
+            <a:endParaRPr lang="en-US"/>
+          </a:p>
+        </p:txBody>
+      </p:sp>
+      <p:sp>
+        <p:nvSpPr>
+          <p:cNvPr id="155655" name="Rectangle 7"/>
+          <p:cNvSpPr>
+            <a:spLocks noChangeArrowheads="1"/>
+          </p:cNvSpPr>
+          <p:nvPr/>
+        </p:nvSpPr>
+        <p:spPr bwMode="auto">
+          <a:xfrm>
+            <a:off x="2289175" y="2051051"/>
+            <a:ext cx="7632700" cy="98425"/>
+          </a:xfrm>
+          <a:prstGeom prst="rect">
+            <a:avLst/>
+          </a:prstGeom>
+          <a:solidFill>
+            <a:srgbClr val="FF0000">
+              <a:alpha val="35001"/>
+            </a:srgbClr>
+          </a:solidFill>
+          <a:ln>
+            <a:noFill/>
+          </a:ln>
+          <a:extLst>
+            <a:ext uri="{91240B29-F687-4F45-9708-019B960494DF}">
+              <a14:hiddenLine xmlns:a14="http://schemas.microsoft.com/office/drawing/2010/main" w="9525">
+                <a:solidFill>
+                  <a:schemeClr val="tx1"/>
+                </a:solidFill>
+                <a:miter lim="800000"/>
+                <a:headEnd/>
+                <a:tailEnd/>
+              </a14:hiddenLine>
+            </a:ext>
+          </a:extLst>
+        </p:spPr>
+        <p:txBody>
+          <a:bodyPr wrap="none" anchor="ctr"/>
+          <a:lstStyle/>
+          <a:p>
+            <a:endParaRPr lang="en-US"/>
+          </a:p>
+        </p:txBody>
+      </p:sp>
+    </p:spTree>
+    <p:extLst>
+      <p:ext uri="{BB962C8B-B14F-4D97-AF65-F5344CB8AC3E}">
+        <p14:creationId xmlns:p14="http://schemas.microsoft.com/office/powerpoint/2010/main" val="922415202"/>
+      </p:ext>
+    </p:extLst>
+  </p:cSld>
+  <p:clrMapOvr>
+    <a:masterClrMapping/>
+  </p:clrMapOvr>
+  <p:timing>
+    <p:tnLst>
+      <p:par>
+        <p:cTn id="1" dur="indefinite" restart="never" nodeType="tmRoot">
+          <p:childTnLst>
+            <p:seq concurrent="1" nextAc="seek">
+              <p:cTn id="2" dur="indefinite" nodeType="mainSeq">
+                <p:childTnLst>
+                  <p:par>
+                    <p:cTn id="3" fill="hold" nodeType="clickPar">
+                      <p:stCondLst>
+                        <p:cond delay="indefinite"/>
+                      </p:stCondLst>
+                      <p:childTnLst>
+                        <p:par>
+                          <p:cTn id="4" fill="hold" nodeType="withGroup">
+                            <p:stCondLst>
+                              <p:cond delay="0"/>
+                            </p:stCondLst>
+                            <p:childTnLst>
+                              <p:par>
+                                <p:cTn id="5" presetID="9" presetClass="exit" presetSubtype="0" fill="hold" grpId="0" nodeType="clickEffect">
+                                  <p:stCondLst>
+                                    <p:cond delay="0"/>
+                                  </p:stCondLst>
+                                  <p:childTnLst>
+                                    <p:animEffect transition="out" filter="dissolve">
+                                      <p:cBhvr>
+                                        <p:cTn id="6" dur="500"/>
+                                        <p:tgtEl>
+                                          <p:spTgt spid="155651"/>
+                                        </p:tgtEl>
+                                      </p:cBhvr>
+                                    </p:animEffect>
+                                    <p:set>
+                                      <p:cBhvr>
+                                        <p:cTn id="7" dur="1" fill="hold">
+                                          <p:stCondLst>
+                                            <p:cond delay="499"/>
+                                          </p:stCondLst>
+                                        </p:cTn>
+                                        <p:tgtEl>
+                                          <p:spTgt spid="155651"/>
+                                        </p:tgtEl>
+                                        <p:attrNameLst>
+                                          <p:attrName>style.visibility</p:attrName>
+                                        </p:attrNameLst>
+                                      </p:cBhvr>
+                                      <p:to>
+                                        <p:strVal val="hidden"/>
+                                      </p:to>
+                                    </p:set>
+                                  </p:childTnLst>
+                                </p:cTn>
+                              </p:par>
+                              <p:par>
+                                <p:cTn id="8" presetID="1" presetClass="entr" presetSubtype="0" fill="hold" grpId="0" nodeType="withEffect">
+                                  <p:stCondLst>
+                                    <p:cond delay="0"/>
+                                  </p:stCondLst>
+                                  <p:childTnLst>
+                                    <p:set>
+                                      <p:cBhvr>
+                                        <p:cTn id="9" dur="1" fill="hold">
+                                          <p:stCondLst>
+                                            <p:cond delay="499"/>
+                                          </p:stCondLst>
+                                        </p:cTn>
+                                        <p:tgtEl>
+                                          <p:spTgt spid="155653">
+                                            <p:txEl>
+                                              <p:pRg st="1" end="1"/>
+                                            </p:txEl>
+                                          </p:spTgt>
+                                        </p:tgtEl>
+                                        <p:attrNameLst>
+                                          <p:attrName>style.visibility</p:attrName>
+                                        </p:attrNameLst>
+                                      </p:cBhvr>
+                                      <p:to>
+                                        <p:strVal val="visible"/>
+                                      </p:to>
+                                    </p:set>
+                                  </p:childTnLst>
+                                </p:cTn>
+                              </p:par>
+                              <p:par>
+                                <p:cTn id="10" presetID="9" presetClass="entr" presetSubtype="0" fill="hold" grpId="0" nodeType="withEffect">
+                                  <p:stCondLst>
+                                    <p:cond delay="0"/>
+                                  </p:stCondLst>
+                                  <p:childTnLst>
+                                    <p:set>
+                                      <p:cBhvr>
+                                        <p:cTn id="11" dur="1" fill="hold">
+                                          <p:stCondLst>
+                                            <p:cond delay="0"/>
+                                          </p:stCondLst>
+                                        </p:cTn>
+                                        <p:tgtEl>
+                                          <p:spTgt spid="155650"/>
+                                        </p:tgtEl>
+                                        <p:attrNameLst>
+                                          <p:attrName>style.visibility</p:attrName>
+                                        </p:attrNameLst>
+                                      </p:cBhvr>
+                                      <p:to>
+                                        <p:strVal val="visible"/>
+                                      </p:to>
+                                    </p:set>
+                                    <p:animEffect transition="in" filter="dissolve">
+                                      <p:cBhvr>
+                                        <p:cTn id="12" dur="500"/>
+                                        <p:tgtEl>
+                                          <p:spTgt spid="155650"/>
+                                        </p:tgtEl>
+                                      </p:cBhvr>
+                                    </p:animEffect>
+                                  </p:childTnLst>
+                                </p:cTn>
+                              </p:par>
+                            </p:childTnLst>
+                          </p:cTn>
+                        </p:par>
+                      </p:childTnLst>
+                    </p:cTn>
+                  </p:par>
+                  <p:par>
+                    <p:cTn id="13" fill="hold" nodeType="clickPar">
+                      <p:stCondLst>
+                        <p:cond delay="indefinite"/>
+                      </p:stCondLst>
+                      <p:childTnLst>
+                        <p:par>
+                          <p:cTn id="14" fill="hold" nodeType="withGroup">
+                            <p:stCondLst>
+                              <p:cond delay="0"/>
+                            </p:stCondLst>
+                            <p:childTnLst>
+                              <p:par>
+                                <p:cTn id="15" presetID="1" presetClass="entr" presetSubtype="0" fill="hold" grpId="0" nodeType="clickEffect">
+                                  <p:stCondLst>
+                                    <p:cond delay="0"/>
+                                  </p:stCondLst>
+                                  <p:childTnLst>
+                                    <p:set>
+                                      <p:cBhvr>
+                                        <p:cTn id="16" dur="1" fill="hold">
+                                          <p:stCondLst>
+                                            <p:cond delay="499"/>
+                                          </p:stCondLst>
+                                        </p:cTn>
+                                        <p:tgtEl>
+                                          <p:spTgt spid="155653">
+                                            <p:txEl>
+                                              <p:pRg st="2" end="2"/>
+                                            </p:txEl>
+                                          </p:spTgt>
+                                        </p:tgtEl>
+                                        <p:attrNameLst>
+                                          <p:attrName>style.visibility</p:attrName>
+                                        </p:attrNameLst>
+                                      </p:cBhvr>
+                                      <p:to>
+                                        <p:strVal val="visible"/>
+                                      </p:to>
+                                    </p:set>
+                                  </p:childTnLst>
+                                </p:cTn>
+                              </p:par>
+                              <p:par>
+                                <p:cTn id="17" presetID="53" presetClass="entr" presetSubtype="0" fill="hold" grpId="0" nodeType="withEffect">
+                                  <p:stCondLst>
+                                    <p:cond delay="0"/>
+                                  </p:stCondLst>
+                                  <p:childTnLst>
+                                    <p:set>
+                                      <p:cBhvr>
+                                        <p:cTn id="18" dur="1" fill="hold">
+                                          <p:stCondLst>
+                                            <p:cond delay="0"/>
+                                          </p:stCondLst>
+                                        </p:cTn>
+                                        <p:tgtEl>
+                                          <p:spTgt spid="155654"/>
+                                        </p:tgtEl>
+                                        <p:attrNameLst>
+                                          <p:attrName>style.visibility</p:attrName>
+                                        </p:attrNameLst>
+                                      </p:cBhvr>
+                                      <p:to>
+                                        <p:strVal val="visible"/>
+                                      </p:to>
+                                    </p:set>
+                                    <p:anim calcmode="lin" valueType="num">
+                                      <p:cBhvr>
+                                        <p:cTn id="19" dur="500" fill="hold"/>
+                                        <p:tgtEl>
+                                          <p:spTgt spid="155654"/>
+                                        </p:tgtEl>
+                                        <p:attrNameLst>
+                                          <p:attrName>ppt_w</p:attrName>
+                                        </p:attrNameLst>
+                                      </p:cBhvr>
+                                      <p:tavLst>
+                                        <p:tav tm="0">
+                                          <p:val>
+                                            <p:fltVal val="0"/>
+                                          </p:val>
+                                        </p:tav>
+                                        <p:tav tm="100000">
+                                          <p:val>
+                                            <p:strVal val="#ppt_w"/>
+                                          </p:val>
+                                        </p:tav>
+                                      </p:tavLst>
+                                    </p:anim>
+                                    <p:anim calcmode="lin" valueType="num">
+                                      <p:cBhvr>
+                                        <p:cTn id="20" dur="500" fill="hold"/>
+                                        <p:tgtEl>
+                                          <p:spTgt spid="155654"/>
+                                        </p:tgtEl>
+                                        <p:attrNameLst>
+                                          <p:attrName>ppt_h</p:attrName>
+                                        </p:attrNameLst>
+                                      </p:cBhvr>
+                                      <p:tavLst>
+                                        <p:tav tm="0">
+                                          <p:val>
+                                            <p:fltVal val="0"/>
+                                          </p:val>
+                                        </p:tav>
+                                        <p:tav tm="100000">
+                                          <p:val>
+                                            <p:strVal val="#ppt_h"/>
+                                          </p:val>
+                                        </p:tav>
+                                      </p:tavLst>
+                                    </p:anim>
+                                    <p:animEffect transition="in" filter="fade">
+                                      <p:cBhvr>
+                                        <p:cTn id="21" dur="500"/>
+                                        <p:tgtEl>
+                                          <p:spTgt spid="155654"/>
+                                        </p:tgtEl>
+                                      </p:cBhvr>
+                                    </p:animEffect>
+                                  </p:childTnLst>
+                                </p:cTn>
+                              </p:par>
+                            </p:childTnLst>
+                          </p:cTn>
+                        </p:par>
+                      </p:childTnLst>
+                    </p:cTn>
+                  </p:par>
+                  <p:par>
+                    <p:cTn id="22" fill="hold" nodeType="clickPar">
+                      <p:stCondLst>
+                        <p:cond delay="indefinite"/>
+                      </p:stCondLst>
+                      <p:childTnLst>
+                        <p:par>
+                          <p:cTn id="23" fill="hold" nodeType="withGroup">
+                            <p:stCondLst>
+                              <p:cond delay="0"/>
+                            </p:stCondLst>
+                            <p:childTnLst>
+                              <p:par>
+                                <p:cTn id="24" presetID="1" presetClass="entr" presetSubtype="0" fill="hold" grpId="0" nodeType="clickEffect">
+                                  <p:stCondLst>
+                                    <p:cond delay="0"/>
+                                  </p:stCondLst>
+                                  <p:childTnLst>
+                                    <p:set>
+                                      <p:cBhvr>
+                                        <p:cTn id="25" dur="1" fill="hold">
+                                          <p:stCondLst>
+                                            <p:cond delay="499"/>
+                                          </p:stCondLst>
+                                        </p:cTn>
+                                        <p:tgtEl>
+                                          <p:spTgt spid="155653">
+                                            <p:txEl>
+                                              <p:pRg st="3" end="3"/>
+                                            </p:txEl>
+                                          </p:spTgt>
+                                        </p:tgtEl>
+                                        <p:attrNameLst>
+                                          <p:attrName>style.visibility</p:attrName>
+                                        </p:attrNameLst>
+                                      </p:cBhvr>
+                                      <p:to>
+                                        <p:strVal val="visible"/>
+                                      </p:to>
+                                    </p:set>
+                                  </p:childTnLst>
+                                </p:cTn>
+                              </p:par>
+                              <p:par>
+                                <p:cTn id="26" presetID="53" presetClass="entr" presetSubtype="0" fill="hold" grpId="0" nodeType="withEffect">
+                                  <p:stCondLst>
+                                    <p:cond delay="0"/>
+                                  </p:stCondLst>
+                                  <p:childTnLst>
+                                    <p:set>
+                                      <p:cBhvr>
+                                        <p:cTn id="27" dur="1" fill="hold">
+                                          <p:stCondLst>
+                                            <p:cond delay="0"/>
+                                          </p:stCondLst>
+                                        </p:cTn>
+                                        <p:tgtEl>
+                                          <p:spTgt spid="155655"/>
+                                        </p:tgtEl>
+                                        <p:attrNameLst>
+                                          <p:attrName>style.visibility</p:attrName>
+                                        </p:attrNameLst>
+                                      </p:cBhvr>
+                                      <p:to>
+                                        <p:strVal val="visible"/>
+                                      </p:to>
+                                    </p:set>
+                                    <p:anim calcmode="lin" valueType="num">
+                                      <p:cBhvr>
+                                        <p:cTn id="28" dur="500" fill="hold"/>
+                                        <p:tgtEl>
+                                          <p:spTgt spid="155655"/>
+                                        </p:tgtEl>
+                                        <p:attrNameLst>
+                                          <p:attrName>ppt_w</p:attrName>
+                                        </p:attrNameLst>
+                                      </p:cBhvr>
+                                      <p:tavLst>
+                                        <p:tav tm="0">
+                                          <p:val>
+                                            <p:fltVal val="0"/>
+                                          </p:val>
+                                        </p:tav>
+                                        <p:tav tm="100000">
+                                          <p:val>
+                                            <p:strVal val="#ppt_w"/>
+                                          </p:val>
+                                        </p:tav>
+                                      </p:tavLst>
+                                    </p:anim>
+                                    <p:anim calcmode="lin" valueType="num">
+                                      <p:cBhvr>
+                                        <p:cTn id="29" dur="500" fill="hold"/>
+                                        <p:tgtEl>
+                                          <p:spTgt spid="155655"/>
+                                        </p:tgtEl>
+                                        <p:attrNameLst>
+                                          <p:attrName>ppt_h</p:attrName>
+                                        </p:attrNameLst>
+                                      </p:cBhvr>
+                                      <p:tavLst>
+                                        <p:tav tm="0">
+                                          <p:val>
+                                            <p:fltVal val="0"/>
+                                          </p:val>
+                                        </p:tav>
+                                        <p:tav tm="100000">
+                                          <p:val>
+                                            <p:strVal val="#ppt_h"/>
+                                          </p:val>
+                                        </p:tav>
+                                      </p:tavLst>
+                                    </p:anim>
+                                    <p:animEffect transition="in" filter="fade">
+                                      <p:cBhvr>
+                                        <p:cTn id="30" dur="500"/>
+                                        <p:tgtEl>
+                                          <p:spTgt spid="155655"/>
+                                        </p:tgtEl>
+                                      </p:cBhvr>
+                                    </p:animEffect>
+                                  </p:childTnLst>
+                                </p:cTn>
+                              </p:par>
+                            </p:childTnLst>
+                          </p:cTn>
+                        </p:par>
+                      </p:childTnLst>
+                    </p:cTn>
+                  </p:par>
+                  <p:par>
+                    <p:cTn id="31" fill="hold" nodeType="clickPar">
+                      <p:stCondLst>
+                        <p:cond delay="indefinite"/>
+                      </p:stCondLst>
+                      <p:childTnLst>
+                        <p:par>
+                          <p:cTn id="32" fill="hold" nodeType="withGroup">
+                            <p:stCondLst>
+                              <p:cond delay="0"/>
+                            </p:stCondLst>
+                            <p:childTnLst>
+                              <p:par>
+                                <p:cTn id="33" presetID="1" presetClass="entr" presetSubtype="0" fill="hold" grpId="0" nodeType="clickEffect">
+                                  <p:stCondLst>
+                                    <p:cond delay="0"/>
+                                  </p:stCondLst>
+                                  <p:childTnLst>
+                                    <p:set>
+                                      <p:cBhvr>
+                                        <p:cTn id="34" dur="1" fill="hold">
+                                          <p:stCondLst>
+                                            <p:cond delay="499"/>
+                                          </p:stCondLst>
+                                        </p:cTn>
+                                        <p:tgtEl>
+                                          <p:spTgt spid="155653">
+                                            <p:txEl>
+                                              <p:pRg st="4" end="4"/>
+                                            </p:txEl>
+                                          </p:spTgt>
+                                        </p:tgtEl>
+                                        <p:attrNameLst>
+                                          <p:attrName>style.visibility</p:attrName>
+                                        </p:attrNameLst>
+                                      </p:cBhvr>
+                                      <p:to>
+                                        <p:strVal val="visible"/>
+                                      </p:to>
+                                    </p:set>
+                                  </p:childTnLst>
+                                </p:cTn>
+                              </p:par>
+                              <p:par>
+                                <p:cTn id="35" presetID="1" presetClass="entr" presetSubtype="0" fill="hold" grpId="0" nodeType="withEffect">
+                                  <p:stCondLst>
+                                    <p:cond delay="0"/>
+                                  </p:stCondLst>
+                                  <p:childTnLst>
+                                    <p:set>
+                                      <p:cBhvr>
+                                        <p:cTn id="36" dur="1" fill="hold">
+                                          <p:stCondLst>
+                                            <p:cond delay="499"/>
+                                          </p:stCondLst>
+                                        </p:cTn>
+                                        <p:tgtEl>
+                                          <p:spTgt spid="155653">
+                                            <p:txEl>
+                                              <p:pRg st="5" end="5"/>
+                                            </p:txEl>
+                                          </p:spTgt>
+                                        </p:tgtEl>
+                                        <p:attrNameLst>
+                                          <p:attrName>style.visibility</p:attrName>
+                                        </p:attrNameLst>
+                                      </p:cBhvr>
+                                      <p:to>
+                                        <p:strVal val="visible"/>
+                                      </p:to>
+                                    </p:set>
+                                  </p:childTnLst>
+                                </p:cTn>
+                              </p:par>
+                              <p:par>
+                                <p:cTn id="37" presetID="1" presetClass="entr" presetSubtype="0" fill="hold" grpId="0" nodeType="withEffect">
+                                  <p:stCondLst>
+                                    <p:cond delay="0"/>
+                                  </p:stCondLst>
+                                  <p:childTnLst>
+                                    <p:set>
+                                      <p:cBhvr>
+                                        <p:cTn id="38" dur="1" fill="hold">
+                                          <p:stCondLst>
+                                            <p:cond delay="499"/>
+                                          </p:stCondLst>
+                                        </p:cTn>
+                                        <p:tgtEl>
+                                          <p:spTgt spid="155653">
+                                            <p:txEl>
+                                              <p:pRg st="6" end="6"/>
+                                            </p:txEl>
+                                          </p:spTgt>
+                                        </p:tgtEl>
+                                        <p:attrNameLst>
+                                          <p:attrName>style.visibility</p:attrName>
+                                        </p:attrNameLst>
+                                      </p:cBhvr>
+                                      <p:to>
+                                        <p:strVal val="visible"/>
+                                      </p:to>
+                                    </p:set>
+                                  </p:childTnLst>
+                                </p:cTn>
+                              </p:par>
+                            </p:childTnLst>
+                          </p:cTn>
+                        </p:par>
+                      </p:childTnLst>
+                    </p:cTn>
+                  </p:par>
+                </p:childTnLst>
+              </p:cTn>
+              <p:prevCondLst>
+                <p:cond evt="onPrev" delay="0">
+                  <p:tgtEl>
+                    <p:sldTgt/>
+                  </p:tgtEl>
+                </p:cond>
+              </p:prevCondLst>
+              <p:nextCondLst>
+                <p:cond evt="onNext" delay="0">
+                  <p:tgtEl>
+                    <p:sldTgt/>
+                  </p:tgtEl>
+                </p:cond>
+              </p:nextCondLst>
+            </p:seq>
+          </p:childTnLst>
+        </p:cTn>
+      </p:par>
+    </p:tnLst>
+    <p:bldLst>
+      <p:bldP spid="155650" grpId="0"/>
+      <p:bldP spid="155651" grpId="0"/>
+      <p:bldP spid="155653" grpId="0" build="p" autoUpdateAnimBg="0"/>
+      <p:bldP spid="155654" grpId="0" animBg="1"/>
+      <p:bldP spid="155655" grpId="0" animBg="1"/>
+    </p:bldLst>
+  </p:timing>
+</p:sld>
+</file>
+
+<file path=ppt/slides/slide6.xml><?xml version="1.0" encoding="utf-8"?>
+<p:sld xmlns:a="http://schemas.openxmlformats.org/drawingml/2006/main" xmlns:r="http://schemas.openxmlformats.org/officeDocument/2006/relationships" xmlns:p="http://schemas.openxmlformats.org/presentationml/2006/main">
+  <p:cSld>
+    <p:spTree>
+      <p:nvGrpSpPr>
+        <p:cNvPr id="1" name=""/>
+        <p:cNvGrpSpPr/>
+        <p:nvPr/>
+      </p:nvGrpSpPr>
+      <p:grpSpPr>
+        <a:xfrm>
+          <a:off x="0" y="0"/>
+          <a:ext cx="0" cy="0"/>
+          <a:chOff x="0" y="0"/>
+          <a:chExt cx="0" cy="0"/>
+        </a:xfrm>
+      </p:grpSpPr>
+      <p:sp>
+        <p:nvSpPr>
+          <p:cNvPr id="157698" name="Text Box 2"/>
+          <p:cNvSpPr txBox="1">
+            <a:spLocks noChangeArrowheads="1"/>
+          </p:cNvSpPr>
+          <p:nvPr/>
+        </p:nvSpPr>
+        <p:spPr bwMode="auto">
+          <a:xfrm>
+            <a:off x="2209800" y="1981201"/>
+            <a:ext cx="7848600" cy="1006475"/>
+          </a:xfrm>
+          <a:prstGeom prst="rect">
+            <a:avLst/>
+          </a:prstGeom>
+          <a:noFill/>
+          <a:ln>
+            <a:noFill/>
+          </a:ln>
+          <a:extLst>
+            <a:ext uri="{909E8E84-426E-40DD-AFC4-6F175D3DCCD1}">
+              <a14:hiddenFill xmlns:a14="http://schemas.microsoft.com/office/drawing/2010/main">
+                <a:solidFill>
+                  <a:schemeClr val="accent1"/>
+                </a:solidFill>
+              </a14:hiddenFill>
+            </a:ext>
+            <a:ext uri="{91240B29-F687-4F45-9708-019B960494DF}">
+              <a14:hiddenLine xmlns:a14="http://schemas.microsoft.com/office/drawing/2010/main" w="9525">
+                <a:solidFill>
+                  <a:schemeClr val="tx1"/>
+                </a:solidFill>
+                <a:miter lim="800000"/>
+                <a:headEnd/>
+                <a:tailEnd/>
+              </a14:hiddenLine>
+            </a:ext>
+          </a:extLst>
+        </p:spPr>
+        <p:txBody>
+          <a:bodyPr>
+            <a:spAutoFit/>
+          </a:bodyPr>
+          <a:lstStyle/>
+          <a:p>
+            <a:r>
+              <a:rPr lang="en-US" altLang="en-US" sz="1000" b="1">
+                <a:latin typeface="Courier" charset="0"/>
+              </a:rPr>
+              <a:t>0000111100101000000001000000000010010001100101001001000110000000111011110000000000100101010010001000</a:t>
+            </a:r>
+          </a:p>
+          <a:p>
+            <a:r>
+              <a:rPr lang="en-US" altLang="en-US" sz="1000" b="1">
+                <a:latin typeface="Courier" charset="0"/>
+              </a:rPr>
+              <a:t>0110000000110011010100010111011101000011010001010000101100010100000000000000101000111000010000111001</a:t>
+            </a:r>
+          </a:p>
+          <a:p>
+            <a:r>
+              <a:rPr lang="en-US" altLang="en-US" sz="1000" b="1">
+                <a:latin typeface="Courier" charset="0"/>
+              </a:rPr>
+              <a:t>1000100011000010101100101000001001101010001000000010000001100000100000000100010101000000001101000111</a:t>
+            </a:r>
+          </a:p>
+          <a:p>
+            <a:r>
+              <a:rPr lang="en-US" altLang="en-US" sz="1000" b="1">
+                <a:latin typeface="Courier" charset="0"/>
+              </a:rPr>
+              <a:t>1010010010000001011010110100000010001100000000100101001001011010001100000010000100001110101000000010</a:t>
+            </a:r>
+          </a:p>
+          <a:p>
+            <a:r>
+              <a:rPr lang="en-US" altLang="en-US" sz="1000" b="1">
+                <a:latin typeface="Courier" charset="0"/>
+              </a:rPr>
+              <a:t>0001000001010100100011000011100100110000010110100110110010100111000001001111001011000000100011010000</a:t>
+            </a:r>
+          </a:p>
+          <a:p>
+            <a:r>
+              <a:rPr lang="en-US" altLang="en-US" sz="1000" b="1">
+                <a:latin typeface="Courier" charset="0"/>
+              </a:rPr>
+              <a:t>0101001100001100000000001000110000000100101010011000010000001001010110111001110010010011000100100100</a:t>
+            </a:r>
+          </a:p>
+        </p:txBody>
+      </p:sp>
+      <p:sp>
+        <p:nvSpPr>
+          <p:cNvPr id="157699" name="Text Box 3"/>
+          <p:cNvSpPr txBox="1">
+            <a:spLocks noChangeArrowheads="1"/>
+          </p:cNvSpPr>
+          <p:nvPr/>
+        </p:nvSpPr>
+        <p:spPr bwMode="auto">
+          <a:xfrm>
+            <a:off x="2209800" y="1981201"/>
+            <a:ext cx="7848600" cy="1006475"/>
+          </a:xfrm>
+          <a:prstGeom prst="rect">
+            <a:avLst/>
+          </a:prstGeom>
+          <a:noFill/>
+          <a:ln>
+            <a:noFill/>
+          </a:ln>
+          <a:extLst>
+            <a:ext uri="{909E8E84-426E-40DD-AFC4-6F175D3DCCD1}">
+              <a14:hiddenFill xmlns:a14="http://schemas.microsoft.com/office/drawing/2010/main">
+                <a:solidFill>
+                  <a:schemeClr val="accent1"/>
+                </a:solidFill>
+              </a14:hiddenFill>
+            </a:ext>
+            <a:ext uri="{91240B29-F687-4F45-9708-019B960494DF}">
+              <a14:hiddenLine xmlns:a14="http://schemas.microsoft.com/office/drawing/2010/main" w="9525">
+                <a:solidFill>
+                  <a:schemeClr val="tx1"/>
+                </a:solidFill>
+                <a:miter lim="800000"/>
+                <a:headEnd/>
+                <a:tailEnd/>
+              </a14:hiddenLine>
+            </a:ext>
+          </a:extLst>
+        </p:spPr>
+        <p:txBody>
+          <a:bodyPr>
+            <a:spAutoFit/>
+          </a:bodyPr>
+          <a:lstStyle/>
+          <a:p>
+            <a:r>
+              <a:rPr lang="en-US" altLang="en-US" sz="1000" b="1">
+                <a:latin typeface="Courier" charset="0"/>
+              </a:rPr>
+              <a:t>0000000000000000000000000000000000000000000000000000000000000000000000111111111111111111111111111111</a:t>
+            </a:r>
+          </a:p>
+          <a:p>
+            <a:r>
+              <a:rPr lang="en-US" altLang="en-US" sz="1000" b="1">
+                <a:latin typeface="Courier" charset="0"/>
+              </a:rPr>
+              <a:t>0000000000000000000000000000000000000000011111111111111111111111111111000000000000000000000001111111</a:t>
+            </a:r>
+          </a:p>
+          <a:p>
+            <a:r>
+              <a:rPr lang="en-US" altLang="en-US" sz="1000" b="1">
+                <a:latin typeface="Courier" charset="0"/>
+              </a:rPr>
+              <a:t>0000000000000000000111111111111111111111100000000000000000000000111111000000000000000000000110000000</a:t>
+            </a:r>
+          </a:p>
+          <a:p>
+            <a:r>
+              <a:rPr lang="en-US" altLang="en-US" sz="1000" b="1">
+                <a:latin typeface="Courier" charset="0"/>
+              </a:rPr>
+              <a:t>0000000001111111111000000000000011111111100000000000000011111111000000000000000000000011111000000000</a:t>
+            </a:r>
+          </a:p>
+          <a:p>
+            <a:r>
+              <a:rPr lang="en-US" altLang="en-US" sz="1000" b="1">
+                <a:latin typeface="Courier" charset="0"/>
+              </a:rPr>
+              <a:t>1111111110000111111000001111111100000000000000011111111100000000000000000000000011111100000000000000</a:t>
+            </a:r>
+          </a:p>
+          <a:p>
+            <a:r>
+              <a:rPr lang="en-US" altLang="en-US" sz="1000" b="1">
+                <a:latin typeface="Courier" charset="0"/>
+              </a:rPr>
+              <a:t>1111111111111000000111110000000000000000011111100000000000000000000000111111111100000000000000000000</a:t>
+            </a:r>
+          </a:p>
+        </p:txBody>
+      </p:sp>
+      <p:sp>
+        <p:nvSpPr>
+          <p:cNvPr id="157700" name="Rectangle 4"/>
+          <p:cNvSpPr>
+            <a:spLocks noGrp="1" noChangeArrowheads="1"/>
+          </p:cNvSpPr>
+          <p:nvPr>
+            <p:ph type="title"/>
+          </p:nvPr>
+        </p:nvSpPr>
+        <p:spPr/>
+        <p:txBody>
+          <a:bodyPr/>
+          <a:lstStyle/>
+          <a:p>
+            <a:r>
+              <a:rPr lang="en-US" altLang="en-US"/>
+              <a:t>A simulation example: i=2</a:t>
+            </a:r>
+          </a:p>
+        </p:txBody>
+      </p:sp>
+      <p:sp>
+        <p:nvSpPr>
+          <p:cNvPr id="157701" name="Rectangle 5"/>
+          <p:cNvSpPr>
+            <a:spLocks noGrp="1" noChangeArrowheads="1"/>
+          </p:cNvSpPr>
+          <p:nvPr>
+            <p:ph type="body" sz="half" idx="2"/>
+          </p:nvPr>
+        </p:nvSpPr>
+        <p:spPr>
+          <a:xfrm>
+            <a:off x="2209800" y="3429000"/>
+            <a:ext cx="7772400" cy="2667000"/>
+          </a:xfrm>
+        </p:spPr>
+        <p:txBody>
+          <a:bodyPr/>
+          <a:lstStyle/>
+          <a:p>
+            <a:pPr>
+              <a:lnSpc>
+                <a:spcPct val="90000"/>
+              </a:lnSpc>
+            </a:pPr>
+            <a:r>
+              <a:rPr lang="en-US" altLang="en-US" sz="2000"/>
+              <a:t>Reminder: m = 6, i = 2</a:t>
+            </a:r>
+          </a:p>
+          <a:p>
+            <a:pPr>
+              <a:lnSpc>
+                <a:spcPct val="90000"/>
+              </a:lnSpc>
+            </a:pPr>
+            <a:r>
+              <a:rPr lang="en-US" altLang="en-US" sz="2000"/>
+              <a:t>Sort</a:t>
+            </a:r>
+          </a:p>
+          <a:p>
+            <a:pPr>
+              <a:lnSpc>
+                <a:spcPct val="90000"/>
+              </a:lnSpc>
+            </a:pPr>
+            <a:r>
+              <a:rPr lang="en-US" altLang="en-US" sz="2000"/>
+              <a:t>Keep only the loci where the reference lacks the derived allele</a:t>
+            </a:r>
+          </a:p>
+          <a:p>
+            <a:pPr>
+              <a:lnSpc>
+                <a:spcPct val="90000"/>
+              </a:lnSpc>
+            </a:pPr>
+            <a:r>
+              <a:rPr lang="en-US" altLang="en-US" sz="2000"/>
+              <a:t>Throw out the reference line</a:t>
+            </a:r>
+          </a:p>
+          <a:p>
+            <a:pPr>
+              <a:lnSpc>
+                <a:spcPct val="90000"/>
+              </a:lnSpc>
+            </a:pPr>
+            <a:r>
+              <a:rPr lang="en-US" altLang="en-US" sz="2000"/>
+              <a:t>Comparison:</a:t>
+            </a:r>
+          </a:p>
+          <a:p>
+            <a:pPr lvl="1">
+              <a:lnSpc>
+                <a:spcPct val="90000"/>
+              </a:lnSpc>
+            </a:pPr>
+            <a:r>
+              <a:rPr lang="en-US" altLang="en-US" sz="1800"/>
+              <a:t>Simulation = 70/100</a:t>
+            </a:r>
+          </a:p>
+          <a:p>
+            <a:pPr lvl="1">
+              <a:lnSpc>
+                <a:spcPct val="90000"/>
+              </a:lnSpc>
+            </a:pPr>
+            <a:r>
+              <a:rPr lang="en-US" altLang="en-US" sz="1800"/>
+              <a:t>Correction factor = (m-i)/m = (6-2)/6 = 2/3</a:t>
+            </a:r>
+          </a:p>
+        </p:txBody>
+      </p:sp>
+      <p:sp>
+        <p:nvSpPr>
+          <p:cNvPr id="157702" name="Rectangle 6"/>
+          <p:cNvSpPr>
+            <a:spLocks noChangeArrowheads="1"/>
+          </p:cNvSpPr>
+          <p:nvPr/>
+        </p:nvSpPr>
+        <p:spPr bwMode="auto">
+          <a:xfrm>
+            <a:off x="2289176" y="2193925"/>
+            <a:ext cx="5338763" cy="730250"/>
+          </a:xfrm>
+          <a:prstGeom prst="rect">
+            <a:avLst/>
+          </a:prstGeom>
+          <a:solidFill>
+            <a:srgbClr val="00FF00">
+              <a:alpha val="35001"/>
+            </a:srgbClr>
+          </a:solidFill>
+          <a:ln>
+            <a:noFill/>
+          </a:ln>
+          <a:extLst>
+            <a:ext uri="{91240B29-F687-4F45-9708-019B960494DF}">
+              <a14:hiddenLine xmlns:a14="http://schemas.microsoft.com/office/drawing/2010/main" w="9525">
+                <a:solidFill>
+                  <a:schemeClr val="tx1"/>
+                </a:solidFill>
+                <a:miter lim="800000"/>
+                <a:headEnd/>
+                <a:tailEnd/>
+              </a14:hiddenLine>
+            </a:ext>
+          </a:extLst>
+        </p:spPr>
+        <p:txBody>
+          <a:bodyPr wrap="none" anchor="ctr"/>
+          <a:lstStyle/>
+          <a:p>
+            <a:endParaRPr lang="en-US"/>
+          </a:p>
+        </p:txBody>
+      </p:sp>
+      <p:sp>
+        <p:nvSpPr>
+          <p:cNvPr id="157703" name="Rectangle 7"/>
+          <p:cNvSpPr>
+            <a:spLocks noChangeArrowheads="1"/>
+          </p:cNvSpPr>
+          <p:nvPr/>
+        </p:nvSpPr>
+        <p:spPr bwMode="auto">
+          <a:xfrm>
+            <a:off x="2289175" y="2051051"/>
+            <a:ext cx="7632700" cy="98425"/>
+          </a:xfrm>
+          <a:prstGeom prst="rect">
+            <a:avLst/>
+          </a:prstGeom>
+          <a:solidFill>
+            <a:srgbClr val="FF0000">
+              <a:alpha val="35001"/>
+            </a:srgbClr>
+          </a:solidFill>
+          <a:ln>
+            <a:noFill/>
+          </a:ln>
+          <a:extLst>
+            <a:ext uri="{91240B29-F687-4F45-9708-019B960494DF}">
+              <a14:hiddenLine xmlns:a14="http://schemas.microsoft.com/office/drawing/2010/main" w="9525">
+                <a:solidFill>
+                  <a:schemeClr val="tx1"/>
+                </a:solidFill>
+                <a:miter lim="800000"/>
+                <a:headEnd/>
+                <a:tailEnd/>
+              </a14:hiddenLine>
+            </a:ext>
+          </a:extLst>
+        </p:spPr>
+        <p:txBody>
+          <a:bodyPr wrap="none" anchor="ctr"/>
+          <a:lstStyle/>
+          <a:p>
+            <a:endParaRPr lang="en-US"/>
+          </a:p>
+        </p:txBody>
+      </p:sp>
+    </p:spTree>
+    <p:extLst>
+      <p:ext uri="{BB962C8B-B14F-4D97-AF65-F5344CB8AC3E}">
+        <p14:creationId xmlns:p14="http://schemas.microsoft.com/office/powerpoint/2010/main" val="903471913"/>
+      </p:ext>
+    </p:extLst>
+  </p:cSld>
+  <p:clrMapOvr>
+    <a:masterClrMapping/>
+  </p:clrMapOvr>
+  <p:timing>
+    <p:tnLst>
+      <p:par>
+        <p:cTn id="1" dur="indefinite" restart="never" nodeType="tmRoot">
+          <p:childTnLst>
+            <p:seq concurrent="1" nextAc="seek">
+              <p:cTn id="2" dur="indefinite" nodeType="mainSeq">
+                <p:childTnLst>
+                  <p:par>
+                    <p:cTn id="3" fill="hold" nodeType="clickPar">
+                      <p:stCondLst>
+                        <p:cond delay="indefinite"/>
+                      </p:stCondLst>
+                      <p:childTnLst>
+                        <p:par>
+                          <p:cTn id="4" fill="hold" nodeType="withGroup">
+                            <p:stCondLst>
+                              <p:cond delay="0"/>
+                            </p:stCondLst>
+                            <p:childTnLst>
+                              <p:par>
+                                <p:cTn id="5" presetID="9" presetClass="exit" presetSubtype="0" fill="hold" grpId="0" nodeType="clickEffect">
+                                  <p:stCondLst>
+                                    <p:cond delay="0"/>
+                                  </p:stCondLst>
+                                  <p:childTnLst>
+                                    <p:animEffect transition="out" filter="dissolve">
+                                      <p:cBhvr>
+                                        <p:cTn id="6" dur="500"/>
+                                        <p:tgtEl>
+                                          <p:spTgt spid="157698"/>
+                                        </p:tgtEl>
+                                      </p:cBhvr>
+                                    </p:animEffect>
+                                    <p:set>
+                                      <p:cBhvr>
+                                        <p:cTn id="7" dur="1" fill="hold">
+                                          <p:stCondLst>
+                                            <p:cond delay="499"/>
+                                          </p:stCondLst>
+                                        </p:cTn>
+                                        <p:tgtEl>
+                                          <p:spTgt spid="157698"/>
+                                        </p:tgtEl>
+                                        <p:attrNameLst>
+                                          <p:attrName>style.visibility</p:attrName>
+                                        </p:attrNameLst>
+                                      </p:cBhvr>
+                                      <p:to>
+                                        <p:strVal val="hidden"/>
+                                      </p:to>
+                                    </p:set>
+                                  </p:childTnLst>
+                                </p:cTn>
+                              </p:par>
+                              <p:par>
+                                <p:cTn id="8" presetID="1" presetClass="entr" presetSubtype="0" fill="hold" grpId="0" nodeType="withEffect">
+                                  <p:stCondLst>
+                                    <p:cond delay="0"/>
+                                  </p:stCondLst>
+                                  <p:childTnLst>
+                                    <p:set>
+                                      <p:cBhvr>
+                                        <p:cTn id="9" dur="1" fill="hold">
+                                          <p:stCondLst>
+                                            <p:cond delay="499"/>
+                                          </p:stCondLst>
+                                        </p:cTn>
+                                        <p:tgtEl>
+                                          <p:spTgt spid="157701">
+                                            <p:txEl>
+                                              <p:pRg st="1" end="1"/>
+                                            </p:txEl>
+                                          </p:spTgt>
+                                        </p:tgtEl>
+                                        <p:attrNameLst>
+                                          <p:attrName>style.visibility</p:attrName>
+                                        </p:attrNameLst>
+                                      </p:cBhvr>
+                                      <p:to>
+                                        <p:strVal val="visible"/>
+                                      </p:to>
+                                    </p:set>
+                                  </p:childTnLst>
+                                </p:cTn>
+                              </p:par>
+                              <p:par>
+                                <p:cTn id="10" presetID="9" presetClass="entr" presetSubtype="0" fill="hold" grpId="0" nodeType="withEffect">
+                                  <p:stCondLst>
+                                    <p:cond delay="0"/>
+                                  </p:stCondLst>
+                                  <p:childTnLst>
+                                    <p:set>
+                                      <p:cBhvr>
+                                        <p:cTn id="11" dur="1" fill="hold">
+                                          <p:stCondLst>
+                                            <p:cond delay="0"/>
+                                          </p:stCondLst>
+                                        </p:cTn>
+                                        <p:tgtEl>
+                                          <p:spTgt spid="157699"/>
+                                        </p:tgtEl>
+                                        <p:attrNameLst>
+                                          <p:attrName>style.visibility</p:attrName>
+                                        </p:attrNameLst>
+                                      </p:cBhvr>
+                                      <p:to>
+                                        <p:strVal val="visible"/>
+                                      </p:to>
+                                    </p:set>
+                                    <p:animEffect transition="in" filter="dissolve">
+                                      <p:cBhvr>
+                                        <p:cTn id="12" dur="500"/>
+                                        <p:tgtEl>
+                                          <p:spTgt spid="157699"/>
+                                        </p:tgtEl>
+                                      </p:cBhvr>
+                                    </p:animEffect>
+                                  </p:childTnLst>
+                                </p:cTn>
+                              </p:par>
+                            </p:childTnLst>
+                          </p:cTn>
+                        </p:par>
+                      </p:childTnLst>
+                    </p:cTn>
+                  </p:par>
+                  <p:par>
+                    <p:cTn id="13" fill="hold" nodeType="clickPar">
+                      <p:stCondLst>
+                        <p:cond delay="indefinite"/>
+                      </p:stCondLst>
+                      <p:childTnLst>
+                        <p:par>
+                          <p:cTn id="14" fill="hold" nodeType="withGroup">
+                            <p:stCondLst>
+                              <p:cond delay="0"/>
+                            </p:stCondLst>
+                            <p:childTnLst>
+                              <p:par>
+                                <p:cTn id="15" presetID="1" presetClass="entr" presetSubtype="0" fill="hold" grpId="0" nodeType="clickEffect">
+                                  <p:stCondLst>
+                                    <p:cond delay="0"/>
+                                  </p:stCondLst>
+                                  <p:childTnLst>
+                                    <p:set>
+                                      <p:cBhvr>
+                                        <p:cTn id="16" dur="1" fill="hold">
+                                          <p:stCondLst>
+                                            <p:cond delay="499"/>
+                                          </p:stCondLst>
+                                        </p:cTn>
+                                        <p:tgtEl>
+                                          <p:spTgt spid="157701">
+                                            <p:txEl>
+                                              <p:pRg st="2" end="2"/>
+                                            </p:txEl>
+                                          </p:spTgt>
+                                        </p:tgtEl>
+                                        <p:attrNameLst>
+                                          <p:attrName>style.visibility</p:attrName>
+                                        </p:attrNameLst>
+                                      </p:cBhvr>
+                                      <p:to>
+                                        <p:strVal val="visible"/>
+                                      </p:to>
+                                    </p:set>
+                                  </p:childTnLst>
+                                </p:cTn>
+                              </p:par>
+                              <p:par>
+                                <p:cTn id="17" presetID="53" presetClass="entr" presetSubtype="0" fill="hold" grpId="0" nodeType="withEffect">
+                                  <p:stCondLst>
+                                    <p:cond delay="0"/>
+                                  </p:stCondLst>
+                                  <p:childTnLst>
+                                    <p:set>
+                                      <p:cBhvr>
+                                        <p:cTn id="18" dur="1" fill="hold">
+                                          <p:stCondLst>
+                                            <p:cond delay="0"/>
+                                          </p:stCondLst>
+                                        </p:cTn>
+                                        <p:tgtEl>
+                                          <p:spTgt spid="157702"/>
+                                        </p:tgtEl>
+                                        <p:attrNameLst>
+                                          <p:attrName>style.visibility</p:attrName>
+                                        </p:attrNameLst>
+                                      </p:cBhvr>
+                                      <p:to>
+                                        <p:strVal val="visible"/>
+                                      </p:to>
+                                    </p:set>
+                                    <p:anim calcmode="lin" valueType="num">
+                                      <p:cBhvr>
+                                        <p:cTn id="19" dur="500" fill="hold"/>
+                                        <p:tgtEl>
+                                          <p:spTgt spid="157702"/>
+                                        </p:tgtEl>
+                                        <p:attrNameLst>
+                                          <p:attrName>ppt_w</p:attrName>
+                                        </p:attrNameLst>
+                                      </p:cBhvr>
+                                      <p:tavLst>
+                                        <p:tav tm="0">
+                                          <p:val>
+                                            <p:fltVal val="0"/>
+                                          </p:val>
+                                        </p:tav>
+                                        <p:tav tm="100000">
+                                          <p:val>
+                                            <p:strVal val="#ppt_w"/>
+                                          </p:val>
+                                        </p:tav>
+                                      </p:tavLst>
+                                    </p:anim>
+                                    <p:anim calcmode="lin" valueType="num">
+                                      <p:cBhvr>
+                                        <p:cTn id="20" dur="500" fill="hold"/>
+                                        <p:tgtEl>
+                                          <p:spTgt spid="157702"/>
+                                        </p:tgtEl>
+                                        <p:attrNameLst>
+                                          <p:attrName>ppt_h</p:attrName>
+                                        </p:attrNameLst>
+                                      </p:cBhvr>
+                                      <p:tavLst>
+                                        <p:tav tm="0">
+                                          <p:val>
+                                            <p:fltVal val="0"/>
+                                          </p:val>
+                                        </p:tav>
+                                        <p:tav tm="100000">
+                                          <p:val>
+                                            <p:strVal val="#ppt_h"/>
+                                          </p:val>
+                                        </p:tav>
+                                      </p:tavLst>
+                                    </p:anim>
+                                    <p:animEffect transition="in" filter="fade">
+                                      <p:cBhvr>
+                                        <p:cTn id="21" dur="500"/>
+                                        <p:tgtEl>
+                                          <p:spTgt spid="157702"/>
+                                        </p:tgtEl>
+                                      </p:cBhvr>
+                                    </p:animEffect>
+                                  </p:childTnLst>
+                                </p:cTn>
+                              </p:par>
+                            </p:childTnLst>
+                          </p:cTn>
+                        </p:par>
+                      </p:childTnLst>
+                    </p:cTn>
+                  </p:par>
+                  <p:par>
+                    <p:cTn id="22" fill="hold" nodeType="clickPar">
+                      <p:stCondLst>
+                        <p:cond delay="indefinite"/>
+                      </p:stCondLst>
+                      <p:childTnLst>
+                        <p:par>
+                          <p:cTn id="23" fill="hold" nodeType="withGroup">
+                            <p:stCondLst>
+                              <p:cond delay="0"/>
+                            </p:stCondLst>
+                            <p:childTnLst>
+                              <p:par>
+                                <p:cTn id="24" presetID="1" presetClass="entr" presetSubtype="0" fill="hold" grpId="0" nodeType="clickEffect">
+                                  <p:stCondLst>
+                                    <p:cond delay="0"/>
+                                  </p:stCondLst>
+                                  <p:childTnLst>
+                                    <p:set>
+                                      <p:cBhvr>
+                                        <p:cTn id="25" dur="1" fill="hold">
+                                          <p:stCondLst>
+                                            <p:cond delay="499"/>
+                                          </p:stCondLst>
+                                        </p:cTn>
+                                        <p:tgtEl>
+                                          <p:spTgt spid="157701">
+                                            <p:txEl>
+                                              <p:pRg st="3" end="3"/>
+                                            </p:txEl>
+                                          </p:spTgt>
+                                        </p:tgtEl>
+                                        <p:attrNameLst>
+                                          <p:attrName>style.visibility</p:attrName>
+                                        </p:attrNameLst>
+                                      </p:cBhvr>
+                                      <p:to>
+                                        <p:strVal val="visible"/>
+                                      </p:to>
+                                    </p:set>
+                                  </p:childTnLst>
+                                </p:cTn>
+                              </p:par>
+                              <p:par>
+                                <p:cTn id="26" presetID="53" presetClass="entr" presetSubtype="0" fill="hold" grpId="0" nodeType="withEffect">
+                                  <p:stCondLst>
+                                    <p:cond delay="0"/>
+                                  </p:stCondLst>
+                                  <p:childTnLst>
+                                    <p:set>
+                                      <p:cBhvr>
+                                        <p:cTn id="27" dur="1" fill="hold">
+                                          <p:stCondLst>
+                                            <p:cond delay="0"/>
+                                          </p:stCondLst>
+                                        </p:cTn>
+                                        <p:tgtEl>
+                                          <p:spTgt spid="157703"/>
+                                        </p:tgtEl>
+                                        <p:attrNameLst>
+                                          <p:attrName>style.visibility</p:attrName>
+                                        </p:attrNameLst>
+                                      </p:cBhvr>
+                                      <p:to>
+                                        <p:strVal val="visible"/>
+                                      </p:to>
+                                    </p:set>
+                                    <p:anim calcmode="lin" valueType="num">
+                                      <p:cBhvr>
+                                        <p:cTn id="28" dur="500" fill="hold"/>
+                                        <p:tgtEl>
+                                          <p:spTgt spid="157703"/>
+                                        </p:tgtEl>
+                                        <p:attrNameLst>
+                                          <p:attrName>ppt_w</p:attrName>
+                                        </p:attrNameLst>
+                                      </p:cBhvr>
+                                      <p:tavLst>
+                                        <p:tav tm="0">
+                                          <p:val>
+                                            <p:fltVal val="0"/>
+                                          </p:val>
+                                        </p:tav>
+                                        <p:tav tm="100000">
+                                          <p:val>
+                                            <p:strVal val="#ppt_w"/>
+                                          </p:val>
+                                        </p:tav>
+                                      </p:tavLst>
+                                    </p:anim>
+                                    <p:anim calcmode="lin" valueType="num">
+                                      <p:cBhvr>
+                                        <p:cTn id="29" dur="500" fill="hold"/>
+                                        <p:tgtEl>
+                                          <p:spTgt spid="157703"/>
+                                        </p:tgtEl>
+                                        <p:attrNameLst>
+                                          <p:attrName>ppt_h</p:attrName>
+                                        </p:attrNameLst>
+                                      </p:cBhvr>
+                                      <p:tavLst>
+                                        <p:tav tm="0">
+                                          <p:val>
+                                            <p:fltVal val="0"/>
+                                          </p:val>
+                                        </p:tav>
+                                        <p:tav tm="100000">
+                                          <p:val>
+                                            <p:strVal val="#ppt_h"/>
+                                          </p:val>
+                                        </p:tav>
+                                      </p:tavLst>
+                                    </p:anim>
+                                    <p:animEffect transition="in" filter="fade">
+                                      <p:cBhvr>
+                                        <p:cTn id="30" dur="500"/>
+                                        <p:tgtEl>
+                                          <p:spTgt spid="157703"/>
+                                        </p:tgtEl>
+                                      </p:cBhvr>
+                                    </p:animEffect>
+                                  </p:childTnLst>
+                                </p:cTn>
+                              </p:par>
+                            </p:childTnLst>
+                          </p:cTn>
+                        </p:par>
+                      </p:childTnLst>
+                    </p:cTn>
+                  </p:par>
+                  <p:par>
+                    <p:cTn id="31" fill="hold" nodeType="clickPar">
+                      <p:stCondLst>
+                        <p:cond delay="indefinite"/>
+                      </p:stCondLst>
+                      <p:childTnLst>
+                        <p:par>
+                          <p:cTn id="32" fill="hold" nodeType="withGroup">
+                            <p:stCondLst>
+                              <p:cond delay="0"/>
+                            </p:stCondLst>
+                            <p:childTnLst>
+                              <p:par>
+                                <p:cTn id="33" presetID="1" presetClass="entr" presetSubtype="0" fill="hold" grpId="0" nodeType="clickEffect">
+                                  <p:stCondLst>
+                                    <p:cond delay="0"/>
+                                  </p:stCondLst>
+                                  <p:childTnLst>
+                                    <p:set>
+                                      <p:cBhvr>
+                                        <p:cTn id="34" dur="1" fill="hold">
+                                          <p:stCondLst>
+                                            <p:cond delay="499"/>
+                                          </p:stCondLst>
+                                        </p:cTn>
+                                        <p:tgtEl>
+                                          <p:spTgt spid="157701">
+                                            <p:txEl>
+                                              <p:pRg st="4" end="4"/>
+                                            </p:txEl>
+                                          </p:spTgt>
+                                        </p:tgtEl>
+                                        <p:attrNameLst>
+                                          <p:attrName>style.visibility</p:attrName>
+                                        </p:attrNameLst>
+                                      </p:cBhvr>
+                                      <p:to>
+                                        <p:strVal val="visible"/>
+                                      </p:to>
+                                    </p:set>
+                                  </p:childTnLst>
+                                </p:cTn>
+                              </p:par>
+                              <p:par>
+                                <p:cTn id="35" presetID="1" presetClass="entr" presetSubtype="0" fill="hold" grpId="0" nodeType="withEffect">
+                                  <p:stCondLst>
+                                    <p:cond delay="0"/>
+                                  </p:stCondLst>
+                                  <p:childTnLst>
+                                    <p:set>
+                                      <p:cBhvr>
+                                        <p:cTn id="36" dur="1" fill="hold">
+                                          <p:stCondLst>
+                                            <p:cond delay="499"/>
+                                          </p:stCondLst>
+                                        </p:cTn>
+                                        <p:tgtEl>
+                                          <p:spTgt spid="157701">
+                                            <p:txEl>
+                                              <p:pRg st="5" end="5"/>
+                                            </p:txEl>
+                                          </p:spTgt>
+                                        </p:tgtEl>
+                                        <p:attrNameLst>
+                                          <p:attrName>style.visibility</p:attrName>
+                                        </p:attrNameLst>
+                                      </p:cBhvr>
+                                      <p:to>
+                                        <p:strVal val="visible"/>
+                                      </p:to>
+                                    </p:set>
+                                  </p:childTnLst>
+                                </p:cTn>
+                              </p:par>
+                              <p:par>
+                                <p:cTn id="37" presetID="1" presetClass="entr" presetSubtype="0" fill="hold" grpId="0" nodeType="withEffect">
+                                  <p:stCondLst>
+                                    <p:cond delay="0"/>
+                                  </p:stCondLst>
+                                  <p:childTnLst>
+                                    <p:set>
+                                      <p:cBhvr>
+                                        <p:cTn id="38" dur="1" fill="hold">
+                                          <p:stCondLst>
+                                            <p:cond delay="499"/>
+                                          </p:stCondLst>
+                                        </p:cTn>
+                                        <p:tgtEl>
+                                          <p:spTgt spid="157701">
+                                            <p:txEl>
+                                              <p:pRg st="6" end="6"/>
+                                            </p:txEl>
+                                          </p:spTgt>
+                                        </p:tgtEl>
+                                        <p:attrNameLst>
+                                          <p:attrName>style.visibility</p:attrName>
+                                        </p:attrNameLst>
+                                      </p:cBhvr>
+                                      <p:to>
+                                        <p:strVal val="visible"/>
+                                      </p:to>
+                                    </p:set>
+                                  </p:childTnLst>
+                                </p:cTn>
+                              </p:par>
+                            </p:childTnLst>
+                          </p:cTn>
+                        </p:par>
+                      </p:childTnLst>
+                    </p:cTn>
+                  </p:par>
+                </p:childTnLst>
+              </p:cTn>
+              <p:prevCondLst>
+                <p:cond evt="onPrev" delay="0">
+                  <p:tgtEl>
+                    <p:sldTgt/>
+                  </p:tgtEl>
+                </p:cond>
+              </p:prevCondLst>
+              <p:nextCondLst>
+                <p:cond evt="onNext" delay="0">
+                  <p:tgtEl>
+                    <p:sldTgt/>
+                  </p:tgtEl>
+                </p:cond>
+              </p:nextCondLst>
+            </p:seq>
+          </p:childTnLst>
+        </p:cTn>
+      </p:par>
+    </p:tnLst>
+    <p:bldLst>
+      <p:bldP spid="157698" grpId="0"/>
+      <p:bldP spid="157699" grpId="0"/>
+      <p:bldP spid="157701" grpId="0" build="p" autoUpdateAnimBg="0"/>
+      <p:bldP spid="157702" grpId="0" animBg="1"/>
+      <p:bldP spid="157703" grpId="0" animBg="1"/>
+    </p:bldLst>
   </p:timing>
 </p:sld>
 </file>
@@ -8011,7 +12745,197 @@
       </p:grpSpPr>
       <p:sp>
         <p:nvSpPr>
-          <p:cNvPr id="178178" name="Rectangle 2"/>
+          <p:cNvPr id="159746" name="Text Box 2"/>
+          <p:cNvSpPr txBox="1">
+            <a:spLocks noChangeArrowheads="1"/>
+          </p:cNvSpPr>
+          <p:nvPr/>
+        </p:nvSpPr>
+        <p:spPr bwMode="auto">
+          <a:xfrm>
+            <a:off x="2209800" y="1981201"/>
+            <a:ext cx="7848600" cy="1006475"/>
+          </a:xfrm>
+          <a:prstGeom prst="rect">
+            <a:avLst/>
+          </a:prstGeom>
+          <a:noFill/>
+          <a:ln>
+            <a:noFill/>
+          </a:ln>
+          <a:extLst>
+            <a:ext uri="{909E8E84-426E-40DD-AFC4-6F175D3DCCD1}">
+              <a14:hiddenFill xmlns:a14="http://schemas.microsoft.com/office/drawing/2010/main">
+                <a:solidFill>
+                  <a:schemeClr val="accent1"/>
+                </a:solidFill>
+              </a14:hiddenFill>
+            </a:ext>
+            <a:ext uri="{91240B29-F687-4F45-9708-019B960494DF}">
+              <a14:hiddenLine xmlns:a14="http://schemas.microsoft.com/office/drawing/2010/main" w="9525">
+                <a:solidFill>
+                  <a:schemeClr val="tx1"/>
+                </a:solidFill>
+                <a:miter lim="800000"/>
+                <a:headEnd/>
+                <a:tailEnd/>
+              </a14:hiddenLine>
+            </a:ext>
+          </a:extLst>
+        </p:spPr>
+        <p:txBody>
+          <a:bodyPr>
+            <a:spAutoFit/>
+          </a:bodyPr>
+          <a:lstStyle/>
+          <a:p>
+            <a:r>
+              <a:rPr lang="en-US" altLang="en-US" sz="1000" b="1">
+                <a:latin typeface="Courier" charset="0"/>
+              </a:rPr>
+              <a:t>0100000000100000000010100010000000010101000100010010000000000000000000000000000101010000000000010000</a:t>
+            </a:r>
+          </a:p>
+          <a:p>
+            <a:r>
+              <a:rPr lang="en-US" altLang="en-US" sz="1000" b="1">
+                <a:latin typeface="Courier" charset="0"/>
+              </a:rPr>
+              <a:t>0000001100000000000001000001000000000000101000001001100001110010000011100000000000100000010000101110</a:t>
+            </a:r>
+          </a:p>
+          <a:p>
+            <a:r>
+              <a:rPr lang="en-US" altLang="en-US" sz="1000" b="1">
+                <a:latin typeface="Courier" charset="0"/>
+              </a:rPr>
+              <a:t>0010010000000000000000000000101011000010000000000000010000000100110100000010011000000010000101000001</a:t>
+            </a:r>
+          </a:p>
+          <a:p>
+            <a:r>
+              <a:rPr lang="en-US" altLang="en-US" sz="1000" b="1">
+                <a:latin typeface="Courier" charset="0"/>
+              </a:rPr>
+              <a:t>1000000001000100000000000100000000000000000000000100001000001001000000000101000010000000100010000000</a:t>
+            </a:r>
+          </a:p>
+          <a:p>
+            <a:r>
+              <a:rPr lang="en-US" altLang="en-US" sz="1000" b="1">
+                <a:latin typeface="Courier" charset="0"/>
+              </a:rPr>
+              <a:t>0000100000001001110000010000010100001000010011000000000100000000001000000000100000000001000000000000</a:t>
+            </a:r>
+          </a:p>
+          <a:p>
+            <a:r>
+              <a:rPr lang="en-US" altLang="en-US" sz="1000" b="1">
+                <a:latin typeface="Courier" charset="0"/>
+              </a:rPr>
+              <a:t>0001000010010010001100001000000000100000000000100000000010000000000000011000000000001100001000000000</a:t>
+            </a:r>
+          </a:p>
+        </p:txBody>
+      </p:sp>
+      <p:sp>
+        <p:nvSpPr>
+          <p:cNvPr id="159747" name="Text Box 3"/>
+          <p:cNvSpPr txBox="1">
+            <a:spLocks noChangeArrowheads="1"/>
+          </p:cNvSpPr>
+          <p:nvPr/>
+        </p:nvSpPr>
+        <p:spPr bwMode="auto">
+          <a:xfrm>
+            <a:off x="2209800" y="1981201"/>
+            <a:ext cx="7848600" cy="1006475"/>
+          </a:xfrm>
+          <a:prstGeom prst="rect">
+            <a:avLst/>
+          </a:prstGeom>
+          <a:noFill/>
+          <a:ln>
+            <a:noFill/>
+          </a:ln>
+          <a:extLst>
+            <a:ext uri="{909E8E84-426E-40DD-AFC4-6F175D3DCCD1}">
+              <a14:hiddenFill xmlns:a14="http://schemas.microsoft.com/office/drawing/2010/main">
+                <a:solidFill>
+                  <a:schemeClr val="accent1"/>
+                </a:solidFill>
+              </a14:hiddenFill>
+            </a:ext>
+            <a:ext uri="{91240B29-F687-4F45-9708-019B960494DF}">
+              <a14:hiddenLine xmlns:a14="http://schemas.microsoft.com/office/drawing/2010/main" w="9525">
+                <a:solidFill>
+                  <a:schemeClr val="tx1"/>
+                </a:solidFill>
+                <a:miter lim="800000"/>
+                <a:headEnd/>
+                <a:tailEnd/>
+              </a14:hiddenLine>
+            </a:ext>
+          </a:extLst>
+        </p:spPr>
+        <p:txBody>
+          <a:bodyPr>
+            <a:spAutoFit/>
+          </a:bodyPr>
+          <a:lstStyle/>
+          <a:p>
+            <a:r>
+              <a:rPr lang="en-US" altLang="en-US" sz="1000" b="1">
+                <a:latin typeface="Courier" charset="0"/>
+              </a:rPr>
+              <a:t>0000000000000000000000000000000000000000000000000000000000000000000000000000000000000111111111111111</a:t>
+            </a:r>
+          </a:p>
+          <a:p>
+            <a:r>
+              <a:rPr lang="en-US" altLang="en-US" sz="1000" b="1">
+                <a:latin typeface="Courier" charset="0"/>
+              </a:rPr>
+              <a:t>0000000000000000000000000000000000000000000000000000000000000001111111111111111111111000000000000000</a:t>
+            </a:r>
+          </a:p>
+          <a:p>
+            <a:r>
+              <a:rPr lang="en-US" altLang="en-US" sz="1000" b="1">
+                <a:latin typeface="Courier" charset="0"/>
+              </a:rPr>
+              <a:t>0000000000000000000000000000000000000000000011111111111111111110000000000000000000000000000000000000</a:t>
+            </a:r>
+          </a:p>
+          <a:p>
+            <a:r>
+              <a:rPr lang="en-US" altLang="en-US" sz="1000" b="1">
+                <a:latin typeface="Courier" charset="0"/>
+              </a:rPr>
+              <a:t>0000000000000000000000000000000111111111111100000000000000000000000000000000000000000000000000000000</a:t>
+            </a:r>
+          </a:p>
+          <a:p>
+            <a:r>
+              <a:rPr lang="en-US" altLang="en-US" sz="1000" b="1">
+                <a:latin typeface="Courier" charset="0"/>
+              </a:rPr>
+              <a:t>0000000000000001111111111111111000000000000000000000000000000000000000000000000000000000000000000000</a:t>
+            </a:r>
+          </a:p>
+          <a:p>
+            <a:r>
+              <a:rPr lang="en-US" altLang="en-US" sz="1000" b="1">
+                <a:latin typeface="Courier" charset="0"/>
+              </a:rPr>
+              <a:t>1111111111111110000000000000000000000000000000000000000000000000000000000000000000000000000000000000</a:t>
+            </a:r>
+          </a:p>
+        </p:txBody>
+      </p:sp>
+      <p:sp>
+        <p:nvSpPr>
+          <p:cNvPr id="159748" name="Rectangle 4"/>
           <p:cNvSpPr>
             <a:spLocks noGrp="1" noChangeArrowheads="1"/>
           </p:cNvSpPr>
@@ -8026,22 +12950,27 @@
           <a:p>
             <a:r>
               <a:rPr lang="en-US" altLang="en-US"/>
-              <a:t>Summary</a:t>
-            </a:r>
-          </a:p>
-        </p:txBody>
-      </p:sp>
-      <p:sp>
-        <p:nvSpPr>
-          <p:cNvPr id="178179" name="Rectangle 3"/>
+              <a:t>A simulation example: i=1</a:t>
+            </a:r>
+          </a:p>
+        </p:txBody>
+      </p:sp>
+      <p:sp>
+        <p:nvSpPr>
+          <p:cNvPr id="159749" name="Rectangle 5"/>
           <p:cNvSpPr>
             <a:spLocks noGrp="1" noChangeArrowheads="1"/>
           </p:cNvSpPr>
           <p:nvPr>
-            <p:ph type="body" idx="1"/>
-          </p:nvPr>
-        </p:nvSpPr>
-        <p:spPr/>
+            <p:ph type="body" sz="half" idx="2"/>
+          </p:nvPr>
+        </p:nvSpPr>
+        <p:spPr>
+          <a:xfrm>
+            <a:off x="2209800" y="3429000"/>
+            <a:ext cx="7772400" cy="2667000"/>
+          </a:xfrm>
+        </p:spPr>
         <p:txBody>
           <a:bodyPr/>
           <a:lstStyle/>
@@ -8052,8 +12981,8 @@
               </a:lnSpc>
             </a:pPr>
             <a:r>
-              <a:rPr lang="en-US" altLang="en-US"/>
-              <a:t>Error rates aren’t even close to 0</a:t>
+              <a:rPr lang="en-US" altLang="en-US" sz="2000"/>
+              <a:t>Reminder: m = 6, i = 1</a:t>
             </a:r>
           </a:p>
           <a:p>
@@ -8063,8 +12992,8 @@
               </a:lnSpc>
             </a:pPr>
             <a:r>
-              <a:rPr lang="en-US" altLang="en-US"/>
-              <a:t>The CNP SFS we observe contains both false +ives and false -ives</a:t>
+              <a:rPr lang="en-US" altLang="en-US" sz="2000"/>
+              <a:t>Sort</a:t>
             </a:r>
           </a:p>
           <a:p>
@@ -8074,8 +13003,8 @@
               </a:lnSpc>
             </a:pPr>
             <a:r>
-              <a:rPr lang="en-US" altLang="en-US"/>
-              <a:t>Thus, we need to adjust our expectations to incorporate the error rate</a:t>
+              <a:rPr lang="en-US" altLang="en-US" sz="2000"/>
+              <a:t>Keep only the loci where the reference lacks the derived allele</a:t>
             </a:r>
           </a:p>
           <a:p>
@@ -8085,16 +13014,943 @@
               </a:lnSpc>
             </a:pPr>
             <a:r>
-              <a:rPr lang="en-US" altLang="en-US"/>
-              <a:t>Our corrections are conservative with respect to inferring purifying selection</a:t>
-            </a:r>
+              <a:rPr lang="en-US" altLang="en-US" sz="2000"/>
+              <a:t>Throw out the reference line</a:t>
+            </a:r>
+          </a:p>
+          <a:p>
+            <a:pPr>
+              <a:lnSpc>
+                <a:spcPct val="90000"/>
+              </a:lnSpc>
+            </a:pPr>
+            <a:r>
+              <a:rPr lang="en-US" altLang="en-US" sz="2000"/>
+              <a:t>Comparison:</a:t>
+            </a:r>
+          </a:p>
+          <a:p>
+            <a:pPr lvl="1">
+              <a:lnSpc>
+                <a:spcPct val="90000"/>
+              </a:lnSpc>
+            </a:pPr>
+            <a:r>
+              <a:rPr lang="en-US" altLang="en-US" sz="1800"/>
+              <a:t>Simulation = 85/100</a:t>
+            </a:r>
+          </a:p>
+          <a:p>
+            <a:pPr lvl="1">
+              <a:lnSpc>
+                <a:spcPct val="90000"/>
+              </a:lnSpc>
+            </a:pPr>
+            <a:r>
+              <a:rPr lang="en-US" altLang="en-US" sz="1800"/>
+              <a:t>Correction factor = (m-i)/m = (6-1)/6 = 5/6</a:t>
+            </a:r>
+          </a:p>
+        </p:txBody>
+      </p:sp>
+      <p:sp>
+        <p:nvSpPr>
+          <p:cNvPr id="159750" name="Rectangle 6"/>
+          <p:cNvSpPr>
+            <a:spLocks noChangeArrowheads="1"/>
+          </p:cNvSpPr>
+          <p:nvPr/>
+        </p:nvSpPr>
+        <p:spPr bwMode="auto">
+          <a:xfrm>
+            <a:off x="2289175" y="2193925"/>
+            <a:ext cx="6491288" cy="730250"/>
+          </a:xfrm>
+          <a:prstGeom prst="rect">
+            <a:avLst/>
+          </a:prstGeom>
+          <a:solidFill>
+            <a:srgbClr val="00FF00">
+              <a:alpha val="35001"/>
+            </a:srgbClr>
+          </a:solidFill>
+          <a:ln>
+            <a:noFill/>
+          </a:ln>
+          <a:extLst>
+            <a:ext uri="{91240B29-F687-4F45-9708-019B960494DF}">
+              <a14:hiddenLine xmlns:a14="http://schemas.microsoft.com/office/drawing/2010/main" w="9525">
+                <a:solidFill>
+                  <a:schemeClr val="tx1"/>
+                </a:solidFill>
+                <a:miter lim="800000"/>
+                <a:headEnd/>
+                <a:tailEnd/>
+              </a14:hiddenLine>
+            </a:ext>
+          </a:extLst>
+        </p:spPr>
+        <p:txBody>
+          <a:bodyPr wrap="none" anchor="ctr"/>
+          <a:lstStyle/>
+          <a:p>
+            <a:endParaRPr lang="en-US"/>
+          </a:p>
+        </p:txBody>
+      </p:sp>
+      <p:sp>
+        <p:nvSpPr>
+          <p:cNvPr id="159751" name="Rectangle 7"/>
+          <p:cNvSpPr>
+            <a:spLocks noChangeArrowheads="1"/>
+          </p:cNvSpPr>
+          <p:nvPr/>
+        </p:nvSpPr>
+        <p:spPr bwMode="auto">
+          <a:xfrm>
+            <a:off x="2289175" y="2051051"/>
+            <a:ext cx="7632700" cy="98425"/>
+          </a:xfrm>
+          <a:prstGeom prst="rect">
+            <a:avLst/>
+          </a:prstGeom>
+          <a:solidFill>
+            <a:srgbClr val="FF0000">
+              <a:alpha val="35001"/>
+            </a:srgbClr>
+          </a:solidFill>
+          <a:ln>
+            <a:noFill/>
+          </a:ln>
+          <a:extLst>
+            <a:ext uri="{91240B29-F687-4F45-9708-019B960494DF}">
+              <a14:hiddenLine xmlns:a14="http://schemas.microsoft.com/office/drawing/2010/main" w="9525">
+                <a:solidFill>
+                  <a:schemeClr val="tx1"/>
+                </a:solidFill>
+                <a:miter lim="800000"/>
+                <a:headEnd/>
+                <a:tailEnd/>
+              </a14:hiddenLine>
+            </a:ext>
+          </a:extLst>
+        </p:spPr>
+        <p:txBody>
+          <a:bodyPr wrap="none" anchor="ctr"/>
+          <a:lstStyle/>
+          <a:p>
+            <a:endParaRPr lang="en-US"/>
           </a:p>
         </p:txBody>
       </p:sp>
     </p:spTree>
     <p:extLst>
       <p:ext uri="{BB962C8B-B14F-4D97-AF65-F5344CB8AC3E}">
-        <p14:creationId xmlns:p14="http://schemas.microsoft.com/office/powerpoint/2010/main" val="904031375"/>
+        <p14:creationId xmlns:p14="http://schemas.microsoft.com/office/powerpoint/2010/main" val="183599378"/>
+      </p:ext>
+    </p:extLst>
+  </p:cSld>
+  <p:clrMapOvr>
+    <a:masterClrMapping/>
+  </p:clrMapOvr>
+  <p:timing>
+    <p:tnLst>
+      <p:par>
+        <p:cTn id="1" dur="indefinite" restart="never" nodeType="tmRoot">
+          <p:childTnLst>
+            <p:seq concurrent="1" nextAc="seek">
+              <p:cTn id="2" dur="indefinite" nodeType="mainSeq">
+                <p:childTnLst>
+                  <p:par>
+                    <p:cTn id="3" fill="hold" nodeType="clickPar">
+                      <p:stCondLst>
+                        <p:cond delay="indefinite"/>
+                      </p:stCondLst>
+                      <p:childTnLst>
+                        <p:par>
+                          <p:cTn id="4" fill="hold" nodeType="withGroup">
+                            <p:stCondLst>
+                              <p:cond delay="0"/>
+                            </p:stCondLst>
+                            <p:childTnLst>
+                              <p:par>
+                                <p:cTn id="5" presetID="9" presetClass="exit" presetSubtype="0" fill="hold" grpId="0" nodeType="clickEffect">
+                                  <p:stCondLst>
+                                    <p:cond delay="0"/>
+                                  </p:stCondLst>
+                                  <p:childTnLst>
+                                    <p:animEffect transition="out" filter="dissolve">
+                                      <p:cBhvr>
+                                        <p:cTn id="6" dur="500"/>
+                                        <p:tgtEl>
+                                          <p:spTgt spid="159746"/>
+                                        </p:tgtEl>
+                                      </p:cBhvr>
+                                    </p:animEffect>
+                                    <p:set>
+                                      <p:cBhvr>
+                                        <p:cTn id="7" dur="1" fill="hold">
+                                          <p:stCondLst>
+                                            <p:cond delay="499"/>
+                                          </p:stCondLst>
+                                        </p:cTn>
+                                        <p:tgtEl>
+                                          <p:spTgt spid="159746"/>
+                                        </p:tgtEl>
+                                        <p:attrNameLst>
+                                          <p:attrName>style.visibility</p:attrName>
+                                        </p:attrNameLst>
+                                      </p:cBhvr>
+                                      <p:to>
+                                        <p:strVal val="hidden"/>
+                                      </p:to>
+                                    </p:set>
+                                  </p:childTnLst>
+                                </p:cTn>
+                              </p:par>
+                              <p:par>
+                                <p:cTn id="8" presetID="1" presetClass="entr" presetSubtype="0" fill="hold" grpId="0" nodeType="withEffect">
+                                  <p:stCondLst>
+                                    <p:cond delay="0"/>
+                                  </p:stCondLst>
+                                  <p:childTnLst>
+                                    <p:set>
+                                      <p:cBhvr>
+                                        <p:cTn id="9" dur="1" fill="hold">
+                                          <p:stCondLst>
+                                            <p:cond delay="499"/>
+                                          </p:stCondLst>
+                                        </p:cTn>
+                                        <p:tgtEl>
+                                          <p:spTgt spid="159749">
+                                            <p:txEl>
+                                              <p:pRg st="1" end="1"/>
+                                            </p:txEl>
+                                          </p:spTgt>
+                                        </p:tgtEl>
+                                        <p:attrNameLst>
+                                          <p:attrName>style.visibility</p:attrName>
+                                        </p:attrNameLst>
+                                      </p:cBhvr>
+                                      <p:to>
+                                        <p:strVal val="visible"/>
+                                      </p:to>
+                                    </p:set>
+                                  </p:childTnLst>
+                                </p:cTn>
+                              </p:par>
+                              <p:par>
+                                <p:cTn id="10" presetID="9" presetClass="entr" presetSubtype="0" fill="hold" grpId="0" nodeType="withEffect">
+                                  <p:stCondLst>
+                                    <p:cond delay="0"/>
+                                  </p:stCondLst>
+                                  <p:childTnLst>
+                                    <p:set>
+                                      <p:cBhvr>
+                                        <p:cTn id="11" dur="1" fill="hold">
+                                          <p:stCondLst>
+                                            <p:cond delay="0"/>
+                                          </p:stCondLst>
+                                        </p:cTn>
+                                        <p:tgtEl>
+                                          <p:spTgt spid="159747"/>
+                                        </p:tgtEl>
+                                        <p:attrNameLst>
+                                          <p:attrName>style.visibility</p:attrName>
+                                        </p:attrNameLst>
+                                      </p:cBhvr>
+                                      <p:to>
+                                        <p:strVal val="visible"/>
+                                      </p:to>
+                                    </p:set>
+                                    <p:animEffect transition="in" filter="dissolve">
+                                      <p:cBhvr>
+                                        <p:cTn id="12" dur="500"/>
+                                        <p:tgtEl>
+                                          <p:spTgt spid="159747"/>
+                                        </p:tgtEl>
+                                      </p:cBhvr>
+                                    </p:animEffect>
+                                  </p:childTnLst>
+                                </p:cTn>
+                              </p:par>
+                            </p:childTnLst>
+                          </p:cTn>
+                        </p:par>
+                      </p:childTnLst>
+                    </p:cTn>
+                  </p:par>
+                  <p:par>
+                    <p:cTn id="13" fill="hold" nodeType="clickPar">
+                      <p:stCondLst>
+                        <p:cond delay="indefinite"/>
+                      </p:stCondLst>
+                      <p:childTnLst>
+                        <p:par>
+                          <p:cTn id="14" fill="hold" nodeType="withGroup">
+                            <p:stCondLst>
+                              <p:cond delay="0"/>
+                            </p:stCondLst>
+                            <p:childTnLst>
+                              <p:par>
+                                <p:cTn id="15" presetID="1" presetClass="entr" presetSubtype="0" fill="hold" grpId="0" nodeType="clickEffect">
+                                  <p:stCondLst>
+                                    <p:cond delay="0"/>
+                                  </p:stCondLst>
+                                  <p:childTnLst>
+                                    <p:set>
+                                      <p:cBhvr>
+                                        <p:cTn id="16" dur="1" fill="hold">
+                                          <p:stCondLst>
+                                            <p:cond delay="499"/>
+                                          </p:stCondLst>
+                                        </p:cTn>
+                                        <p:tgtEl>
+                                          <p:spTgt spid="159749">
+                                            <p:txEl>
+                                              <p:pRg st="2" end="2"/>
+                                            </p:txEl>
+                                          </p:spTgt>
+                                        </p:tgtEl>
+                                        <p:attrNameLst>
+                                          <p:attrName>style.visibility</p:attrName>
+                                        </p:attrNameLst>
+                                      </p:cBhvr>
+                                      <p:to>
+                                        <p:strVal val="visible"/>
+                                      </p:to>
+                                    </p:set>
+                                  </p:childTnLst>
+                                </p:cTn>
+                              </p:par>
+                              <p:par>
+                                <p:cTn id="17" presetID="53" presetClass="entr" presetSubtype="0" fill="hold" grpId="0" nodeType="withEffect">
+                                  <p:stCondLst>
+                                    <p:cond delay="0"/>
+                                  </p:stCondLst>
+                                  <p:childTnLst>
+                                    <p:set>
+                                      <p:cBhvr>
+                                        <p:cTn id="18" dur="1" fill="hold">
+                                          <p:stCondLst>
+                                            <p:cond delay="0"/>
+                                          </p:stCondLst>
+                                        </p:cTn>
+                                        <p:tgtEl>
+                                          <p:spTgt spid="159750"/>
+                                        </p:tgtEl>
+                                        <p:attrNameLst>
+                                          <p:attrName>style.visibility</p:attrName>
+                                        </p:attrNameLst>
+                                      </p:cBhvr>
+                                      <p:to>
+                                        <p:strVal val="visible"/>
+                                      </p:to>
+                                    </p:set>
+                                    <p:anim calcmode="lin" valueType="num">
+                                      <p:cBhvr>
+                                        <p:cTn id="19" dur="500" fill="hold"/>
+                                        <p:tgtEl>
+                                          <p:spTgt spid="159750"/>
+                                        </p:tgtEl>
+                                        <p:attrNameLst>
+                                          <p:attrName>ppt_w</p:attrName>
+                                        </p:attrNameLst>
+                                      </p:cBhvr>
+                                      <p:tavLst>
+                                        <p:tav tm="0">
+                                          <p:val>
+                                            <p:fltVal val="0"/>
+                                          </p:val>
+                                        </p:tav>
+                                        <p:tav tm="100000">
+                                          <p:val>
+                                            <p:strVal val="#ppt_w"/>
+                                          </p:val>
+                                        </p:tav>
+                                      </p:tavLst>
+                                    </p:anim>
+                                    <p:anim calcmode="lin" valueType="num">
+                                      <p:cBhvr>
+                                        <p:cTn id="20" dur="500" fill="hold"/>
+                                        <p:tgtEl>
+                                          <p:spTgt spid="159750"/>
+                                        </p:tgtEl>
+                                        <p:attrNameLst>
+                                          <p:attrName>ppt_h</p:attrName>
+                                        </p:attrNameLst>
+                                      </p:cBhvr>
+                                      <p:tavLst>
+                                        <p:tav tm="0">
+                                          <p:val>
+                                            <p:fltVal val="0"/>
+                                          </p:val>
+                                        </p:tav>
+                                        <p:tav tm="100000">
+                                          <p:val>
+                                            <p:strVal val="#ppt_h"/>
+                                          </p:val>
+                                        </p:tav>
+                                      </p:tavLst>
+                                    </p:anim>
+                                    <p:animEffect transition="in" filter="fade">
+                                      <p:cBhvr>
+                                        <p:cTn id="21" dur="500"/>
+                                        <p:tgtEl>
+                                          <p:spTgt spid="159750"/>
+                                        </p:tgtEl>
+                                      </p:cBhvr>
+                                    </p:animEffect>
+                                  </p:childTnLst>
+                                </p:cTn>
+                              </p:par>
+                            </p:childTnLst>
+                          </p:cTn>
+                        </p:par>
+                      </p:childTnLst>
+                    </p:cTn>
+                  </p:par>
+                  <p:par>
+                    <p:cTn id="22" fill="hold" nodeType="clickPar">
+                      <p:stCondLst>
+                        <p:cond delay="indefinite"/>
+                      </p:stCondLst>
+                      <p:childTnLst>
+                        <p:par>
+                          <p:cTn id="23" fill="hold" nodeType="withGroup">
+                            <p:stCondLst>
+                              <p:cond delay="0"/>
+                            </p:stCondLst>
+                            <p:childTnLst>
+                              <p:par>
+                                <p:cTn id="24" presetID="1" presetClass="entr" presetSubtype="0" fill="hold" grpId="0" nodeType="clickEffect">
+                                  <p:stCondLst>
+                                    <p:cond delay="0"/>
+                                  </p:stCondLst>
+                                  <p:childTnLst>
+                                    <p:set>
+                                      <p:cBhvr>
+                                        <p:cTn id="25" dur="1" fill="hold">
+                                          <p:stCondLst>
+                                            <p:cond delay="499"/>
+                                          </p:stCondLst>
+                                        </p:cTn>
+                                        <p:tgtEl>
+                                          <p:spTgt spid="159749">
+                                            <p:txEl>
+                                              <p:pRg st="3" end="3"/>
+                                            </p:txEl>
+                                          </p:spTgt>
+                                        </p:tgtEl>
+                                        <p:attrNameLst>
+                                          <p:attrName>style.visibility</p:attrName>
+                                        </p:attrNameLst>
+                                      </p:cBhvr>
+                                      <p:to>
+                                        <p:strVal val="visible"/>
+                                      </p:to>
+                                    </p:set>
+                                  </p:childTnLst>
+                                </p:cTn>
+                              </p:par>
+                              <p:par>
+                                <p:cTn id="26" presetID="53" presetClass="entr" presetSubtype="0" fill="hold" grpId="0" nodeType="withEffect">
+                                  <p:stCondLst>
+                                    <p:cond delay="0"/>
+                                  </p:stCondLst>
+                                  <p:childTnLst>
+                                    <p:set>
+                                      <p:cBhvr>
+                                        <p:cTn id="27" dur="1" fill="hold">
+                                          <p:stCondLst>
+                                            <p:cond delay="0"/>
+                                          </p:stCondLst>
+                                        </p:cTn>
+                                        <p:tgtEl>
+                                          <p:spTgt spid="159751"/>
+                                        </p:tgtEl>
+                                        <p:attrNameLst>
+                                          <p:attrName>style.visibility</p:attrName>
+                                        </p:attrNameLst>
+                                      </p:cBhvr>
+                                      <p:to>
+                                        <p:strVal val="visible"/>
+                                      </p:to>
+                                    </p:set>
+                                    <p:anim calcmode="lin" valueType="num">
+                                      <p:cBhvr>
+                                        <p:cTn id="28" dur="500" fill="hold"/>
+                                        <p:tgtEl>
+                                          <p:spTgt spid="159751"/>
+                                        </p:tgtEl>
+                                        <p:attrNameLst>
+                                          <p:attrName>ppt_w</p:attrName>
+                                        </p:attrNameLst>
+                                      </p:cBhvr>
+                                      <p:tavLst>
+                                        <p:tav tm="0">
+                                          <p:val>
+                                            <p:fltVal val="0"/>
+                                          </p:val>
+                                        </p:tav>
+                                        <p:tav tm="100000">
+                                          <p:val>
+                                            <p:strVal val="#ppt_w"/>
+                                          </p:val>
+                                        </p:tav>
+                                      </p:tavLst>
+                                    </p:anim>
+                                    <p:anim calcmode="lin" valueType="num">
+                                      <p:cBhvr>
+                                        <p:cTn id="29" dur="500" fill="hold"/>
+                                        <p:tgtEl>
+                                          <p:spTgt spid="159751"/>
+                                        </p:tgtEl>
+                                        <p:attrNameLst>
+                                          <p:attrName>ppt_h</p:attrName>
+                                        </p:attrNameLst>
+                                      </p:cBhvr>
+                                      <p:tavLst>
+                                        <p:tav tm="0">
+                                          <p:val>
+                                            <p:fltVal val="0"/>
+                                          </p:val>
+                                        </p:tav>
+                                        <p:tav tm="100000">
+                                          <p:val>
+                                            <p:strVal val="#ppt_h"/>
+                                          </p:val>
+                                        </p:tav>
+                                      </p:tavLst>
+                                    </p:anim>
+                                    <p:animEffect transition="in" filter="fade">
+                                      <p:cBhvr>
+                                        <p:cTn id="30" dur="500"/>
+                                        <p:tgtEl>
+                                          <p:spTgt spid="159751"/>
+                                        </p:tgtEl>
+                                      </p:cBhvr>
+                                    </p:animEffect>
+                                  </p:childTnLst>
+                                </p:cTn>
+                              </p:par>
+                            </p:childTnLst>
+                          </p:cTn>
+                        </p:par>
+                      </p:childTnLst>
+                    </p:cTn>
+                  </p:par>
+                  <p:par>
+                    <p:cTn id="31" fill="hold" nodeType="clickPar">
+                      <p:stCondLst>
+                        <p:cond delay="indefinite"/>
+                      </p:stCondLst>
+                      <p:childTnLst>
+                        <p:par>
+                          <p:cTn id="32" fill="hold" nodeType="withGroup">
+                            <p:stCondLst>
+                              <p:cond delay="0"/>
+                            </p:stCondLst>
+                            <p:childTnLst>
+                              <p:par>
+                                <p:cTn id="33" presetID="1" presetClass="entr" presetSubtype="0" fill="hold" grpId="0" nodeType="clickEffect">
+                                  <p:stCondLst>
+                                    <p:cond delay="0"/>
+                                  </p:stCondLst>
+                                  <p:childTnLst>
+                                    <p:set>
+                                      <p:cBhvr>
+                                        <p:cTn id="34" dur="1" fill="hold">
+                                          <p:stCondLst>
+                                            <p:cond delay="499"/>
+                                          </p:stCondLst>
+                                        </p:cTn>
+                                        <p:tgtEl>
+                                          <p:spTgt spid="159749">
+                                            <p:txEl>
+                                              <p:pRg st="4" end="4"/>
+                                            </p:txEl>
+                                          </p:spTgt>
+                                        </p:tgtEl>
+                                        <p:attrNameLst>
+                                          <p:attrName>style.visibility</p:attrName>
+                                        </p:attrNameLst>
+                                      </p:cBhvr>
+                                      <p:to>
+                                        <p:strVal val="visible"/>
+                                      </p:to>
+                                    </p:set>
+                                  </p:childTnLst>
+                                </p:cTn>
+                              </p:par>
+                              <p:par>
+                                <p:cTn id="35" presetID="1" presetClass="entr" presetSubtype="0" fill="hold" grpId="0" nodeType="withEffect">
+                                  <p:stCondLst>
+                                    <p:cond delay="0"/>
+                                  </p:stCondLst>
+                                  <p:childTnLst>
+                                    <p:set>
+                                      <p:cBhvr>
+                                        <p:cTn id="36" dur="1" fill="hold">
+                                          <p:stCondLst>
+                                            <p:cond delay="499"/>
+                                          </p:stCondLst>
+                                        </p:cTn>
+                                        <p:tgtEl>
+                                          <p:spTgt spid="159749">
+                                            <p:txEl>
+                                              <p:pRg st="5" end="5"/>
+                                            </p:txEl>
+                                          </p:spTgt>
+                                        </p:tgtEl>
+                                        <p:attrNameLst>
+                                          <p:attrName>style.visibility</p:attrName>
+                                        </p:attrNameLst>
+                                      </p:cBhvr>
+                                      <p:to>
+                                        <p:strVal val="visible"/>
+                                      </p:to>
+                                    </p:set>
+                                  </p:childTnLst>
+                                </p:cTn>
+                              </p:par>
+                              <p:par>
+                                <p:cTn id="37" presetID="1" presetClass="entr" presetSubtype="0" fill="hold" grpId="0" nodeType="withEffect">
+                                  <p:stCondLst>
+                                    <p:cond delay="0"/>
+                                  </p:stCondLst>
+                                  <p:childTnLst>
+                                    <p:set>
+                                      <p:cBhvr>
+                                        <p:cTn id="38" dur="1" fill="hold">
+                                          <p:stCondLst>
+                                            <p:cond delay="499"/>
+                                          </p:stCondLst>
+                                        </p:cTn>
+                                        <p:tgtEl>
+                                          <p:spTgt spid="159749">
+                                            <p:txEl>
+                                              <p:pRg st="6" end="6"/>
+                                            </p:txEl>
+                                          </p:spTgt>
+                                        </p:tgtEl>
+                                        <p:attrNameLst>
+                                          <p:attrName>style.visibility</p:attrName>
+                                        </p:attrNameLst>
+                                      </p:cBhvr>
+                                      <p:to>
+                                        <p:strVal val="visible"/>
+                                      </p:to>
+                                    </p:set>
+                                  </p:childTnLst>
+                                </p:cTn>
+                              </p:par>
+                            </p:childTnLst>
+                          </p:cTn>
+                        </p:par>
+                      </p:childTnLst>
+                    </p:cTn>
+                  </p:par>
+                </p:childTnLst>
+              </p:cTn>
+              <p:prevCondLst>
+                <p:cond evt="onPrev" delay="0">
+                  <p:tgtEl>
+                    <p:sldTgt/>
+                  </p:tgtEl>
+                </p:cond>
+              </p:prevCondLst>
+              <p:nextCondLst>
+                <p:cond evt="onNext" delay="0">
+                  <p:tgtEl>
+                    <p:sldTgt/>
+                  </p:tgtEl>
+                </p:cond>
+              </p:nextCondLst>
+            </p:seq>
+          </p:childTnLst>
+        </p:cTn>
+      </p:par>
+    </p:tnLst>
+    <p:bldLst>
+      <p:bldP spid="159746" grpId="0"/>
+      <p:bldP spid="159747" grpId="0"/>
+      <p:bldP spid="159749" grpId="0" build="p" autoUpdateAnimBg="0"/>
+      <p:bldP spid="159750" grpId="0" animBg="1"/>
+      <p:bldP spid="159751" grpId="0" animBg="1"/>
+    </p:bldLst>
+  </p:timing>
+</p:sld>
+</file>
+
+<file path=ppt/slides/slide8.xml><?xml version="1.0" encoding="utf-8"?>
+<p:sld xmlns:a="http://schemas.openxmlformats.org/drawingml/2006/main" xmlns:r="http://schemas.openxmlformats.org/officeDocument/2006/relationships" xmlns:p="http://schemas.openxmlformats.org/presentationml/2006/main">
+  <p:cSld>
+    <p:spTree>
+      <p:nvGrpSpPr>
+        <p:cNvPr id="1" name=""/>
+        <p:cNvGrpSpPr/>
+        <p:nvPr/>
+      </p:nvGrpSpPr>
+      <p:grpSpPr>
+        <a:xfrm>
+          <a:off x="0" y="0"/>
+          <a:ext cx="0" cy="0"/>
+          <a:chOff x="0" y="0"/>
+          <a:chExt cx="0" cy="0"/>
+        </a:xfrm>
+      </p:grpSpPr>
+      <p:sp>
+        <p:nvSpPr>
+          <p:cNvPr id="161794" name="Rectangle 2"/>
+          <p:cNvSpPr>
+            <a:spLocks noGrp="1" noChangeArrowheads="1"/>
+          </p:cNvSpPr>
+          <p:nvPr>
+            <p:ph type="title"/>
+          </p:nvPr>
+        </p:nvSpPr>
+        <p:spPr/>
+        <p:txBody>
+          <a:bodyPr/>
+          <a:lstStyle/>
+          <a:p>
+            <a:r>
+              <a:rPr lang="en-US" altLang="en-US"/>
+              <a:t>Ascertainment bias distorts the SFS</a:t>
+            </a:r>
+          </a:p>
+        </p:txBody>
+      </p:sp>
+      <p:pic>
+        <p:nvPicPr>
+          <p:cNvPr id="161795" name="Picture 3" descr="sfs_asc_bias"/>
+          <p:cNvPicPr>
+            <a:picLocks noGrp="1" noChangeAspect="1" noChangeArrowheads="1"/>
+          </p:cNvPicPr>
+          <p:nvPr>
+            <p:ph idx="1"/>
+          </p:nvPr>
+        </p:nvPicPr>
+        <p:blipFill>
+          <a:blip r:embed="rId3">
+            <a:clrChange>
+              <a:clrFrom>
+                <a:srgbClr val="FFFFFF"/>
+              </a:clrFrom>
+              <a:clrTo>
+                <a:srgbClr val="FFFFFF">
+                  <a:alpha val="0"/>
+                </a:srgbClr>
+              </a:clrTo>
+            </a:clrChange>
+            <a:extLst>
+              <a:ext uri="{28A0092B-C50C-407E-A947-70E740481C1C}">
+                <a14:useLocalDpi xmlns:a14="http://schemas.microsoft.com/office/drawing/2010/main" val="0"/>
+              </a:ext>
+            </a:extLst>
+          </a:blip>
+          <a:srcRect/>
+          <a:stretch>
+            <a:fillRect/>
+          </a:stretch>
+        </p:blipFill>
+        <p:spPr>
+          <a:xfrm>
+            <a:off x="2209800" y="2095500"/>
+            <a:ext cx="7772400" cy="3886200"/>
+          </a:xfrm>
+        </p:spPr>
+      </p:pic>
+      <p:sp>
+        <p:nvSpPr>
+          <p:cNvPr id="161796" name="Text Box 4"/>
+          <p:cNvSpPr txBox="1">
+            <a:spLocks noChangeArrowheads="1"/>
+          </p:cNvSpPr>
+          <p:nvPr/>
+        </p:nvSpPr>
+        <p:spPr bwMode="auto">
+          <a:xfrm>
+            <a:off x="4457700" y="5997576"/>
+            <a:ext cx="3276600" cy="646331"/>
+          </a:xfrm>
+          <a:prstGeom prst="rect">
+            <a:avLst/>
+          </a:prstGeom>
+          <a:noFill/>
+          <a:ln>
+            <a:noFill/>
+          </a:ln>
+          <a:extLst>
+            <a:ext uri="{909E8E84-426E-40DD-AFC4-6F175D3DCCD1}">
+              <a14:hiddenFill xmlns:a14="http://schemas.microsoft.com/office/drawing/2010/main">
+                <a:solidFill>
+                  <a:schemeClr val="accent1"/>
+                </a:solidFill>
+              </a14:hiddenFill>
+            </a:ext>
+            <a:ext uri="{91240B29-F687-4F45-9708-019B960494DF}">
+              <a14:hiddenLine xmlns:a14="http://schemas.microsoft.com/office/drawing/2010/main" w="9525">
+                <a:solidFill>
+                  <a:schemeClr val="tx1"/>
+                </a:solidFill>
+                <a:miter lim="800000"/>
+                <a:headEnd/>
+                <a:tailEnd/>
+              </a14:hiddenLine>
+            </a:ext>
+          </a:extLst>
+        </p:spPr>
+        <p:txBody>
+          <a:bodyPr>
+            <a:spAutoFit/>
+          </a:bodyPr>
+          <a:lstStyle/>
+          <a:p>
+            <a:pPr>
+              <a:spcBef>
+                <a:spcPct val="50000"/>
+              </a:spcBef>
+            </a:pPr>
+            <a:r>
+              <a:rPr lang="en-US" altLang="en-US">
+                <a:solidFill>
+                  <a:srgbClr val="FF0000"/>
+                </a:solidFill>
+              </a:rPr>
+              <a:t>Section 7.2 SOM</a:t>
+            </a:r>
+            <a:br>
+              <a:rPr lang="en-US" altLang="en-US">
+                <a:solidFill>
+                  <a:srgbClr val="FF0000"/>
+                </a:solidFill>
+              </a:rPr>
+            </a:br>
+            <a:r>
+              <a:rPr lang="en-US" altLang="en-US">
+                <a:solidFill>
+                  <a:srgbClr val="FF0000"/>
+                </a:solidFill>
+              </a:rPr>
+              <a:t>(eqn 3)</a:t>
+            </a:r>
+          </a:p>
+        </p:txBody>
+      </p:sp>
+    </p:spTree>
+    <p:extLst>
+      <p:ext uri="{BB962C8B-B14F-4D97-AF65-F5344CB8AC3E}">
+        <p14:creationId xmlns:p14="http://schemas.microsoft.com/office/powerpoint/2010/main" val="185931490"/>
+      </p:ext>
+    </p:extLst>
+  </p:cSld>
+  <p:clrMapOvr>
+    <a:masterClrMapping/>
+  </p:clrMapOvr>
+  <p:timing>
+    <p:tnLst>
+      <p:par>
+        <p:cTn id="1" dur="indefinite" restart="never" nodeType="tmRoot"/>
+      </p:par>
+    </p:tnLst>
+  </p:timing>
+</p:sld>
+</file>
+
+<file path=ppt/slides/slide9.xml><?xml version="1.0" encoding="utf-8"?>
+<p:sld xmlns:a="http://schemas.openxmlformats.org/drawingml/2006/main" xmlns:r="http://schemas.openxmlformats.org/officeDocument/2006/relationships" xmlns:p="http://schemas.openxmlformats.org/presentationml/2006/main">
+  <p:cSld>
+    <p:spTree>
+      <p:nvGrpSpPr>
+        <p:cNvPr id="1" name=""/>
+        <p:cNvGrpSpPr/>
+        <p:nvPr/>
+      </p:nvGrpSpPr>
+      <p:grpSpPr>
+        <a:xfrm>
+          <a:off x="0" y="0"/>
+          <a:ext cx="0" cy="0"/>
+          <a:chOff x="0" y="0"/>
+          <a:chExt cx="0" cy="0"/>
+        </a:xfrm>
+      </p:grpSpPr>
+      <p:sp>
+        <p:nvSpPr>
+          <p:cNvPr id="163842" name="Rectangle 2"/>
+          <p:cNvSpPr>
+            <a:spLocks noGrp="1" noChangeArrowheads="1"/>
+          </p:cNvSpPr>
+          <p:nvPr>
+            <p:ph type="title"/>
+          </p:nvPr>
+        </p:nvSpPr>
+        <p:spPr/>
+        <p:txBody>
+          <a:bodyPr/>
+          <a:lstStyle/>
+          <a:p>
+            <a:r>
+              <a:rPr lang="en-US" altLang="en-US"/>
+              <a:t>Summary</a:t>
+            </a:r>
+          </a:p>
+        </p:txBody>
+      </p:sp>
+      <p:sp>
+        <p:nvSpPr>
+          <p:cNvPr id="163843" name="Rectangle 3"/>
+          <p:cNvSpPr>
+            <a:spLocks noGrp="1" noChangeArrowheads="1"/>
+          </p:cNvSpPr>
+          <p:nvPr>
+            <p:ph type="body" idx="1"/>
+          </p:nvPr>
+        </p:nvSpPr>
+        <p:spPr/>
+        <p:txBody>
+          <a:bodyPr/>
+          <a:lstStyle/>
+          <a:p>
+            <a:pPr>
+              <a:lnSpc>
+                <a:spcPct val="90000"/>
+              </a:lnSpc>
+            </a:pPr>
+            <a:r>
+              <a:rPr lang="en-US" altLang="en-US"/>
+              <a:t>Ascertainment bias is a real factor due to array design</a:t>
+            </a:r>
+          </a:p>
+          <a:p>
+            <a:pPr>
+              <a:lnSpc>
+                <a:spcPct val="90000"/>
+              </a:lnSpc>
+            </a:pPr>
+            <a:r>
+              <a:rPr lang="en-US" altLang="en-US"/>
+              <a:t>Correction allows for us determine correct any arbitrary SFS to conform to its expected shape under this bias</a:t>
+            </a:r>
+          </a:p>
+          <a:p>
+            <a:pPr>
+              <a:lnSpc>
+                <a:spcPct val="90000"/>
+              </a:lnSpc>
+            </a:pPr>
+            <a:r>
+              <a:rPr lang="en-US" altLang="en-US"/>
+              <a:t>If our model is accurate, inferences following such correction will not be misled by ascertainment bias</a:t>
+            </a:r>
+          </a:p>
+        </p:txBody>
+      </p:sp>
+    </p:spTree>
+    <p:extLst>
+      <p:ext uri="{BB962C8B-B14F-4D97-AF65-F5344CB8AC3E}">
+        <p14:creationId xmlns:p14="http://schemas.microsoft.com/office/powerpoint/2010/main" val="2020273658"/>
       </p:ext>
     </p:extLst>
   </p:cSld>

--- a/AB_FP_FN.pptx
+++ b/AB_FP_FN.pptx
@@ -6290,7 +6290,7 @@
           <a:graphicData uri="http://schemas.openxmlformats.org/presentationml/2006/ole">
             <mc:AlternateContent xmlns:mc="http://schemas.openxmlformats.org/markup-compatibility/2006">
               <mc:Choice xmlns:v="urn:schemas-microsoft-com:vml" Requires="v">
-                <p:oleObj spid="_x0000_s37889" name="Equation" r:id="rId7" imgW="406400" imgH="393700" progId="Equation.3">
+                <p:oleObj spid="_x0000_s37891" name="Equation" r:id="rId7" imgW="406400" imgH="393700" progId="Equation.3">
                   <p:embed/>
                 </p:oleObj>
               </mc:Choice>
@@ -6424,7 +6424,7 @@
           <a:graphicData uri="http://schemas.openxmlformats.org/presentationml/2006/ole">
             <mc:AlternateContent xmlns:mc="http://schemas.openxmlformats.org/markup-compatibility/2006">
               <mc:Choice xmlns:v="urn:schemas-microsoft-com:vml" Requires="v">
-                <p:oleObj spid="_x0000_s37890" name="Equation" r:id="rId9" imgW="1003300" imgH="406400" progId="Equation.3">
+                <p:oleObj spid="_x0000_s37892" name="Equation" r:id="rId9" imgW="1003300" imgH="406400" progId="Equation.3">
                   <p:embed/>
                 </p:oleObj>
               </mc:Choice>
